--- a/Informatics Presentation .pptx
+++ b/Informatics Presentation .pptx
@@ -10,12 +10,14 @@
     <p:sldId id="258" r:id="rId4"/>
     <p:sldId id="259" r:id="rId5"/>
     <p:sldId id="260" r:id="rId6"/>
-    <p:sldId id="261" r:id="rId7"/>
-    <p:sldId id="262" r:id="rId8"/>
-    <p:sldId id="266" r:id="rId9"/>
-    <p:sldId id="263" r:id="rId10"/>
-    <p:sldId id="264" r:id="rId11"/>
-    <p:sldId id="265" r:id="rId12"/>
+    <p:sldId id="267" r:id="rId7"/>
+    <p:sldId id="268" r:id="rId8"/>
+    <p:sldId id="261" r:id="rId9"/>
+    <p:sldId id="262" r:id="rId10"/>
+    <p:sldId id="266" r:id="rId11"/>
+    <p:sldId id="263" r:id="rId12"/>
+    <p:sldId id="264" r:id="rId13"/>
+    <p:sldId id="265" r:id="rId14"/>
   </p:sldIdLst>
   <p:sldSz cx="12192000" cy="6858000"/>
   <p:notesSz cx="6858000" cy="9144000"/>
@@ -114,10 +116,762 @@
       </a:defRPr>
     </a:lvl9pPr>
   </p:defaultTextStyle>
+  <p:extLst>
+    <p:ext uri="{EFAFB233-063F-42B5-8137-9DF3F51BA10A}">
+      <p15:sldGuideLst xmlns:p15="http://schemas.microsoft.com/office/powerpoint/2012/main"/>
+    </p:ext>
+  </p:extLst>
 </p:presentation>
 </file>
 
 <file path=ppt/diagrams/colors1.xml><?xml version="1.0" encoding="utf-8"?>
+<dgm:colorsDef xmlns:dgm="http://schemas.openxmlformats.org/drawingml/2006/diagram" xmlns:a="http://schemas.openxmlformats.org/drawingml/2006/main" uniqueId="urn:microsoft.com/office/officeart/2005/8/colors/accent1_2">
+  <dgm:title val=""/>
+  <dgm:desc val=""/>
+  <dgm:catLst>
+    <dgm:cat type="accent1" pri="11200"/>
+  </dgm:catLst>
+  <dgm:styleLbl name="node0">
+    <dgm:fillClrLst meth="repeat">
+      <a:schemeClr val="accent1"/>
+    </dgm:fillClrLst>
+    <dgm:linClrLst meth="repeat">
+      <a:schemeClr val="lt1"/>
+    </dgm:linClrLst>
+    <dgm:effectClrLst/>
+    <dgm:txLinClrLst/>
+    <dgm:txFillClrLst/>
+    <dgm:txEffectClrLst/>
+  </dgm:styleLbl>
+  <dgm:styleLbl name="alignNode1">
+    <dgm:fillClrLst meth="repeat">
+      <a:schemeClr val="accent1"/>
+    </dgm:fillClrLst>
+    <dgm:linClrLst meth="repeat">
+      <a:schemeClr val="accent1"/>
+    </dgm:linClrLst>
+    <dgm:effectClrLst/>
+    <dgm:txLinClrLst/>
+    <dgm:txFillClrLst/>
+    <dgm:txEffectClrLst/>
+  </dgm:styleLbl>
+  <dgm:styleLbl name="node1">
+    <dgm:fillClrLst meth="repeat">
+      <a:schemeClr val="accent1"/>
+    </dgm:fillClrLst>
+    <dgm:linClrLst meth="repeat">
+      <a:schemeClr val="lt1"/>
+    </dgm:linClrLst>
+    <dgm:effectClrLst/>
+    <dgm:txLinClrLst/>
+    <dgm:txFillClrLst/>
+    <dgm:txEffectClrLst/>
+  </dgm:styleLbl>
+  <dgm:styleLbl name="lnNode1">
+    <dgm:fillClrLst meth="repeat">
+      <a:schemeClr val="accent1"/>
+    </dgm:fillClrLst>
+    <dgm:linClrLst meth="repeat">
+      <a:schemeClr val="lt1"/>
+    </dgm:linClrLst>
+    <dgm:effectClrLst/>
+    <dgm:txLinClrLst/>
+    <dgm:txFillClrLst/>
+    <dgm:txEffectClrLst/>
+  </dgm:styleLbl>
+  <dgm:styleLbl name="vennNode1">
+    <dgm:fillClrLst meth="repeat">
+      <a:schemeClr val="accent1">
+        <a:alpha val="50000"/>
+      </a:schemeClr>
+    </dgm:fillClrLst>
+    <dgm:linClrLst meth="repeat">
+      <a:schemeClr val="lt1"/>
+    </dgm:linClrLst>
+    <dgm:effectClrLst/>
+    <dgm:txLinClrLst/>
+    <dgm:txFillClrLst/>
+    <dgm:txEffectClrLst/>
+  </dgm:styleLbl>
+  <dgm:styleLbl name="node2">
+    <dgm:fillClrLst meth="repeat">
+      <a:schemeClr val="accent1"/>
+    </dgm:fillClrLst>
+    <dgm:linClrLst meth="repeat">
+      <a:schemeClr val="lt1"/>
+    </dgm:linClrLst>
+    <dgm:effectClrLst/>
+    <dgm:txLinClrLst/>
+    <dgm:txFillClrLst/>
+    <dgm:txEffectClrLst/>
+  </dgm:styleLbl>
+  <dgm:styleLbl name="node3">
+    <dgm:fillClrLst meth="repeat">
+      <a:schemeClr val="accent1"/>
+    </dgm:fillClrLst>
+    <dgm:linClrLst meth="repeat">
+      <a:schemeClr val="lt1"/>
+    </dgm:linClrLst>
+    <dgm:effectClrLst/>
+    <dgm:txLinClrLst/>
+    <dgm:txFillClrLst/>
+    <dgm:txEffectClrLst/>
+  </dgm:styleLbl>
+  <dgm:styleLbl name="node4">
+    <dgm:fillClrLst meth="repeat">
+      <a:schemeClr val="accent1"/>
+    </dgm:fillClrLst>
+    <dgm:linClrLst meth="repeat">
+      <a:schemeClr val="lt1"/>
+    </dgm:linClrLst>
+    <dgm:effectClrLst/>
+    <dgm:txLinClrLst/>
+    <dgm:txFillClrLst/>
+    <dgm:txEffectClrLst/>
+  </dgm:styleLbl>
+  <dgm:styleLbl name="fgImgPlace1">
+    <dgm:fillClrLst meth="repeat">
+      <a:schemeClr val="accent1">
+        <a:tint val="50000"/>
+      </a:schemeClr>
+    </dgm:fillClrLst>
+    <dgm:linClrLst meth="repeat">
+      <a:schemeClr val="lt1"/>
+    </dgm:linClrLst>
+    <dgm:effectClrLst/>
+    <dgm:txLinClrLst/>
+    <dgm:txFillClrLst meth="repeat">
+      <a:schemeClr val="lt1"/>
+    </dgm:txFillClrLst>
+    <dgm:txEffectClrLst/>
+  </dgm:styleLbl>
+  <dgm:styleLbl name="alignImgPlace1">
+    <dgm:fillClrLst meth="repeat">
+      <a:schemeClr val="accent1">
+        <a:tint val="50000"/>
+      </a:schemeClr>
+    </dgm:fillClrLst>
+    <dgm:linClrLst meth="repeat">
+      <a:schemeClr val="lt1"/>
+    </dgm:linClrLst>
+    <dgm:effectClrLst/>
+    <dgm:txLinClrLst/>
+    <dgm:txFillClrLst meth="repeat">
+      <a:schemeClr val="lt1"/>
+    </dgm:txFillClrLst>
+    <dgm:txEffectClrLst/>
+  </dgm:styleLbl>
+  <dgm:styleLbl name="bgImgPlace1">
+    <dgm:fillClrLst meth="repeat">
+      <a:schemeClr val="accent1">
+        <a:tint val="50000"/>
+      </a:schemeClr>
+    </dgm:fillClrLst>
+    <dgm:linClrLst meth="repeat">
+      <a:schemeClr val="lt1"/>
+    </dgm:linClrLst>
+    <dgm:effectClrLst/>
+    <dgm:txLinClrLst/>
+    <dgm:txFillClrLst meth="repeat">
+      <a:schemeClr val="lt1"/>
+    </dgm:txFillClrLst>
+    <dgm:txEffectClrLst/>
+  </dgm:styleLbl>
+  <dgm:styleLbl name="sibTrans2D1">
+    <dgm:fillClrLst meth="repeat">
+      <a:schemeClr val="accent1">
+        <a:tint val="60000"/>
+      </a:schemeClr>
+    </dgm:fillClrLst>
+    <dgm:linClrLst meth="repeat">
+      <a:schemeClr val="accent1">
+        <a:tint val="60000"/>
+      </a:schemeClr>
+    </dgm:linClrLst>
+    <dgm:effectClrLst/>
+    <dgm:txLinClrLst/>
+    <dgm:txFillClrLst/>
+    <dgm:txEffectClrLst/>
+  </dgm:styleLbl>
+  <dgm:styleLbl name="fgSibTrans2D1">
+    <dgm:fillClrLst meth="repeat">
+      <a:schemeClr val="accent1">
+        <a:tint val="60000"/>
+      </a:schemeClr>
+    </dgm:fillClrLst>
+    <dgm:linClrLst meth="repeat">
+      <a:schemeClr val="accent1">
+        <a:tint val="60000"/>
+      </a:schemeClr>
+    </dgm:linClrLst>
+    <dgm:effectClrLst/>
+    <dgm:txLinClrLst/>
+    <dgm:txFillClrLst/>
+    <dgm:txEffectClrLst/>
+  </dgm:styleLbl>
+  <dgm:styleLbl name="bgSibTrans2D1">
+    <dgm:fillClrLst meth="repeat">
+      <a:schemeClr val="accent1">
+        <a:tint val="60000"/>
+      </a:schemeClr>
+    </dgm:fillClrLst>
+    <dgm:linClrLst meth="repeat">
+      <a:schemeClr val="accent1">
+        <a:tint val="60000"/>
+      </a:schemeClr>
+    </dgm:linClrLst>
+    <dgm:effectClrLst/>
+    <dgm:txLinClrLst/>
+    <dgm:txFillClrLst/>
+    <dgm:txEffectClrLst/>
+  </dgm:styleLbl>
+  <dgm:styleLbl name="sibTrans1D1">
+    <dgm:fillClrLst meth="repeat">
+      <a:schemeClr val="accent1"/>
+    </dgm:fillClrLst>
+    <dgm:linClrLst meth="repeat">
+      <a:schemeClr val="accent1"/>
+    </dgm:linClrLst>
+    <dgm:effectClrLst/>
+    <dgm:txLinClrLst/>
+    <dgm:txFillClrLst meth="repeat">
+      <a:schemeClr val="tx1"/>
+    </dgm:txFillClrLst>
+    <dgm:txEffectClrLst/>
+  </dgm:styleLbl>
+  <dgm:styleLbl name="callout">
+    <dgm:fillClrLst meth="repeat">
+      <a:schemeClr val="accent1"/>
+    </dgm:fillClrLst>
+    <dgm:linClrLst meth="repeat">
+      <a:schemeClr val="accent1">
+        <a:tint val="50000"/>
+      </a:schemeClr>
+    </dgm:linClrLst>
+    <dgm:effectClrLst/>
+    <dgm:txLinClrLst/>
+    <dgm:txFillClrLst meth="repeat">
+      <a:schemeClr val="tx1"/>
+    </dgm:txFillClrLst>
+    <dgm:txEffectClrLst/>
+  </dgm:styleLbl>
+  <dgm:styleLbl name="asst0">
+    <dgm:fillClrLst meth="repeat">
+      <a:schemeClr val="accent1"/>
+    </dgm:fillClrLst>
+    <dgm:linClrLst meth="repeat">
+      <a:schemeClr val="lt1"/>
+    </dgm:linClrLst>
+    <dgm:effectClrLst/>
+    <dgm:txLinClrLst/>
+    <dgm:txFillClrLst/>
+    <dgm:txEffectClrLst/>
+  </dgm:styleLbl>
+  <dgm:styleLbl name="asst1">
+    <dgm:fillClrLst meth="repeat">
+      <a:schemeClr val="accent1"/>
+    </dgm:fillClrLst>
+    <dgm:linClrLst meth="repeat">
+      <a:schemeClr val="lt1"/>
+    </dgm:linClrLst>
+    <dgm:effectClrLst/>
+    <dgm:txLinClrLst/>
+    <dgm:txFillClrLst/>
+    <dgm:txEffectClrLst/>
+  </dgm:styleLbl>
+  <dgm:styleLbl name="asst2">
+    <dgm:fillClrLst meth="repeat">
+      <a:schemeClr val="accent1"/>
+    </dgm:fillClrLst>
+    <dgm:linClrLst meth="repeat">
+      <a:schemeClr val="lt1"/>
+    </dgm:linClrLst>
+    <dgm:effectClrLst/>
+    <dgm:txLinClrLst/>
+    <dgm:txFillClrLst/>
+    <dgm:txEffectClrLst/>
+  </dgm:styleLbl>
+  <dgm:styleLbl name="asst3">
+    <dgm:fillClrLst meth="repeat">
+      <a:schemeClr val="accent1"/>
+    </dgm:fillClrLst>
+    <dgm:linClrLst meth="repeat">
+      <a:schemeClr val="lt1"/>
+    </dgm:linClrLst>
+    <dgm:effectClrLst/>
+    <dgm:txLinClrLst/>
+    <dgm:txFillClrLst/>
+    <dgm:txEffectClrLst/>
+  </dgm:styleLbl>
+  <dgm:styleLbl name="asst4">
+    <dgm:fillClrLst meth="repeat">
+      <a:schemeClr val="accent1"/>
+    </dgm:fillClrLst>
+    <dgm:linClrLst meth="repeat">
+      <a:schemeClr val="lt1"/>
+    </dgm:linClrLst>
+    <dgm:effectClrLst/>
+    <dgm:txLinClrLst/>
+    <dgm:txFillClrLst/>
+    <dgm:txEffectClrLst/>
+  </dgm:styleLbl>
+  <dgm:styleLbl name="parChTrans2D1">
+    <dgm:fillClrLst meth="repeat">
+      <a:schemeClr val="accent1">
+        <a:tint val="60000"/>
+      </a:schemeClr>
+    </dgm:fillClrLst>
+    <dgm:linClrLst meth="repeat">
+      <a:schemeClr val="accent1">
+        <a:tint val="60000"/>
+      </a:schemeClr>
+    </dgm:linClrLst>
+    <dgm:effectClrLst/>
+    <dgm:txLinClrLst/>
+    <dgm:txFillClrLst meth="repeat">
+      <a:schemeClr val="lt1"/>
+    </dgm:txFillClrLst>
+    <dgm:txEffectClrLst/>
+  </dgm:styleLbl>
+  <dgm:styleLbl name="parChTrans2D2">
+    <dgm:fillClrLst meth="repeat">
+      <a:schemeClr val="accent1"/>
+    </dgm:fillClrLst>
+    <dgm:linClrLst meth="repeat">
+      <a:schemeClr val="accent1"/>
+    </dgm:linClrLst>
+    <dgm:effectClrLst/>
+    <dgm:txLinClrLst/>
+    <dgm:txFillClrLst meth="repeat">
+      <a:schemeClr val="lt1"/>
+    </dgm:txFillClrLst>
+    <dgm:txEffectClrLst/>
+  </dgm:styleLbl>
+  <dgm:styleLbl name="parChTrans2D3">
+    <dgm:fillClrLst meth="repeat">
+      <a:schemeClr val="accent1"/>
+    </dgm:fillClrLst>
+    <dgm:linClrLst meth="repeat">
+      <a:schemeClr val="accent1"/>
+    </dgm:linClrLst>
+    <dgm:effectClrLst/>
+    <dgm:txLinClrLst/>
+    <dgm:txFillClrLst meth="repeat">
+      <a:schemeClr val="lt1"/>
+    </dgm:txFillClrLst>
+    <dgm:txEffectClrLst/>
+  </dgm:styleLbl>
+  <dgm:styleLbl name="parChTrans2D4">
+    <dgm:fillClrLst meth="repeat">
+      <a:schemeClr val="accent1"/>
+    </dgm:fillClrLst>
+    <dgm:linClrLst meth="repeat">
+      <a:schemeClr val="accent1"/>
+    </dgm:linClrLst>
+    <dgm:effectClrLst/>
+    <dgm:txLinClrLst/>
+    <dgm:txFillClrLst meth="repeat">
+      <a:schemeClr val="lt1"/>
+    </dgm:txFillClrLst>
+    <dgm:txEffectClrLst/>
+  </dgm:styleLbl>
+  <dgm:styleLbl name="parChTrans1D1">
+    <dgm:fillClrLst meth="repeat">
+      <a:schemeClr val="accent1"/>
+    </dgm:fillClrLst>
+    <dgm:linClrLst meth="repeat">
+      <a:schemeClr val="accent1">
+        <a:shade val="60000"/>
+      </a:schemeClr>
+    </dgm:linClrLst>
+    <dgm:effectClrLst/>
+    <dgm:txLinClrLst/>
+    <dgm:txFillClrLst meth="repeat">
+      <a:schemeClr val="tx1"/>
+    </dgm:txFillClrLst>
+    <dgm:txEffectClrLst/>
+  </dgm:styleLbl>
+  <dgm:styleLbl name="parChTrans1D2">
+    <dgm:fillClrLst meth="repeat">
+      <a:schemeClr val="accent1"/>
+    </dgm:fillClrLst>
+    <dgm:linClrLst meth="repeat">
+      <a:schemeClr val="accent1">
+        <a:shade val="60000"/>
+      </a:schemeClr>
+    </dgm:linClrLst>
+    <dgm:effectClrLst/>
+    <dgm:txLinClrLst/>
+    <dgm:txFillClrLst meth="repeat">
+      <a:schemeClr val="tx1"/>
+    </dgm:txFillClrLst>
+    <dgm:txEffectClrLst/>
+  </dgm:styleLbl>
+  <dgm:styleLbl name="parChTrans1D3">
+    <dgm:fillClrLst meth="repeat">
+      <a:schemeClr val="accent1"/>
+    </dgm:fillClrLst>
+    <dgm:linClrLst meth="repeat">
+      <a:schemeClr val="accent1">
+        <a:shade val="80000"/>
+      </a:schemeClr>
+    </dgm:linClrLst>
+    <dgm:effectClrLst/>
+    <dgm:txLinClrLst/>
+    <dgm:txFillClrLst meth="repeat">
+      <a:schemeClr val="tx1"/>
+    </dgm:txFillClrLst>
+    <dgm:txEffectClrLst/>
+  </dgm:styleLbl>
+  <dgm:styleLbl name="parChTrans1D4">
+    <dgm:fillClrLst meth="repeat">
+      <a:schemeClr val="accent1"/>
+    </dgm:fillClrLst>
+    <dgm:linClrLst meth="repeat">
+      <a:schemeClr val="accent1">
+        <a:shade val="80000"/>
+      </a:schemeClr>
+    </dgm:linClrLst>
+    <dgm:effectClrLst/>
+    <dgm:txLinClrLst/>
+    <dgm:txFillClrLst meth="repeat">
+      <a:schemeClr val="tx1"/>
+    </dgm:txFillClrLst>
+    <dgm:txEffectClrLst/>
+  </dgm:styleLbl>
+  <dgm:styleLbl name="fgAcc1">
+    <dgm:fillClrLst meth="repeat">
+      <a:schemeClr val="lt1">
+        <a:alpha val="90000"/>
+      </a:schemeClr>
+    </dgm:fillClrLst>
+    <dgm:linClrLst meth="repeat">
+      <a:schemeClr val="accent1"/>
+    </dgm:linClrLst>
+    <dgm:effectClrLst/>
+    <dgm:txLinClrLst/>
+    <dgm:txFillClrLst meth="repeat">
+      <a:schemeClr val="dk1"/>
+    </dgm:txFillClrLst>
+    <dgm:txEffectClrLst/>
+  </dgm:styleLbl>
+  <dgm:styleLbl name="conFgAcc1">
+    <dgm:fillClrLst meth="repeat">
+      <a:schemeClr val="lt1">
+        <a:alpha val="90000"/>
+      </a:schemeClr>
+    </dgm:fillClrLst>
+    <dgm:linClrLst meth="repeat">
+      <a:schemeClr val="accent1"/>
+    </dgm:linClrLst>
+    <dgm:effectClrLst/>
+    <dgm:txLinClrLst/>
+    <dgm:txFillClrLst meth="repeat">
+      <a:schemeClr val="dk1"/>
+    </dgm:txFillClrLst>
+    <dgm:txEffectClrLst/>
+  </dgm:styleLbl>
+  <dgm:styleLbl name="alignAcc1">
+    <dgm:fillClrLst meth="repeat">
+      <a:schemeClr val="lt1">
+        <a:alpha val="90000"/>
+      </a:schemeClr>
+    </dgm:fillClrLst>
+    <dgm:linClrLst meth="repeat">
+      <a:schemeClr val="accent1"/>
+    </dgm:linClrLst>
+    <dgm:effectClrLst/>
+    <dgm:txLinClrLst/>
+    <dgm:txFillClrLst meth="repeat">
+      <a:schemeClr val="dk1"/>
+    </dgm:txFillClrLst>
+    <dgm:txEffectClrLst/>
+  </dgm:styleLbl>
+  <dgm:styleLbl name="trAlignAcc1">
+    <dgm:fillClrLst meth="repeat">
+      <a:schemeClr val="lt1">
+        <a:alpha val="40000"/>
+      </a:schemeClr>
+    </dgm:fillClrLst>
+    <dgm:linClrLst meth="repeat">
+      <a:schemeClr val="accent1"/>
+    </dgm:linClrLst>
+    <dgm:effectClrLst/>
+    <dgm:txLinClrLst/>
+    <dgm:txFillClrLst meth="repeat">
+      <a:schemeClr val="dk1"/>
+    </dgm:txFillClrLst>
+    <dgm:txEffectClrLst/>
+  </dgm:styleLbl>
+  <dgm:styleLbl name="bgAcc1">
+    <dgm:fillClrLst meth="repeat">
+      <a:schemeClr val="lt1">
+        <a:alpha val="90000"/>
+      </a:schemeClr>
+    </dgm:fillClrLst>
+    <dgm:linClrLst meth="repeat">
+      <a:schemeClr val="accent1"/>
+    </dgm:linClrLst>
+    <dgm:effectClrLst/>
+    <dgm:txLinClrLst/>
+    <dgm:txFillClrLst meth="repeat">
+      <a:schemeClr val="dk1"/>
+    </dgm:txFillClrLst>
+    <dgm:txEffectClrLst/>
+  </dgm:styleLbl>
+  <dgm:styleLbl name="solidFgAcc1">
+    <dgm:fillClrLst meth="repeat">
+      <a:schemeClr val="lt1"/>
+    </dgm:fillClrLst>
+    <dgm:linClrLst meth="repeat">
+      <a:schemeClr val="accent1"/>
+    </dgm:linClrLst>
+    <dgm:effectClrLst/>
+    <dgm:txLinClrLst/>
+    <dgm:txFillClrLst meth="repeat">
+      <a:schemeClr val="dk1"/>
+    </dgm:txFillClrLst>
+    <dgm:txEffectClrLst/>
+  </dgm:styleLbl>
+  <dgm:styleLbl name="solidAlignAcc1">
+    <dgm:fillClrLst meth="repeat">
+      <a:schemeClr val="lt1"/>
+    </dgm:fillClrLst>
+    <dgm:linClrLst meth="repeat">
+      <a:schemeClr val="accent1"/>
+    </dgm:linClrLst>
+    <dgm:effectClrLst/>
+    <dgm:txLinClrLst/>
+    <dgm:txFillClrLst meth="repeat">
+      <a:schemeClr val="dk1"/>
+    </dgm:txFillClrLst>
+    <dgm:txEffectClrLst/>
+  </dgm:styleLbl>
+  <dgm:styleLbl name="solidBgAcc1">
+    <dgm:fillClrLst meth="repeat">
+      <a:schemeClr val="lt1"/>
+    </dgm:fillClrLst>
+    <dgm:linClrLst meth="repeat">
+      <a:schemeClr val="accent1"/>
+    </dgm:linClrLst>
+    <dgm:effectClrLst/>
+    <dgm:txLinClrLst/>
+    <dgm:txFillClrLst meth="repeat">
+      <a:schemeClr val="dk1"/>
+    </dgm:txFillClrLst>
+    <dgm:txEffectClrLst/>
+  </dgm:styleLbl>
+  <dgm:styleLbl name="fgAccFollowNode1">
+    <dgm:fillClrLst meth="repeat">
+      <a:schemeClr val="accent1">
+        <a:alpha val="90000"/>
+        <a:tint val="40000"/>
+      </a:schemeClr>
+    </dgm:fillClrLst>
+    <dgm:linClrLst meth="repeat">
+      <a:schemeClr val="accent1">
+        <a:alpha val="90000"/>
+        <a:tint val="40000"/>
+      </a:schemeClr>
+    </dgm:linClrLst>
+    <dgm:effectClrLst/>
+    <dgm:txLinClrLst/>
+    <dgm:txFillClrLst meth="repeat">
+      <a:schemeClr val="dk1"/>
+    </dgm:txFillClrLst>
+    <dgm:txEffectClrLst/>
+  </dgm:styleLbl>
+  <dgm:styleLbl name="alignAccFollowNode1">
+    <dgm:fillClrLst meth="repeat">
+      <a:schemeClr val="accent1">
+        <a:alpha val="90000"/>
+        <a:tint val="40000"/>
+      </a:schemeClr>
+    </dgm:fillClrLst>
+    <dgm:linClrLst meth="repeat">
+      <a:schemeClr val="accent1">
+        <a:alpha val="90000"/>
+        <a:tint val="40000"/>
+      </a:schemeClr>
+    </dgm:linClrLst>
+    <dgm:effectClrLst/>
+    <dgm:txLinClrLst/>
+    <dgm:txFillClrLst meth="repeat">
+      <a:schemeClr val="dk1"/>
+    </dgm:txFillClrLst>
+    <dgm:txEffectClrLst/>
+  </dgm:styleLbl>
+  <dgm:styleLbl name="bgAccFollowNode1">
+    <dgm:fillClrLst meth="repeat">
+      <a:schemeClr val="accent1">
+        <a:alpha val="90000"/>
+        <a:tint val="40000"/>
+      </a:schemeClr>
+    </dgm:fillClrLst>
+    <dgm:linClrLst meth="repeat">
+      <a:schemeClr val="accent1">
+        <a:alpha val="90000"/>
+        <a:tint val="40000"/>
+      </a:schemeClr>
+    </dgm:linClrLst>
+    <dgm:effectClrLst/>
+    <dgm:txLinClrLst/>
+    <dgm:txFillClrLst meth="repeat">
+      <a:schemeClr val="dk1"/>
+    </dgm:txFillClrLst>
+    <dgm:txEffectClrLst/>
+  </dgm:styleLbl>
+  <dgm:styleLbl name="fgAcc0">
+    <dgm:fillClrLst meth="repeat">
+      <a:schemeClr val="lt1">
+        <a:alpha val="90000"/>
+      </a:schemeClr>
+    </dgm:fillClrLst>
+    <dgm:linClrLst meth="repeat">
+      <a:schemeClr val="accent1"/>
+    </dgm:linClrLst>
+    <dgm:effectClrLst/>
+    <dgm:txLinClrLst/>
+    <dgm:txFillClrLst meth="repeat">
+      <a:schemeClr val="dk1"/>
+    </dgm:txFillClrLst>
+    <dgm:txEffectClrLst/>
+  </dgm:styleLbl>
+  <dgm:styleLbl name="fgAcc2">
+    <dgm:fillClrLst meth="repeat">
+      <a:schemeClr val="lt1">
+        <a:alpha val="90000"/>
+      </a:schemeClr>
+    </dgm:fillClrLst>
+    <dgm:linClrLst meth="repeat">
+      <a:schemeClr val="accent1"/>
+    </dgm:linClrLst>
+    <dgm:effectClrLst/>
+    <dgm:txLinClrLst/>
+    <dgm:txFillClrLst meth="repeat">
+      <a:schemeClr val="dk1"/>
+    </dgm:txFillClrLst>
+    <dgm:txEffectClrLst/>
+  </dgm:styleLbl>
+  <dgm:styleLbl name="fgAcc3">
+    <dgm:fillClrLst meth="repeat">
+      <a:schemeClr val="lt1">
+        <a:alpha val="90000"/>
+      </a:schemeClr>
+    </dgm:fillClrLst>
+    <dgm:linClrLst meth="repeat">
+      <a:schemeClr val="accent1"/>
+    </dgm:linClrLst>
+    <dgm:effectClrLst/>
+    <dgm:txLinClrLst/>
+    <dgm:txFillClrLst meth="repeat">
+      <a:schemeClr val="dk1"/>
+    </dgm:txFillClrLst>
+    <dgm:txEffectClrLst/>
+  </dgm:styleLbl>
+  <dgm:styleLbl name="fgAcc4">
+    <dgm:fillClrLst meth="repeat">
+      <a:schemeClr val="lt1">
+        <a:alpha val="90000"/>
+      </a:schemeClr>
+    </dgm:fillClrLst>
+    <dgm:linClrLst meth="repeat">
+      <a:schemeClr val="accent1"/>
+    </dgm:linClrLst>
+    <dgm:effectClrLst/>
+    <dgm:txLinClrLst/>
+    <dgm:txFillClrLst meth="repeat">
+      <a:schemeClr val="dk1"/>
+    </dgm:txFillClrLst>
+    <dgm:txEffectClrLst/>
+  </dgm:styleLbl>
+  <dgm:styleLbl name="bgShp">
+    <dgm:fillClrLst meth="repeat">
+      <a:schemeClr val="accent1">
+        <a:tint val="40000"/>
+      </a:schemeClr>
+    </dgm:fillClrLst>
+    <dgm:linClrLst meth="repeat">
+      <a:schemeClr val="accent1"/>
+    </dgm:linClrLst>
+    <dgm:effectClrLst/>
+    <dgm:txLinClrLst/>
+    <dgm:txFillClrLst meth="repeat">
+      <a:schemeClr val="dk1"/>
+    </dgm:txFillClrLst>
+    <dgm:txEffectClrLst/>
+  </dgm:styleLbl>
+  <dgm:styleLbl name="dkBgShp">
+    <dgm:fillClrLst meth="repeat">
+      <a:schemeClr val="accent1">
+        <a:shade val="80000"/>
+      </a:schemeClr>
+    </dgm:fillClrLst>
+    <dgm:linClrLst meth="repeat">
+      <a:schemeClr val="accent1"/>
+    </dgm:linClrLst>
+    <dgm:effectClrLst/>
+    <dgm:txLinClrLst/>
+    <dgm:txFillClrLst meth="repeat">
+      <a:schemeClr val="lt1"/>
+    </dgm:txFillClrLst>
+    <dgm:txEffectClrLst/>
+  </dgm:styleLbl>
+  <dgm:styleLbl name="trBgShp">
+    <dgm:fillClrLst meth="repeat">
+      <a:schemeClr val="accent1">
+        <a:tint val="50000"/>
+        <a:alpha val="40000"/>
+      </a:schemeClr>
+    </dgm:fillClrLst>
+    <dgm:linClrLst meth="repeat">
+      <a:schemeClr val="accent1"/>
+    </dgm:linClrLst>
+    <dgm:effectClrLst/>
+    <dgm:txLinClrLst/>
+    <dgm:txFillClrLst meth="repeat">
+      <a:schemeClr val="lt1"/>
+    </dgm:txFillClrLst>
+    <dgm:txEffectClrLst/>
+  </dgm:styleLbl>
+  <dgm:styleLbl name="fgShp">
+    <dgm:fillClrLst meth="repeat">
+      <a:schemeClr val="accent1">
+        <a:tint val="60000"/>
+      </a:schemeClr>
+    </dgm:fillClrLst>
+    <dgm:linClrLst meth="repeat">
+      <a:schemeClr val="lt1"/>
+    </dgm:linClrLst>
+    <dgm:effectClrLst/>
+    <dgm:txLinClrLst/>
+    <dgm:txFillClrLst meth="repeat">
+      <a:schemeClr val="dk1"/>
+    </dgm:txFillClrLst>
+    <dgm:txEffectClrLst/>
+  </dgm:styleLbl>
+  <dgm:styleLbl name="revTx">
+    <dgm:fillClrLst meth="repeat">
+      <a:schemeClr val="lt1">
+        <a:alpha val="0"/>
+      </a:schemeClr>
+    </dgm:fillClrLst>
+    <dgm:linClrLst meth="repeat">
+      <a:schemeClr val="dk1">
+        <a:alpha val="0"/>
+      </a:schemeClr>
+    </dgm:linClrLst>
+    <dgm:effectClrLst/>
+    <dgm:txLinClrLst/>
+    <dgm:txFillClrLst meth="repeat">
+      <a:schemeClr val="tx1"/>
+    </dgm:txFillClrLst>
+    <dgm:txEffectClrLst/>
+  </dgm:styleLbl>
+</dgm:colorsDef>
+</file>
+
+<file path=ppt/diagrams/colors2.xml><?xml version="1.0" encoding="utf-8"?>
 <dgm:colorsDef xmlns:dgm="http://schemas.openxmlformats.org/drawingml/2006/diagram" xmlns:a="http://schemas.openxmlformats.org/drawingml/2006/main" uniqueId="urn:microsoft.com/office/officeart/2018/5/colors/Iconchunking_neutralicon_colorful1">
   <dgm:title val=""/>
   <dgm:desc val=""/>
@@ -1038,7 +1792,7 @@
 </dgm:colorsDef>
 </file>
 
-<file path=ppt/diagrams/colors2.xml><?xml version="1.0" encoding="utf-8"?>
+<file path=ppt/diagrams/colors3.xml><?xml version="1.0" encoding="utf-8"?>
 <dgm:colorsDef xmlns:dgm="http://schemas.openxmlformats.org/drawingml/2006/diagram" xmlns:a="http://schemas.openxmlformats.org/drawingml/2006/main" uniqueId="urn:microsoft.com/office/officeart/2018/5/colors/Iconchunking_neutralicontext_colorful1">
   <dgm:title val=""/>
   <dgm:desc val=""/>
@@ -1959,7 +2713,7 @@
 </dgm:colorsDef>
 </file>
 
-<file path=ppt/diagrams/colors3.xml><?xml version="1.0" encoding="utf-8"?>
+<file path=ppt/diagrams/colors4.xml><?xml version="1.0" encoding="utf-8"?>
 <dgm:colorsDef xmlns:dgm="http://schemas.openxmlformats.org/drawingml/2006/diagram" xmlns:a="http://schemas.openxmlformats.org/drawingml/2006/main" uniqueId="urn:microsoft.com/office/officeart/2018/5/colors/Iconchunking_neutralbg_colorful1">
   <dgm:title val=""/>
   <dgm:desc val=""/>
@@ -2881,6 +3635,335 @@
 </file>
 
 <file path=ppt/diagrams/data1.xml><?xml version="1.0" encoding="utf-8"?>
+<dgm:dataModel xmlns:dgm="http://schemas.openxmlformats.org/drawingml/2006/diagram" xmlns:a="http://schemas.openxmlformats.org/drawingml/2006/main">
+  <dgm:ptLst>
+    <dgm:pt modelId="{2AD4ED79-9BD2-4879-A849-200E070329B3}" type="doc">
+      <dgm:prSet loTypeId="urn:microsoft.com/office/officeart/2018/2/layout/IconLabelList" loCatId="icon" qsTypeId="urn:microsoft.com/office/officeart/2005/8/quickstyle/simple1" qsCatId="simple" csTypeId="urn:microsoft.com/office/officeart/2005/8/colors/accent1_2" csCatId="accent1" phldr="1"/>
+      <dgm:spPr/>
+      <dgm:t>
+        <a:bodyPr/>
+        <a:lstStyle/>
+        <a:p>
+          <a:endParaRPr lang="en-US"/>
+        </a:p>
+      </dgm:t>
+    </dgm:pt>
+    <dgm:pt modelId="{61AD7B2B-C76D-44AE-A49A-44D2FA6E5488}">
+      <dgm:prSet/>
+      <dgm:spPr/>
+      <dgm:t>
+        <a:bodyPr/>
+        <a:lstStyle/>
+        <a:p>
+          <a:pPr>
+            <a:lnSpc>
+              <a:spcPct val="100000"/>
+            </a:lnSpc>
+          </a:pPr>
+          <a:r>
+            <a:rPr lang="en-IN" b="1"/>
+            <a:t>StandardScaler:</a:t>
+          </a:r>
+          <a:r>
+            <a:rPr lang="en-IN"/>
+            <a:t>. This improved the performance of Ridge Regression, which can be sensitive to different feature scales.</a:t>
+          </a:r>
+          <a:endParaRPr lang="en-US"/>
+        </a:p>
+      </dgm:t>
+    </dgm:pt>
+    <dgm:pt modelId="{9D4DC88C-CD29-4A0B-803B-E008CCC0F50C}" type="parTrans" cxnId="{BB1EAEB8-1766-4609-B750-CB5569E8CB2F}">
+      <dgm:prSet/>
+      <dgm:spPr/>
+      <dgm:t>
+        <a:bodyPr/>
+        <a:lstStyle/>
+        <a:p>
+          <a:endParaRPr lang="en-US"/>
+        </a:p>
+      </dgm:t>
+    </dgm:pt>
+    <dgm:pt modelId="{0538F06E-7807-411A-B52D-68A9BA20FB4F}" type="sibTrans" cxnId="{BB1EAEB8-1766-4609-B750-CB5569E8CB2F}">
+      <dgm:prSet/>
+      <dgm:spPr/>
+      <dgm:t>
+        <a:bodyPr/>
+        <a:lstStyle/>
+        <a:p>
+          <a:endParaRPr lang="en-US"/>
+        </a:p>
+      </dgm:t>
+    </dgm:pt>
+    <dgm:pt modelId="{24399FEB-DF74-44B6-8325-9B3ABBDF0FCD}">
+      <dgm:prSet/>
+      <dgm:spPr/>
+      <dgm:t>
+        <a:bodyPr/>
+        <a:lstStyle/>
+        <a:p>
+          <a:pPr>
+            <a:lnSpc>
+              <a:spcPct val="100000"/>
+            </a:lnSpc>
+          </a:pPr>
+          <a:r>
+            <a:rPr lang="en-IN" b="1"/>
+            <a:t>Train_test_split:</a:t>
+          </a:r>
+          <a:r>
+            <a:rPr lang="en-IN"/>
+            <a:t> splitting the data into training and testing sets, ensured the model learns from diverse data and doesn't simply memorize the training set. </a:t>
+          </a:r>
+          <a:endParaRPr lang="en-US"/>
+        </a:p>
+      </dgm:t>
+    </dgm:pt>
+    <dgm:pt modelId="{AB91F550-0A53-45DB-90F7-9C2EFC5AC85A}" type="parTrans" cxnId="{6862663B-7D52-4E73-B674-849B6D429F74}">
+      <dgm:prSet/>
+      <dgm:spPr/>
+      <dgm:t>
+        <a:bodyPr/>
+        <a:lstStyle/>
+        <a:p>
+          <a:endParaRPr lang="en-US"/>
+        </a:p>
+      </dgm:t>
+    </dgm:pt>
+    <dgm:pt modelId="{DE0F8449-8FF6-4D23-BE82-DB310DF0DC7E}" type="sibTrans" cxnId="{6862663B-7D52-4E73-B674-849B6D429F74}">
+      <dgm:prSet/>
+      <dgm:spPr/>
+      <dgm:t>
+        <a:bodyPr/>
+        <a:lstStyle/>
+        <a:p>
+          <a:endParaRPr lang="en-US"/>
+        </a:p>
+      </dgm:t>
+    </dgm:pt>
+    <dgm:pt modelId="{F49A7D38-2A36-4862-8B7C-26FF8C8BABB7}">
+      <dgm:prSet/>
+      <dgm:spPr/>
+      <dgm:t>
+        <a:bodyPr/>
+        <a:lstStyle/>
+        <a:p>
+          <a:pPr>
+            <a:lnSpc>
+              <a:spcPct val="100000"/>
+            </a:lnSpc>
+          </a:pPr>
+          <a:r>
+            <a:rPr lang="en-IN" b="1"/>
+            <a:t>Mean_squared_error (MSE) and r2_score:</a:t>
+          </a:r>
+          <a:r>
+            <a:rPr lang="en-IN"/>
+            <a:t> Was helpful in depiction correlation of 96% accuracy between Pricing and Features. </a:t>
+          </a:r>
+          <a:endParaRPr lang="en-US"/>
+        </a:p>
+      </dgm:t>
+    </dgm:pt>
+    <dgm:pt modelId="{18A9F9F1-3F93-4855-B270-6F71B8E4AFA4}" type="parTrans" cxnId="{4C7FCFED-3FD3-4D26-93D4-61D7E468CF41}">
+      <dgm:prSet/>
+      <dgm:spPr/>
+      <dgm:t>
+        <a:bodyPr/>
+        <a:lstStyle/>
+        <a:p>
+          <a:endParaRPr lang="en-US"/>
+        </a:p>
+      </dgm:t>
+    </dgm:pt>
+    <dgm:pt modelId="{BD88ED2A-92F6-4A1E-B3B7-DAFAD6739BBA}" type="sibTrans" cxnId="{4C7FCFED-3FD3-4D26-93D4-61D7E468CF41}">
+      <dgm:prSet/>
+      <dgm:spPr/>
+      <dgm:t>
+        <a:bodyPr/>
+        <a:lstStyle/>
+        <a:p>
+          <a:endParaRPr lang="en-US"/>
+        </a:p>
+      </dgm:t>
+    </dgm:pt>
+    <dgm:pt modelId="{01888A20-E463-44DD-BF66-E336BE40B80F}" type="pres">
+      <dgm:prSet presAssocID="{2AD4ED79-9BD2-4879-A849-200E070329B3}" presName="root" presStyleCnt="0">
+        <dgm:presLayoutVars>
+          <dgm:dir/>
+          <dgm:resizeHandles val="exact"/>
+        </dgm:presLayoutVars>
+      </dgm:prSet>
+      <dgm:spPr/>
+    </dgm:pt>
+    <dgm:pt modelId="{2C4C0956-6D14-44B2-89BC-F5C9EC236095}" type="pres">
+      <dgm:prSet presAssocID="{61AD7B2B-C76D-44AE-A49A-44D2FA6E5488}" presName="compNode" presStyleCnt="0"/>
+      <dgm:spPr/>
+    </dgm:pt>
+    <dgm:pt modelId="{CF8708F8-ACA4-4364-ACB1-2BFBFC34778B}" type="pres">
+      <dgm:prSet presAssocID="{61AD7B2B-C76D-44AE-A49A-44D2FA6E5488}" presName="iconRect" presStyleLbl="node1" presStyleIdx="0" presStyleCnt="3"/>
+      <dgm:spPr>
+        <a:blipFill>
+          <a:blip xmlns:r="http://schemas.openxmlformats.org/officeDocument/2006/relationships" r:embed="rId1">
+            <a:extLst>
+              <a:ext uri="{28A0092B-C50C-407E-A947-70E740481C1C}">
+                <a14:useLocalDpi xmlns:a14="http://schemas.microsoft.com/office/drawing/2010/main" val="0"/>
+              </a:ext>
+              <a:ext uri="{96DAC541-7B7A-43D3-8B79-37D633B846F1}">
+                <asvg:svgBlip xmlns:asvg="http://schemas.microsoft.com/office/drawing/2016/SVG/main" r:embed="rId2"/>
+              </a:ext>
+            </a:extLst>
+          </a:blip>
+          <a:stretch>
+            <a:fillRect/>
+          </a:stretch>
+        </a:blipFill>
+      </dgm:spPr>
+      <dgm:extLst>
+        <a:ext uri="{E40237B7-FDA0-4F09-8148-C483321AD2D9}">
+          <dgm14:cNvPr xmlns:dgm14="http://schemas.microsoft.com/office/drawing/2010/diagram" id="0" name="" descr="Canyon scene"/>
+        </a:ext>
+      </dgm:extLst>
+    </dgm:pt>
+    <dgm:pt modelId="{5C4DFB08-5E96-4097-B7AA-6D9693A01B61}" type="pres">
+      <dgm:prSet presAssocID="{61AD7B2B-C76D-44AE-A49A-44D2FA6E5488}" presName="spaceRect" presStyleCnt="0"/>
+      <dgm:spPr/>
+    </dgm:pt>
+    <dgm:pt modelId="{A5247AE7-6EFA-48EC-88CB-7C1934DEEDB3}" type="pres">
+      <dgm:prSet presAssocID="{61AD7B2B-C76D-44AE-A49A-44D2FA6E5488}" presName="textRect" presStyleLbl="revTx" presStyleIdx="0" presStyleCnt="3">
+        <dgm:presLayoutVars>
+          <dgm:chMax val="1"/>
+          <dgm:chPref val="1"/>
+        </dgm:presLayoutVars>
+      </dgm:prSet>
+      <dgm:spPr/>
+    </dgm:pt>
+    <dgm:pt modelId="{47E28654-CC75-4390-A2D8-CB7DAA32D629}" type="pres">
+      <dgm:prSet presAssocID="{0538F06E-7807-411A-B52D-68A9BA20FB4F}" presName="sibTrans" presStyleCnt="0"/>
+      <dgm:spPr/>
+    </dgm:pt>
+    <dgm:pt modelId="{2CDB035B-159C-4A72-A494-1D307692757D}" type="pres">
+      <dgm:prSet presAssocID="{24399FEB-DF74-44B6-8325-9B3ABBDF0FCD}" presName="compNode" presStyleCnt="0"/>
+      <dgm:spPr/>
+    </dgm:pt>
+    <dgm:pt modelId="{5C0C0F82-4A64-40CA-B5F8-653560B1BADC}" type="pres">
+      <dgm:prSet presAssocID="{24399FEB-DF74-44B6-8325-9B3ABBDF0FCD}" presName="iconRect" presStyleLbl="node1" presStyleIdx="1" presStyleCnt="3"/>
+      <dgm:spPr>
+        <a:blipFill>
+          <a:blip xmlns:r="http://schemas.openxmlformats.org/officeDocument/2006/relationships" r:embed="rId3">
+            <a:extLst>
+              <a:ext uri="{28A0092B-C50C-407E-A947-70E740481C1C}">
+                <a14:useLocalDpi xmlns:a14="http://schemas.microsoft.com/office/drawing/2010/main" val="0"/>
+              </a:ext>
+              <a:ext uri="{96DAC541-7B7A-43D3-8B79-37D633B846F1}">
+                <asvg:svgBlip xmlns:asvg="http://schemas.microsoft.com/office/drawing/2016/SVG/main" r:embed="rId4"/>
+              </a:ext>
+            </a:extLst>
+          </a:blip>
+          <a:stretch>
+            <a:fillRect/>
+          </a:stretch>
+        </a:blipFill>
+      </dgm:spPr>
+      <dgm:extLst>
+        <a:ext uri="{E40237B7-FDA0-4F09-8148-C483321AD2D9}">
+          <dgm14:cNvPr xmlns:dgm14="http://schemas.microsoft.com/office/drawing/2010/diagram" id="0" name="" descr="Classroom"/>
+        </a:ext>
+      </dgm:extLst>
+    </dgm:pt>
+    <dgm:pt modelId="{3122666C-A8C3-48C6-A99C-20D9C0BCDC3C}" type="pres">
+      <dgm:prSet presAssocID="{24399FEB-DF74-44B6-8325-9B3ABBDF0FCD}" presName="spaceRect" presStyleCnt="0"/>
+      <dgm:spPr/>
+    </dgm:pt>
+    <dgm:pt modelId="{BB2AE2B9-635B-4C6A-ADD6-4D3AA075ACCA}" type="pres">
+      <dgm:prSet presAssocID="{24399FEB-DF74-44B6-8325-9B3ABBDF0FCD}" presName="textRect" presStyleLbl="revTx" presStyleIdx="1" presStyleCnt="3">
+        <dgm:presLayoutVars>
+          <dgm:chMax val="1"/>
+          <dgm:chPref val="1"/>
+        </dgm:presLayoutVars>
+      </dgm:prSet>
+      <dgm:spPr/>
+    </dgm:pt>
+    <dgm:pt modelId="{F174B19E-694F-4255-859F-B58121379989}" type="pres">
+      <dgm:prSet presAssocID="{DE0F8449-8FF6-4D23-BE82-DB310DF0DC7E}" presName="sibTrans" presStyleCnt="0"/>
+      <dgm:spPr/>
+    </dgm:pt>
+    <dgm:pt modelId="{3F8C5A76-1277-4DFB-81D9-D892E405932B}" type="pres">
+      <dgm:prSet presAssocID="{F49A7D38-2A36-4862-8B7C-26FF8C8BABB7}" presName="compNode" presStyleCnt="0"/>
+      <dgm:spPr/>
+    </dgm:pt>
+    <dgm:pt modelId="{F6C95A9E-3A3D-4284-A3A1-31A36E5DFAD3}" type="pres">
+      <dgm:prSet presAssocID="{F49A7D38-2A36-4862-8B7C-26FF8C8BABB7}" presName="iconRect" presStyleLbl="node1" presStyleIdx="2" presStyleCnt="3"/>
+      <dgm:spPr>
+        <a:blipFill>
+          <a:blip xmlns:r="http://schemas.openxmlformats.org/officeDocument/2006/relationships" r:embed="rId5">
+            <a:extLst>
+              <a:ext uri="{28A0092B-C50C-407E-A947-70E740481C1C}">
+                <a14:useLocalDpi xmlns:a14="http://schemas.microsoft.com/office/drawing/2010/main" val="0"/>
+              </a:ext>
+              <a:ext uri="{96DAC541-7B7A-43D3-8B79-37D633B846F1}">
+                <asvg:svgBlip xmlns:asvg="http://schemas.microsoft.com/office/drawing/2016/SVG/main" r:embed="rId6"/>
+              </a:ext>
+            </a:extLst>
+          </a:blip>
+          <a:stretch>
+            <a:fillRect/>
+          </a:stretch>
+        </a:blipFill>
+      </dgm:spPr>
+      <dgm:extLst>
+        <a:ext uri="{E40237B7-FDA0-4F09-8148-C483321AD2D9}">
+          <dgm14:cNvPr xmlns:dgm14="http://schemas.microsoft.com/office/drawing/2010/diagram" id="0" name="" descr="Statistics"/>
+        </a:ext>
+      </dgm:extLst>
+    </dgm:pt>
+    <dgm:pt modelId="{9EC1BD6E-46A5-4EAB-A316-4775C6EEDBFC}" type="pres">
+      <dgm:prSet presAssocID="{F49A7D38-2A36-4862-8B7C-26FF8C8BABB7}" presName="spaceRect" presStyleCnt="0"/>
+      <dgm:spPr/>
+    </dgm:pt>
+    <dgm:pt modelId="{B8BD73F9-DD83-44DC-8404-6C8AC72328C3}" type="pres">
+      <dgm:prSet presAssocID="{F49A7D38-2A36-4862-8B7C-26FF8C8BABB7}" presName="textRect" presStyleLbl="revTx" presStyleIdx="2" presStyleCnt="3">
+        <dgm:presLayoutVars>
+          <dgm:chMax val="1"/>
+          <dgm:chPref val="1"/>
+        </dgm:presLayoutVars>
+      </dgm:prSet>
+      <dgm:spPr/>
+    </dgm:pt>
+  </dgm:ptLst>
+  <dgm:cxnLst>
+    <dgm:cxn modelId="{0AFF062F-EC89-44C5-938D-D5BDB69B47AF}" type="presOf" srcId="{2AD4ED79-9BD2-4879-A849-200E070329B3}" destId="{01888A20-E463-44DD-BF66-E336BE40B80F}" srcOrd="0" destOrd="0" presId="urn:microsoft.com/office/officeart/2018/2/layout/IconLabelList"/>
+    <dgm:cxn modelId="{6862663B-7D52-4E73-B674-849B6D429F74}" srcId="{2AD4ED79-9BD2-4879-A849-200E070329B3}" destId="{24399FEB-DF74-44B6-8325-9B3ABBDF0FCD}" srcOrd="1" destOrd="0" parTransId="{AB91F550-0A53-45DB-90F7-9C2EFC5AC85A}" sibTransId="{DE0F8449-8FF6-4D23-BE82-DB310DF0DC7E}"/>
+    <dgm:cxn modelId="{84D91853-1B44-43B2-B976-57E3C990BF01}" type="presOf" srcId="{24399FEB-DF74-44B6-8325-9B3ABBDF0FCD}" destId="{BB2AE2B9-635B-4C6A-ADD6-4D3AA075ACCA}" srcOrd="0" destOrd="0" presId="urn:microsoft.com/office/officeart/2018/2/layout/IconLabelList"/>
+    <dgm:cxn modelId="{FD76515A-AC2B-4117-B127-A4FA82F8DC1A}" type="presOf" srcId="{61AD7B2B-C76D-44AE-A49A-44D2FA6E5488}" destId="{A5247AE7-6EFA-48EC-88CB-7C1934DEEDB3}" srcOrd="0" destOrd="0" presId="urn:microsoft.com/office/officeart/2018/2/layout/IconLabelList"/>
+    <dgm:cxn modelId="{31B198A5-120D-4427-B1BC-7F420B18E176}" type="presOf" srcId="{F49A7D38-2A36-4862-8B7C-26FF8C8BABB7}" destId="{B8BD73F9-DD83-44DC-8404-6C8AC72328C3}" srcOrd="0" destOrd="0" presId="urn:microsoft.com/office/officeart/2018/2/layout/IconLabelList"/>
+    <dgm:cxn modelId="{BB1EAEB8-1766-4609-B750-CB5569E8CB2F}" srcId="{2AD4ED79-9BD2-4879-A849-200E070329B3}" destId="{61AD7B2B-C76D-44AE-A49A-44D2FA6E5488}" srcOrd="0" destOrd="0" parTransId="{9D4DC88C-CD29-4A0B-803B-E008CCC0F50C}" sibTransId="{0538F06E-7807-411A-B52D-68A9BA20FB4F}"/>
+    <dgm:cxn modelId="{4C7FCFED-3FD3-4D26-93D4-61D7E468CF41}" srcId="{2AD4ED79-9BD2-4879-A849-200E070329B3}" destId="{F49A7D38-2A36-4862-8B7C-26FF8C8BABB7}" srcOrd="2" destOrd="0" parTransId="{18A9F9F1-3F93-4855-B270-6F71B8E4AFA4}" sibTransId="{BD88ED2A-92F6-4A1E-B3B7-DAFAD6739BBA}"/>
+    <dgm:cxn modelId="{FF0DD6A0-A815-4E88-B64B-1375AF6A0EF1}" type="presParOf" srcId="{01888A20-E463-44DD-BF66-E336BE40B80F}" destId="{2C4C0956-6D14-44B2-89BC-F5C9EC236095}" srcOrd="0" destOrd="0" presId="urn:microsoft.com/office/officeart/2018/2/layout/IconLabelList"/>
+    <dgm:cxn modelId="{73EA09BF-7953-4525-98D9-A30AB9547845}" type="presParOf" srcId="{2C4C0956-6D14-44B2-89BC-F5C9EC236095}" destId="{CF8708F8-ACA4-4364-ACB1-2BFBFC34778B}" srcOrd="0" destOrd="0" presId="urn:microsoft.com/office/officeart/2018/2/layout/IconLabelList"/>
+    <dgm:cxn modelId="{6C1D30D5-9E3C-4BA1-9952-AFAF75DC77D6}" type="presParOf" srcId="{2C4C0956-6D14-44B2-89BC-F5C9EC236095}" destId="{5C4DFB08-5E96-4097-B7AA-6D9693A01B61}" srcOrd="1" destOrd="0" presId="urn:microsoft.com/office/officeart/2018/2/layout/IconLabelList"/>
+    <dgm:cxn modelId="{B67567E1-91D9-4433-9928-F2FC07CD5F94}" type="presParOf" srcId="{2C4C0956-6D14-44B2-89BC-F5C9EC236095}" destId="{A5247AE7-6EFA-48EC-88CB-7C1934DEEDB3}" srcOrd="2" destOrd="0" presId="urn:microsoft.com/office/officeart/2018/2/layout/IconLabelList"/>
+    <dgm:cxn modelId="{6C544B59-B445-47EA-999F-D200528EB483}" type="presParOf" srcId="{01888A20-E463-44DD-BF66-E336BE40B80F}" destId="{47E28654-CC75-4390-A2D8-CB7DAA32D629}" srcOrd="1" destOrd="0" presId="urn:microsoft.com/office/officeart/2018/2/layout/IconLabelList"/>
+    <dgm:cxn modelId="{969F3147-BDCE-4DEF-98E8-E5140BEB8E74}" type="presParOf" srcId="{01888A20-E463-44DD-BF66-E336BE40B80F}" destId="{2CDB035B-159C-4A72-A494-1D307692757D}" srcOrd="2" destOrd="0" presId="urn:microsoft.com/office/officeart/2018/2/layout/IconLabelList"/>
+    <dgm:cxn modelId="{9DA4F1F3-1588-40AA-A93D-AD04E9148DB7}" type="presParOf" srcId="{2CDB035B-159C-4A72-A494-1D307692757D}" destId="{5C0C0F82-4A64-40CA-B5F8-653560B1BADC}" srcOrd="0" destOrd="0" presId="urn:microsoft.com/office/officeart/2018/2/layout/IconLabelList"/>
+    <dgm:cxn modelId="{E566D014-971B-468E-9FF1-3A17AD3E95ED}" type="presParOf" srcId="{2CDB035B-159C-4A72-A494-1D307692757D}" destId="{3122666C-A8C3-48C6-A99C-20D9C0BCDC3C}" srcOrd="1" destOrd="0" presId="urn:microsoft.com/office/officeart/2018/2/layout/IconLabelList"/>
+    <dgm:cxn modelId="{EDF3EB24-A378-4C5B-8DA9-3247BE965F8D}" type="presParOf" srcId="{2CDB035B-159C-4A72-A494-1D307692757D}" destId="{BB2AE2B9-635B-4C6A-ADD6-4D3AA075ACCA}" srcOrd="2" destOrd="0" presId="urn:microsoft.com/office/officeart/2018/2/layout/IconLabelList"/>
+    <dgm:cxn modelId="{7C5FABB4-2207-4CCF-9A16-EAE67F641D95}" type="presParOf" srcId="{01888A20-E463-44DD-BF66-E336BE40B80F}" destId="{F174B19E-694F-4255-859F-B58121379989}" srcOrd="3" destOrd="0" presId="urn:microsoft.com/office/officeart/2018/2/layout/IconLabelList"/>
+    <dgm:cxn modelId="{1B065F33-74AA-436A-B73B-1280C48CF539}" type="presParOf" srcId="{01888A20-E463-44DD-BF66-E336BE40B80F}" destId="{3F8C5A76-1277-4DFB-81D9-D892E405932B}" srcOrd="4" destOrd="0" presId="urn:microsoft.com/office/officeart/2018/2/layout/IconLabelList"/>
+    <dgm:cxn modelId="{4FFEEF50-7F75-497B-A6A0-CED6FCDAF070}" type="presParOf" srcId="{3F8C5A76-1277-4DFB-81D9-D892E405932B}" destId="{F6C95A9E-3A3D-4284-A3A1-31A36E5DFAD3}" srcOrd="0" destOrd="0" presId="urn:microsoft.com/office/officeart/2018/2/layout/IconLabelList"/>
+    <dgm:cxn modelId="{41C745E0-C332-4582-BDE2-C2F479E8650C}" type="presParOf" srcId="{3F8C5A76-1277-4DFB-81D9-D892E405932B}" destId="{9EC1BD6E-46A5-4EAB-A316-4775C6EEDBFC}" srcOrd="1" destOrd="0" presId="urn:microsoft.com/office/officeart/2018/2/layout/IconLabelList"/>
+    <dgm:cxn modelId="{DD97B74A-7CF7-480B-988D-0DF37BB2CBBF}" type="presParOf" srcId="{3F8C5A76-1277-4DFB-81D9-D892E405932B}" destId="{B8BD73F9-DD83-44DC-8404-6C8AC72328C3}" srcOrd="2" destOrd="0" presId="urn:microsoft.com/office/officeart/2018/2/layout/IconLabelList"/>
+  </dgm:cxnLst>
+  <dgm:bg/>
+  <dgm:whole/>
+  <dgm:extLst>
+    <a:ext uri="http://schemas.microsoft.com/office/drawing/2008/diagram">
+      <dsp:dataModelExt xmlns:dsp="http://schemas.microsoft.com/office/drawing/2008/diagram" relId="rId6" minVer="http://schemas.openxmlformats.org/drawingml/2006/diagram"/>
+    </a:ext>
+  </dgm:extLst>
+</dgm:dataModel>
+</file>
+
+<file path=ppt/diagrams/data2.xml><?xml version="1.0" encoding="utf-8"?>
 <dgm:dataModel xmlns:dgm="http://schemas.openxmlformats.org/drawingml/2006/diagram" xmlns:a="http://schemas.openxmlformats.org/drawingml/2006/main">
   <dgm:ptLst>
     <dgm:pt modelId="{2CAEC1DD-A96E-4688-B0E8-7C7AD815D2ED}" type="doc">
@@ -3313,7 +4396,7 @@
 </dgm:dataModel>
 </file>
 
-<file path=ppt/diagrams/data2.xml><?xml version="1.0" encoding="utf-8"?>
+<file path=ppt/diagrams/data3.xml><?xml version="1.0" encoding="utf-8"?>
 <dgm:dataModel xmlns:dgm="http://schemas.openxmlformats.org/drawingml/2006/diagram" xmlns:a="http://schemas.openxmlformats.org/drawingml/2006/main">
   <dgm:ptLst>
     <dgm:pt modelId="{F0E18A32-425C-46F2-AB99-FA0865BE8A16}" type="doc">
@@ -3733,7 +4816,7 @@
 </dgm:dataModel>
 </file>
 
-<file path=ppt/diagrams/data3.xml><?xml version="1.0" encoding="utf-8"?>
+<file path=ppt/diagrams/data4.xml><?xml version="1.0" encoding="utf-8"?>
 <dgm:dataModel xmlns:dgm="http://schemas.openxmlformats.org/drawingml/2006/diagram" xmlns:a="http://schemas.openxmlformats.org/drawingml/2006/main">
   <dgm:ptLst>
     <dgm:pt modelId="{96283C11-544A-4BF6-B942-E31AB24F904C}" type="doc">
@@ -3950,6 +5033,384 @@
 </file>
 
 <file path=ppt/diagrams/drawing1.xml><?xml version="1.0" encoding="utf-8"?>
+<dsp:drawing xmlns:dgm="http://schemas.openxmlformats.org/drawingml/2006/diagram" xmlns:dsp="http://schemas.microsoft.com/office/drawing/2008/diagram" xmlns:a="http://schemas.openxmlformats.org/drawingml/2006/main">
+  <dsp:spTree>
+    <dsp:nvGrpSpPr>
+      <dsp:cNvPr id="0" name=""/>
+      <dsp:cNvGrpSpPr/>
+    </dsp:nvGrpSpPr>
+    <dsp:grpSpPr/>
+    <dsp:sp modelId="{CF8708F8-ACA4-4364-ACB1-2BFBFC34778B}">
+      <dsp:nvSpPr>
+        <dsp:cNvPr id="0" name=""/>
+        <dsp:cNvSpPr/>
+      </dsp:nvSpPr>
+      <dsp:spPr>
+        <a:xfrm>
+          <a:off x="1212569" y="987197"/>
+          <a:ext cx="1300252" cy="1300252"/>
+        </a:xfrm>
+        <a:prstGeom prst="rect">
+          <a:avLst/>
+        </a:prstGeom>
+        <a:blipFill>
+          <a:blip xmlns:r="http://schemas.openxmlformats.org/officeDocument/2006/relationships" r:embed="rId1">
+            <a:extLst>
+              <a:ext uri="{28A0092B-C50C-407E-A947-70E740481C1C}">
+                <a14:useLocalDpi xmlns:a14="http://schemas.microsoft.com/office/drawing/2010/main" val="0"/>
+              </a:ext>
+              <a:ext uri="{96DAC541-7B7A-43D3-8B79-37D633B846F1}">
+                <asvg:svgBlip xmlns:asvg="http://schemas.microsoft.com/office/drawing/2016/SVG/main" r:embed="rId2"/>
+              </a:ext>
+            </a:extLst>
+          </a:blip>
+          <a:stretch>
+            <a:fillRect/>
+          </a:stretch>
+        </a:blipFill>
+        <a:ln w="12700" cap="flat" cmpd="sng" algn="ctr">
+          <a:solidFill>
+            <a:schemeClr val="lt1">
+              <a:hueOff val="0"/>
+              <a:satOff val="0"/>
+              <a:lumOff val="0"/>
+              <a:alphaOff val="0"/>
+            </a:schemeClr>
+          </a:solidFill>
+          <a:prstDash val="solid"/>
+          <a:miter lim="800000"/>
+        </a:ln>
+        <a:effectLst/>
+      </dsp:spPr>
+      <dsp:style>
+        <a:lnRef idx="2">
+          <a:scrgbClr r="0" g="0" b="0"/>
+        </a:lnRef>
+        <a:fillRef idx="1">
+          <a:scrgbClr r="0" g="0" b="0"/>
+        </a:fillRef>
+        <a:effectRef idx="0">
+          <a:scrgbClr r="0" g="0" b="0"/>
+        </a:effectRef>
+        <a:fontRef idx="minor">
+          <a:schemeClr val="lt1"/>
+        </a:fontRef>
+      </dsp:style>
+    </dsp:sp>
+    <dsp:sp modelId="{A5247AE7-6EFA-48EC-88CB-7C1934DEEDB3}">
+      <dsp:nvSpPr>
+        <dsp:cNvPr id="0" name=""/>
+        <dsp:cNvSpPr/>
+      </dsp:nvSpPr>
+      <dsp:spPr>
+        <a:xfrm>
+          <a:off x="417971" y="2644140"/>
+          <a:ext cx="2889450" cy="720000"/>
+        </a:xfrm>
+        <a:prstGeom prst="rect">
+          <a:avLst/>
+        </a:prstGeom>
+        <a:noFill/>
+        <a:ln>
+          <a:noFill/>
+        </a:ln>
+        <a:effectLst/>
+      </dsp:spPr>
+      <dsp:style>
+        <a:lnRef idx="0">
+          <a:scrgbClr r="0" g="0" b="0"/>
+        </a:lnRef>
+        <a:fillRef idx="0">
+          <a:scrgbClr r="0" g="0" b="0"/>
+        </a:fillRef>
+        <a:effectRef idx="0">
+          <a:scrgbClr r="0" g="0" b="0"/>
+        </a:effectRef>
+        <a:fontRef idx="minor"/>
+      </dsp:style>
+      <dsp:txBody>
+        <a:bodyPr spcFirstLastPara="0" vert="horz" wrap="square" lIns="0" tIns="0" rIns="0" bIns="0" numCol="1" spcCol="1270" anchor="t" anchorCtr="0">
+          <a:noAutofit/>
+        </a:bodyPr>
+        <a:lstStyle/>
+        <a:p>
+          <a:pPr marL="0" lvl="0" indent="0" algn="ctr" defTabSz="488950">
+            <a:lnSpc>
+              <a:spcPct val="100000"/>
+            </a:lnSpc>
+            <a:spcBef>
+              <a:spcPct val="0"/>
+            </a:spcBef>
+            <a:spcAft>
+              <a:spcPct val="35000"/>
+            </a:spcAft>
+            <a:buNone/>
+          </a:pPr>
+          <a:r>
+            <a:rPr lang="en-IN" sz="1100" b="1" kern="1200"/>
+            <a:t>StandardScaler:</a:t>
+          </a:r>
+          <a:r>
+            <a:rPr lang="en-IN" sz="1100" kern="1200"/>
+            <a:t>. This improved the performance of Ridge Regression, which can be sensitive to different feature scales.</a:t>
+          </a:r>
+          <a:endParaRPr lang="en-US" sz="1100" kern="1200"/>
+        </a:p>
+      </dsp:txBody>
+      <dsp:txXfrm>
+        <a:off x="417971" y="2644140"/>
+        <a:ext cx="2889450" cy="720000"/>
+      </dsp:txXfrm>
+    </dsp:sp>
+    <dsp:sp modelId="{5C0C0F82-4A64-40CA-B5F8-653560B1BADC}">
+      <dsp:nvSpPr>
+        <dsp:cNvPr id="0" name=""/>
+        <dsp:cNvSpPr/>
+      </dsp:nvSpPr>
+      <dsp:spPr>
+        <a:xfrm>
+          <a:off x="4607673" y="987197"/>
+          <a:ext cx="1300252" cy="1300252"/>
+        </a:xfrm>
+        <a:prstGeom prst="rect">
+          <a:avLst/>
+        </a:prstGeom>
+        <a:blipFill>
+          <a:blip xmlns:r="http://schemas.openxmlformats.org/officeDocument/2006/relationships" r:embed="rId3">
+            <a:extLst>
+              <a:ext uri="{28A0092B-C50C-407E-A947-70E740481C1C}">
+                <a14:useLocalDpi xmlns:a14="http://schemas.microsoft.com/office/drawing/2010/main" val="0"/>
+              </a:ext>
+              <a:ext uri="{96DAC541-7B7A-43D3-8B79-37D633B846F1}">
+                <asvg:svgBlip xmlns:asvg="http://schemas.microsoft.com/office/drawing/2016/SVG/main" r:embed="rId4"/>
+              </a:ext>
+            </a:extLst>
+          </a:blip>
+          <a:stretch>
+            <a:fillRect/>
+          </a:stretch>
+        </a:blipFill>
+        <a:ln w="12700" cap="flat" cmpd="sng" algn="ctr">
+          <a:solidFill>
+            <a:schemeClr val="lt1">
+              <a:hueOff val="0"/>
+              <a:satOff val="0"/>
+              <a:lumOff val="0"/>
+              <a:alphaOff val="0"/>
+            </a:schemeClr>
+          </a:solidFill>
+          <a:prstDash val="solid"/>
+          <a:miter lim="800000"/>
+        </a:ln>
+        <a:effectLst/>
+      </dsp:spPr>
+      <dsp:style>
+        <a:lnRef idx="2">
+          <a:scrgbClr r="0" g="0" b="0"/>
+        </a:lnRef>
+        <a:fillRef idx="1">
+          <a:scrgbClr r="0" g="0" b="0"/>
+        </a:fillRef>
+        <a:effectRef idx="0">
+          <a:scrgbClr r="0" g="0" b="0"/>
+        </a:effectRef>
+        <a:fontRef idx="minor">
+          <a:schemeClr val="lt1"/>
+        </a:fontRef>
+      </dsp:style>
+    </dsp:sp>
+    <dsp:sp modelId="{BB2AE2B9-635B-4C6A-ADD6-4D3AA075ACCA}">
+      <dsp:nvSpPr>
+        <dsp:cNvPr id="0" name=""/>
+        <dsp:cNvSpPr/>
+      </dsp:nvSpPr>
+      <dsp:spPr>
+        <a:xfrm>
+          <a:off x="3813075" y="2644140"/>
+          <a:ext cx="2889450" cy="720000"/>
+        </a:xfrm>
+        <a:prstGeom prst="rect">
+          <a:avLst/>
+        </a:prstGeom>
+        <a:noFill/>
+        <a:ln>
+          <a:noFill/>
+        </a:ln>
+        <a:effectLst/>
+      </dsp:spPr>
+      <dsp:style>
+        <a:lnRef idx="0">
+          <a:scrgbClr r="0" g="0" b="0"/>
+        </a:lnRef>
+        <a:fillRef idx="0">
+          <a:scrgbClr r="0" g="0" b="0"/>
+        </a:fillRef>
+        <a:effectRef idx="0">
+          <a:scrgbClr r="0" g="0" b="0"/>
+        </a:effectRef>
+        <a:fontRef idx="minor"/>
+      </dsp:style>
+      <dsp:txBody>
+        <a:bodyPr spcFirstLastPara="0" vert="horz" wrap="square" lIns="0" tIns="0" rIns="0" bIns="0" numCol="1" spcCol="1270" anchor="t" anchorCtr="0">
+          <a:noAutofit/>
+        </a:bodyPr>
+        <a:lstStyle/>
+        <a:p>
+          <a:pPr marL="0" lvl="0" indent="0" algn="ctr" defTabSz="488950">
+            <a:lnSpc>
+              <a:spcPct val="100000"/>
+            </a:lnSpc>
+            <a:spcBef>
+              <a:spcPct val="0"/>
+            </a:spcBef>
+            <a:spcAft>
+              <a:spcPct val="35000"/>
+            </a:spcAft>
+            <a:buNone/>
+          </a:pPr>
+          <a:r>
+            <a:rPr lang="en-IN" sz="1100" b="1" kern="1200"/>
+            <a:t>Train_test_split:</a:t>
+          </a:r>
+          <a:r>
+            <a:rPr lang="en-IN" sz="1100" kern="1200"/>
+            <a:t> splitting the data into training and testing sets, ensured the model learns from diverse data and doesn't simply memorize the training set. </a:t>
+          </a:r>
+          <a:endParaRPr lang="en-US" sz="1100" kern="1200"/>
+        </a:p>
+      </dsp:txBody>
+      <dsp:txXfrm>
+        <a:off x="3813075" y="2644140"/>
+        <a:ext cx="2889450" cy="720000"/>
+      </dsp:txXfrm>
+    </dsp:sp>
+    <dsp:sp modelId="{F6C95A9E-3A3D-4284-A3A1-31A36E5DFAD3}">
+      <dsp:nvSpPr>
+        <dsp:cNvPr id="0" name=""/>
+        <dsp:cNvSpPr/>
+      </dsp:nvSpPr>
+      <dsp:spPr>
+        <a:xfrm>
+          <a:off x="8002777" y="987197"/>
+          <a:ext cx="1300252" cy="1300252"/>
+        </a:xfrm>
+        <a:prstGeom prst="rect">
+          <a:avLst/>
+        </a:prstGeom>
+        <a:blipFill>
+          <a:blip xmlns:r="http://schemas.openxmlformats.org/officeDocument/2006/relationships" r:embed="rId5">
+            <a:extLst>
+              <a:ext uri="{28A0092B-C50C-407E-A947-70E740481C1C}">
+                <a14:useLocalDpi xmlns:a14="http://schemas.microsoft.com/office/drawing/2010/main" val="0"/>
+              </a:ext>
+              <a:ext uri="{96DAC541-7B7A-43D3-8B79-37D633B846F1}">
+                <asvg:svgBlip xmlns:asvg="http://schemas.microsoft.com/office/drawing/2016/SVG/main" r:embed="rId6"/>
+              </a:ext>
+            </a:extLst>
+          </a:blip>
+          <a:stretch>
+            <a:fillRect/>
+          </a:stretch>
+        </a:blipFill>
+        <a:ln w="12700" cap="flat" cmpd="sng" algn="ctr">
+          <a:solidFill>
+            <a:schemeClr val="lt1">
+              <a:hueOff val="0"/>
+              <a:satOff val="0"/>
+              <a:lumOff val="0"/>
+              <a:alphaOff val="0"/>
+            </a:schemeClr>
+          </a:solidFill>
+          <a:prstDash val="solid"/>
+          <a:miter lim="800000"/>
+        </a:ln>
+        <a:effectLst/>
+      </dsp:spPr>
+      <dsp:style>
+        <a:lnRef idx="2">
+          <a:scrgbClr r="0" g="0" b="0"/>
+        </a:lnRef>
+        <a:fillRef idx="1">
+          <a:scrgbClr r="0" g="0" b="0"/>
+        </a:fillRef>
+        <a:effectRef idx="0">
+          <a:scrgbClr r="0" g="0" b="0"/>
+        </a:effectRef>
+        <a:fontRef idx="minor">
+          <a:schemeClr val="lt1"/>
+        </a:fontRef>
+      </dsp:style>
+    </dsp:sp>
+    <dsp:sp modelId="{B8BD73F9-DD83-44DC-8404-6C8AC72328C3}">
+      <dsp:nvSpPr>
+        <dsp:cNvPr id="0" name=""/>
+        <dsp:cNvSpPr/>
+      </dsp:nvSpPr>
+      <dsp:spPr>
+        <a:xfrm>
+          <a:off x="7208178" y="2644140"/>
+          <a:ext cx="2889450" cy="720000"/>
+        </a:xfrm>
+        <a:prstGeom prst="rect">
+          <a:avLst/>
+        </a:prstGeom>
+        <a:noFill/>
+        <a:ln>
+          <a:noFill/>
+        </a:ln>
+        <a:effectLst/>
+      </dsp:spPr>
+      <dsp:style>
+        <a:lnRef idx="0">
+          <a:scrgbClr r="0" g="0" b="0"/>
+        </a:lnRef>
+        <a:fillRef idx="0">
+          <a:scrgbClr r="0" g="0" b="0"/>
+        </a:fillRef>
+        <a:effectRef idx="0">
+          <a:scrgbClr r="0" g="0" b="0"/>
+        </a:effectRef>
+        <a:fontRef idx="minor"/>
+      </dsp:style>
+      <dsp:txBody>
+        <a:bodyPr spcFirstLastPara="0" vert="horz" wrap="square" lIns="0" tIns="0" rIns="0" bIns="0" numCol="1" spcCol="1270" anchor="t" anchorCtr="0">
+          <a:noAutofit/>
+        </a:bodyPr>
+        <a:lstStyle/>
+        <a:p>
+          <a:pPr marL="0" lvl="0" indent="0" algn="ctr" defTabSz="488950">
+            <a:lnSpc>
+              <a:spcPct val="100000"/>
+            </a:lnSpc>
+            <a:spcBef>
+              <a:spcPct val="0"/>
+            </a:spcBef>
+            <a:spcAft>
+              <a:spcPct val="35000"/>
+            </a:spcAft>
+            <a:buNone/>
+          </a:pPr>
+          <a:r>
+            <a:rPr lang="en-IN" sz="1100" b="1" kern="1200"/>
+            <a:t>Mean_squared_error (MSE) and r2_score:</a:t>
+          </a:r>
+          <a:r>
+            <a:rPr lang="en-IN" sz="1100" kern="1200"/>
+            <a:t> Was helpful in depiction correlation of 96% accuracy between Pricing and Features. </a:t>
+          </a:r>
+          <a:endParaRPr lang="en-US" sz="1100" kern="1200"/>
+        </a:p>
+      </dsp:txBody>
+      <dsp:txXfrm>
+        <a:off x="7208178" y="2644140"/>
+        <a:ext cx="2889450" cy="720000"/>
+      </dsp:txXfrm>
+    </dsp:sp>
+  </dsp:spTree>
+</dsp:drawing>
+</file>
+
+<file path=ppt/diagrams/drawing2.xml><?xml version="1.0" encoding="utf-8"?>
 <dsp:drawing xmlns:dgm="http://schemas.openxmlformats.org/drawingml/2006/diagram" xmlns:dsp="http://schemas.microsoft.com/office/drawing/2008/diagram" xmlns:a="http://schemas.openxmlformats.org/drawingml/2006/main">
   <dsp:spTree>
     <dsp:nvGrpSpPr>
@@ -4557,7 +6018,7 @@
 </dsp:drawing>
 </file>
 
-<file path=ppt/diagrams/drawing2.xml><?xml version="1.0" encoding="utf-8"?>
+<file path=ppt/diagrams/drawing3.xml><?xml version="1.0" encoding="utf-8"?>
 <dsp:drawing xmlns:dgm="http://schemas.openxmlformats.org/drawingml/2006/diagram" xmlns:dsp="http://schemas.microsoft.com/office/drawing/2008/diagram" xmlns:a="http://schemas.openxmlformats.org/drawingml/2006/main">
   <dsp:spTree>
     <dsp:nvGrpSpPr>
@@ -5173,7 +6634,7 @@
 </dsp:drawing>
 </file>
 
-<file path=ppt/diagrams/drawing3.xml><?xml version="1.0" encoding="utf-8"?>
+<file path=ppt/diagrams/drawing4.xml><?xml version="1.0" encoding="utf-8"?>
 <dsp:drawing xmlns:dgm="http://schemas.openxmlformats.org/drawingml/2006/diagram" xmlns:dsp="http://schemas.microsoft.com/office/drawing/2008/diagram" xmlns:a="http://schemas.openxmlformats.org/drawingml/2006/main">
   <dsp:spTree>
     <dsp:nvGrpSpPr>
@@ -5406,6 +6867,196 @@
 </file>
 
 <file path=ppt/diagrams/layout1.xml><?xml version="1.0" encoding="utf-8"?>
+<dgm:layoutDef xmlns:dgm="http://schemas.openxmlformats.org/drawingml/2006/diagram" xmlns:a="http://schemas.openxmlformats.org/drawingml/2006/main" uniqueId="urn:microsoft.com/office/officeart/2018/2/layout/IconLabelList">
+  <dgm:title val="Icon Label List"/>
+  <dgm:desc val="Use to show non-sequential or grouped chunks of information accompanied by a related visuals. Works best with icons or small pictures with short text captions."/>
+  <dgm:catLst>
+    <dgm:cat type="icon" pri="500"/>
+  </dgm:catLst>
+  <dgm:sampData useDef="1">
+    <dgm:dataModel>
+      <dgm:ptLst/>
+      <dgm:bg/>
+      <dgm:whole/>
+    </dgm:dataModel>
+  </dgm:sampData>
+  <dgm:styleData useDef="1">
+    <dgm:dataModel>
+      <dgm:ptLst/>
+      <dgm:bg/>
+      <dgm:whole/>
+    </dgm:dataModel>
+  </dgm:styleData>
+  <dgm:clrData useDef="1">
+    <dgm:dataModel>
+      <dgm:ptLst/>
+      <dgm:bg/>
+      <dgm:whole/>
+    </dgm:dataModel>
+  </dgm:clrData>
+  <dgm:layoutNode name="root">
+    <dgm:varLst>
+      <dgm:dir/>
+      <dgm:resizeHandles val="exact"/>
+    </dgm:varLst>
+    <dgm:choose name="Name0">
+      <dgm:if name="Name1" axis="self" func="var" arg="dir" op="equ" val="norm">
+        <dgm:alg type="snake">
+          <dgm:param type="grDir" val="tL"/>
+          <dgm:param type="flowDir" val="row"/>
+          <dgm:param type="contDir" val="sameDir"/>
+          <dgm:param type="off" val="ctr"/>
+          <dgm:param type="vertAlign" val="mid"/>
+          <dgm:param type="horzAlign" val="ctr"/>
+        </dgm:alg>
+      </dgm:if>
+      <dgm:else name="Name2">
+        <dgm:alg type="snake">
+          <dgm:param type="grDir" val="tR"/>
+          <dgm:param type="flowDir" val="row"/>
+          <dgm:param type="contDir" val="sameDir"/>
+          <dgm:param type="off" val="ctr"/>
+          <dgm:param type="vertAlign" val="mid"/>
+          <dgm:param type="horzAlign" val="ctr"/>
+        </dgm:alg>
+      </dgm:else>
+    </dgm:choose>
+    <dgm:shape xmlns:r="http://schemas.openxmlformats.org/officeDocument/2006/relationships" r:blip="">
+      <dgm:adjLst/>
+    </dgm:shape>
+    <dgm:presOf/>
+    <dgm:choose name="Name3">
+      <dgm:if name="Name4" axis="ch" ptType="node" func="cnt" op="lte" val="2">
+        <dgm:constrLst>
+          <dgm:constr type="h" for="ch" forName="compNode" refType="h" fact="0.4"/>
+          <dgm:constr type="w" for="ch" forName="compNode" val="120"/>
+          <dgm:constr type="w" for="ch" forName="sibTrans" refType="w" refFor="ch" refForName="compNode" fact="0.175"/>
+          <dgm:constr type="sp" refType="w" refFor="ch" refForName="compNode" op="equ" fact="0.25"/>
+          <dgm:constr type="primFontSz" for="des" ptType="node" op="equ" val="50"/>
+          <dgm:constr type="h" for="des" forName="compNode" op="equ"/>
+          <dgm:constr type="h" for="des" forName="textRect" op="equ"/>
+        </dgm:constrLst>
+      </dgm:if>
+      <dgm:if name="Name5" axis="ch" ptType="node" func="cnt" op="lte" val="4">
+        <dgm:constrLst>
+          <dgm:constr type="h" for="ch" forName="compNode" refType="h" fact="0.4"/>
+          <dgm:constr type="w" for="ch" forName="compNode" refType="w"/>
+          <dgm:constr type="w" for="ch" forName="sibTrans" refType="w" refFor="ch" refForName="compNode" fact="0.175"/>
+          <dgm:constr type="sp" refType="w" refFor="ch" refForName="compNode" op="equ" fact="0.25"/>
+          <dgm:constr type="primFontSz" for="des" ptType="node" op="equ" val="36"/>
+          <dgm:constr type="h" for="des" forName="compNode" op="equ"/>
+          <dgm:constr type="h" for="des" forName="textRect" op="equ"/>
+        </dgm:constrLst>
+      </dgm:if>
+      <dgm:else name="Name6">
+        <dgm:constrLst>
+          <dgm:constr type="h" for="ch" forName="compNode" refType="h" fact="0.4"/>
+          <dgm:constr type="w" for="ch" forName="compNode" refType="w"/>
+          <dgm:constr type="w" for="ch" forName="sibTrans" refType="w" refFor="ch" refForName="compNode" fact="0.175"/>
+          <dgm:constr type="sp" refType="w" refFor="ch" refForName="compNode" op="equ" fact="0.25"/>
+          <dgm:constr type="primFontSz" for="des" ptType="node" op="equ" val="24"/>
+          <dgm:constr type="h" for="des" forName="compNode" op="equ"/>
+          <dgm:constr type="h" for="des" forName="textRect" op="equ"/>
+        </dgm:constrLst>
+      </dgm:else>
+    </dgm:choose>
+    <dgm:ruleLst>
+      <dgm:rule type="w" for="ch" forName="compNode" val="50" fact="NaN" max="NaN"/>
+    </dgm:ruleLst>
+    <dgm:forEach name="Name7" axis="ch" ptType="node">
+      <dgm:layoutNode name="compNode">
+        <dgm:alg type="composite"/>
+        <dgm:shape xmlns:r="http://schemas.openxmlformats.org/officeDocument/2006/relationships" r:blip="">
+          <dgm:adjLst/>
+        </dgm:shape>
+        <dgm:presOf axis="self"/>
+        <dgm:constrLst>
+          <dgm:constr type="w" for="ch" forName="iconRect" refType="w" fact="0.45"/>
+          <dgm:constr type="h" for="ch" forName="iconRect" refType="w" refFor="ch" refForName="iconRect"/>
+          <dgm:constr type="ctrX" for="ch" forName="iconRect" refType="w" fact="0.5"/>
+          <dgm:constr type="t" for="ch" forName="iconRect"/>
+          <dgm:constr type="h" for="ch" forName="spaceRect" refType="h" fact="0.15"/>
+          <dgm:constr type="w" for="ch" forName="spaceRect" refType="w"/>
+          <dgm:constr type="l" for="ch" forName="spaceRect"/>
+          <dgm:constr type="t" for="ch" forName="spaceRect" refType="b" refFor="ch" refForName="iconRect"/>
+          <dgm:constr type="h" for="ch" forName="textRect" val="20"/>
+          <dgm:constr type="w" for="ch" forName="textRect" refType="w"/>
+          <dgm:constr type="l" for="ch" forName="textRect"/>
+          <dgm:constr type="t" for="ch" forName="textRect" refType="b" refFor="ch" refForName="spaceRect"/>
+        </dgm:constrLst>
+        <dgm:ruleLst>
+          <dgm:rule type="h" val="INF" fact="NaN" max="NaN"/>
+        </dgm:ruleLst>
+        <dgm:layoutNode name="iconRect" styleLbl="node1">
+          <dgm:alg type="sp"/>
+          <dgm:shape xmlns:r="http://schemas.openxmlformats.org/officeDocument/2006/relationships" type="rect" r:blip="" blipPhldr="1">
+            <dgm:adjLst/>
+          </dgm:shape>
+          <dgm:presOf/>
+          <dgm:constrLst/>
+          <dgm:ruleLst/>
+        </dgm:layoutNode>
+        <dgm:layoutNode name="spaceRect">
+          <dgm:alg type="sp"/>
+          <dgm:shape xmlns:r="http://schemas.openxmlformats.org/officeDocument/2006/relationships" r:blip="">
+            <dgm:adjLst/>
+          </dgm:shape>
+          <dgm:presOf/>
+          <dgm:constrLst/>
+          <dgm:ruleLst/>
+        </dgm:layoutNode>
+        <dgm:layoutNode name="textRect" styleLbl="revTx">
+          <dgm:varLst>
+            <dgm:chMax val="1"/>
+            <dgm:chPref val="1"/>
+          </dgm:varLst>
+          <dgm:alg type="tx">
+            <dgm:param type="txAnchorVert" val="t"/>
+          </dgm:alg>
+          <dgm:shape xmlns:r="http://schemas.openxmlformats.org/officeDocument/2006/relationships" type="rect" r:blip="">
+            <dgm:adjLst/>
+          </dgm:shape>
+          <dgm:presOf axis="self" ptType="node"/>
+          <dgm:constrLst>
+            <dgm:constr type="lMarg"/>
+            <dgm:constr type="rMarg"/>
+            <dgm:constr type="tMarg"/>
+            <dgm:constr type="bMarg"/>
+          </dgm:constrLst>
+          <dgm:ruleLst>
+            <dgm:rule type="primFontSz" val="11" fact="NaN" max="NaN"/>
+            <dgm:rule type="h" val="INF" fact="NaN" max="NaN"/>
+          </dgm:ruleLst>
+        </dgm:layoutNode>
+      </dgm:layoutNode>
+      <dgm:forEach name="Name8" axis="followSib" ptType="sibTrans" cnt="1">
+        <dgm:layoutNode name="sibTrans">
+          <dgm:alg type="sp"/>
+          <dgm:shape xmlns:r="http://schemas.openxmlformats.org/officeDocument/2006/relationships" r:blip="">
+            <dgm:adjLst/>
+          </dgm:shape>
+          <dgm:presOf axis="self"/>
+          <dgm:constrLst/>
+          <dgm:ruleLst/>
+        </dgm:layoutNode>
+      </dgm:forEach>
+    </dgm:forEach>
+  </dgm:layoutNode>
+  <dgm:extLst>
+    <a:ext uri="{68A01E43-0DF5-4B5B-8FA6-DAF915123BFB}">
+      <dgm1612:lstStyle xmlns:dgm1612="http://schemas.microsoft.com/office/drawing/2016/12/diagram">
+        <a:lvl1pPr>
+          <a:lnSpc>
+            <a:spcPct val="100000"/>
+          </a:lnSpc>
+        </a:lvl1pPr>
+      </dgm1612:lstStyle>
+    </a:ext>
+  </dgm:extLst>
+</dgm:layoutDef>
+</file>
+
+<file path=ppt/diagrams/layout2.xml><?xml version="1.0" encoding="utf-8"?>
 <dgm:layoutDef xmlns:dgm="http://schemas.openxmlformats.org/drawingml/2006/diagram" xmlns:a="http://schemas.openxmlformats.org/drawingml/2006/main" uniqueId="urn:microsoft.com/office/officeart/2018/2/layout/IconCircleList">
   <dgm:title val="Icon Circle List"/>
   <dgm:desc val="Use to show non-sequential or grouped chunks of information accompanied by related visuals. Circular shapes can hold an icon or small picture and corresponding text box shows Level 1 text. Works best for icons or small pictures with medium-length descriptions."/>
@@ -5617,7 +7268,7 @@
 </dgm:layoutDef>
 </file>
 
-<file path=ppt/diagrams/layout2.xml><?xml version="1.0" encoding="utf-8"?>
+<file path=ppt/diagrams/layout3.xml><?xml version="1.0" encoding="utf-8"?>
 <dgm:layoutDef xmlns:dgm="http://schemas.openxmlformats.org/drawingml/2006/diagram" xmlns:a="http://schemas.openxmlformats.org/drawingml/2006/main" uniqueId="urn:microsoft.com/office/officeart/2018/2/layout/IconVerticalSolidList">
   <dgm:title val="Icon Vertical Solid List"/>
   <dgm:desc val="Use to show a series of visuals from top to bottom with Level 1 or Level 1 and Level 2 text grouped in a shape. Works best with icons or small pictures with lengthier descriptions."/>
@@ -5911,7 +7562,7 @@
 </dgm:layoutDef>
 </file>
 
-<file path=ppt/diagrams/layout3.xml><?xml version="1.0" encoding="utf-8"?>
+<file path=ppt/diagrams/layout4.xml><?xml version="1.0" encoding="utf-8"?>
 <dgm:layoutDef xmlns:dgm="http://schemas.openxmlformats.org/drawingml/2006/diagram" xmlns:a="http://schemas.openxmlformats.org/drawingml/2006/main" uniqueId="urn:microsoft.com/office/officeart/2018/2/layout/IconLabelList">
   <dgm:title val="Icon Label List"/>
   <dgm:desc val="Use to show non-sequential or grouped chunks of information accompanied by a related visuals. Works best with icons or small pictures with short text captions."/>
@@ -9203,6 +10854,1040 @@
 </dgm:styleDef>
 </file>
 
+<file path=ppt/diagrams/quickStyle4.xml><?xml version="1.0" encoding="utf-8"?>
+<dgm:styleDef xmlns:dgm="http://schemas.openxmlformats.org/drawingml/2006/diagram" xmlns:a="http://schemas.openxmlformats.org/drawingml/2006/main" uniqueId="urn:microsoft.com/office/officeart/2005/8/quickstyle/simple1">
+  <dgm:title val=""/>
+  <dgm:desc val=""/>
+  <dgm:catLst>
+    <dgm:cat type="simple" pri="10100"/>
+  </dgm:catLst>
+  <dgm:scene3d>
+    <a:camera prst="orthographicFront"/>
+    <a:lightRig rig="threePt" dir="t"/>
+  </dgm:scene3d>
+  <dgm:styleLbl name="node0">
+    <dgm:scene3d>
+      <a:camera prst="orthographicFront"/>
+      <a:lightRig rig="threePt" dir="t"/>
+    </dgm:scene3d>
+    <dgm:sp3d/>
+    <dgm:txPr/>
+    <dgm:style>
+      <a:lnRef idx="2">
+        <a:scrgbClr r="0" g="0" b="0"/>
+      </a:lnRef>
+      <a:fillRef idx="1">
+        <a:scrgbClr r="0" g="0" b="0"/>
+      </a:fillRef>
+      <a:effectRef idx="0">
+        <a:scrgbClr r="0" g="0" b="0"/>
+      </a:effectRef>
+      <a:fontRef idx="minor">
+        <a:schemeClr val="lt1"/>
+      </a:fontRef>
+    </dgm:style>
+  </dgm:styleLbl>
+  <dgm:styleLbl name="lnNode1">
+    <dgm:scene3d>
+      <a:camera prst="orthographicFront"/>
+      <a:lightRig rig="threePt" dir="t"/>
+    </dgm:scene3d>
+    <dgm:sp3d/>
+    <dgm:txPr/>
+    <dgm:style>
+      <a:lnRef idx="2">
+        <a:scrgbClr r="0" g="0" b="0"/>
+      </a:lnRef>
+      <a:fillRef idx="1">
+        <a:scrgbClr r="0" g="0" b="0"/>
+      </a:fillRef>
+      <a:effectRef idx="0">
+        <a:scrgbClr r="0" g="0" b="0"/>
+      </a:effectRef>
+      <a:fontRef idx="minor">
+        <a:schemeClr val="lt1"/>
+      </a:fontRef>
+    </dgm:style>
+  </dgm:styleLbl>
+  <dgm:styleLbl name="vennNode1">
+    <dgm:scene3d>
+      <a:camera prst="orthographicFront"/>
+      <a:lightRig rig="threePt" dir="t"/>
+    </dgm:scene3d>
+    <dgm:sp3d/>
+    <dgm:txPr/>
+    <dgm:style>
+      <a:lnRef idx="2">
+        <a:scrgbClr r="0" g="0" b="0"/>
+      </a:lnRef>
+      <a:fillRef idx="1">
+        <a:scrgbClr r="0" g="0" b="0"/>
+      </a:fillRef>
+      <a:effectRef idx="0">
+        <a:scrgbClr r="0" g="0" b="0"/>
+      </a:effectRef>
+      <a:fontRef idx="minor">
+        <a:schemeClr val="tx1"/>
+      </a:fontRef>
+    </dgm:style>
+  </dgm:styleLbl>
+  <dgm:styleLbl name="alignNode1">
+    <dgm:scene3d>
+      <a:camera prst="orthographicFront"/>
+      <a:lightRig rig="threePt" dir="t"/>
+    </dgm:scene3d>
+    <dgm:sp3d/>
+    <dgm:txPr/>
+    <dgm:style>
+      <a:lnRef idx="2">
+        <a:scrgbClr r="0" g="0" b="0"/>
+      </a:lnRef>
+      <a:fillRef idx="1">
+        <a:scrgbClr r="0" g="0" b="0"/>
+      </a:fillRef>
+      <a:effectRef idx="0">
+        <a:scrgbClr r="0" g="0" b="0"/>
+      </a:effectRef>
+      <a:fontRef idx="minor">
+        <a:schemeClr val="lt1"/>
+      </a:fontRef>
+    </dgm:style>
+  </dgm:styleLbl>
+  <dgm:styleLbl name="node1">
+    <dgm:scene3d>
+      <a:camera prst="orthographicFront"/>
+      <a:lightRig rig="threePt" dir="t"/>
+    </dgm:scene3d>
+    <dgm:sp3d/>
+    <dgm:txPr/>
+    <dgm:style>
+      <a:lnRef idx="2">
+        <a:scrgbClr r="0" g="0" b="0"/>
+      </a:lnRef>
+      <a:fillRef idx="1">
+        <a:scrgbClr r="0" g="0" b="0"/>
+      </a:fillRef>
+      <a:effectRef idx="0">
+        <a:scrgbClr r="0" g="0" b="0"/>
+      </a:effectRef>
+      <a:fontRef idx="minor">
+        <a:schemeClr val="lt1"/>
+      </a:fontRef>
+    </dgm:style>
+  </dgm:styleLbl>
+  <dgm:styleLbl name="node2">
+    <dgm:scene3d>
+      <a:camera prst="orthographicFront"/>
+      <a:lightRig rig="threePt" dir="t"/>
+    </dgm:scene3d>
+    <dgm:sp3d/>
+    <dgm:txPr/>
+    <dgm:style>
+      <a:lnRef idx="2">
+        <a:scrgbClr r="0" g="0" b="0"/>
+      </a:lnRef>
+      <a:fillRef idx="1">
+        <a:scrgbClr r="0" g="0" b="0"/>
+      </a:fillRef>
+      <a:effectRef idx="0">
+        <a:scrgbClr r="0" g="0" b="0"/>
+      </a:effectRef>
+      <a:fontRef idx="minor">
+        <a:schemeClr val="lt1"/>
+      </a:fontRef>
+    </dgm:style>
+  </dgm:styleLbl>
+  <dgm:styleLbl name="node3">
+    <dgm:scene3d>
+      <a:camera prst="orthographicFront"/>
+      <a:lightRig rig="threePt" dir="t"/>
+    </dgm:scene3d>
+    <dgm:sp3d/>
+    <dgm:txPr/>
+    <dgm:style>
+      <a:lnRef idx="2">
+        <a:scrgbClr r="0" g="0" b="0"/>
+      </a:lnRef>
+      <a:fillRef idx="1">
+        <a:scrgbClr r="0" g="0" b="0"/>
+      </a:fillRef>
+      <a:effectRef idx="0">
+        <a:scrgbClr r="0" g="0" b="0"/>
+      </a:effectRef>
+      <a:fontRef idx="minor">
+        <a:schemeClr val="lt1"/>
+      </a:fontRef>
+    </dgm:style>
+  </dgm:styleLbl>
+  <dgm:styleLbl name="node4">
+    <dgm:scene3d>
+      <a:camera prst="orthographicFront"/>
+      <a:lightRig rig="threePt" dir="t"/>
+    </dgm:scene3d>
+    <dgm:sp3d/>
+    <dgm:txPr/>
+    <dgm:style>
+      <a:lnRef idx="2">
+        <a:scrgbClr r="0" g="0" b="0"/>
+      </a:lnRef>
+      <a:fillRef idx="1">
+        <a:scrgbClr r="0" g="0" b="0"/>
+      </a:fillRef>
+      <a:effectRef idx="0">
+        <a:scrgbClr r="0" g="0" b="0"/>
+      </a:effectRef>
+      <a:fontRef idx="minor">
+        <a:schemeClr val="lt1"/>
+      </a:fontRef>
+    </dgm:style>
+  </dgm:styleLbl>
+  <dgm:styleLbl name="fgImgPlace1">
+    <dgm:scene3d>
+      <a:camera prst="orthographicFront"/>
+      <a:lightRig rig="threePt" dir="t"/>
+    </dgm:scene3d>
+    <dgm:sp3d/>
+    <dgm:txPr/>
+    <dgm:style>
+      <a:lnRef idx="2">
+        <a:scrgbClr r="0" g="0" b="0"/>
+      </a:lnRef>
+      <a:fillRef idx="1">
+        <a:scrgbClr r="0" g="0" b="0"/>
+      </a:fillRef>
+      <a:effectRef idx="0">
+        <a:scrgbClr r="0" g="0" b="0"/>
+      </a:effectRef>
+      <a:fontRef idx="minor"/>
+    </dgm:style>
+  </dgm:styleLbl>
+  <dgm:styleLbl name="alignImgPlace1">
+    <dgm:scene3d>
+      <a:camera prst="orthographicFront"/>
+      <a:lightRig rig="threePt" dir="t"/>
+    </dgm:scene3d>
+    <dgm:sp3d/>
+    <dgm:txPr/>
+    <dgm:style>
+      <a:lnRef idx="2">
+        <a:scrgbClr r="0" g="0" b="0"/>
+      </a:lnRef>
+      <a:fillRef idx="1">
+        <a:scrgbClr r="0" g="0" b="0"/>
+      </a:fillRef>
+      <a:effectRef idx="0">
+        <a:scrgbClr r="0" g="0" b="0"/>
+      </a:effectRef>
+      <a:fontRef idx="minor"/>
+    </dgm:style>
+  </dgm:styleLbl>
+  <dgm:styleLbl name="bgImgPlace1">
+    <dgm:scene3d>
+      <a:camera prst="orthographicFront"/>
+      <a:lightRig rig="threePt" dir="t"/>
+    </dgm:scene3d>
+    <dgm:sp3d/>
+    <dgm:txPr/>
+    <dgm:style>
+      <a:lnRef idx="2">
+        <a:scrgbClr r="0" g="0" b="0"/>
+      </a:lnRef>
+      <a:fillRef idx="1">
+        <a:scrgbClr r="0" g="0" b="0"/>
+      </a:fillRef>
+      <a:effectRef idx="0">
+        <a:scrgbClr r="0" g="0" b="0"/>
+      </a:effectRef>
+      <a:fontRef idx="minor"/>
+    </dgm:style>
+  </dgm:styleLbl>
+  <dgm:styleLbl name="sibTrans2D1">
+    <dgm:scene3d>
+      <a:camera prst="orthographicFront"/>
+      <a:lightRig rig="threePt" dir="t"/>
+    </dgm:scene3d>
+    <dgm:sp3d/>
+    <dgm:txPr/>
+    <dgm:style>
+      <a:lnRef idx="0">
+        <a:scrgbClr r="0" g="0" b="0"/>
+      </a:lnRef>
+      <a:fillRef idx="1">
+        <a:scrgbClr r="0" g="0" b="0"/>
+      </a:fillRef>
+      <a:effectRef idx="0">
+        <a:scrgbClr r="0" g="0" b="0"/>
+      </a:effectRef>
+      <a:fontRef idx="minor">
+        <a:schemeClr val="lt1"/>
+      </a:fontRef>
+    </dgm:style>
+  </dgm:styleLbl>
+  <dgm:styleLbl name="fgSibTrans2D1">
+    <dgm:scene3d>
+      <a:camera prst="orthographicFront"/>
+      <a:lightRig rig="threePt" dir="t"/>
+    </dgm:scene3d>
+    <dgm:sp3d/>
+    <dgm:txPr/>
+    <dgm:style>
+      <a:lnRef idx="0">
+        <a:scrgbClr r="0" g="0" b="0"/>
+      </a:lnRef>
+      <a:fillRef idx="1">
+        <a:scrgbClr r="0" g="0" b="0"/>
+      </a:fillRef>
+      <a:effectRef idx="0">
+        <a:scrgbClr r="0" g="0" b="0"/>
+      </a:effectRef>
+      <a:fontRef idx="minor">
+        <a:schemeClr val="lt1"/>
+      </a:fontRef>
+    </dgm:style>
+  </dgm:styleLbl>
+  <dgm:styleLbl name="bgSibTrans2D1">
+    <dgm:scene3d>
+      <a:camera prst="orthographicFront"/>
+      <a:lightRig rig="threePt" dir="t"/>
+    </dgm:scene3d>
+    <dgm:sp3d/>
+    <dgm:txPr/>
+    <dgm:style>
+      <a:lnRef idx="0">
+        <a:scrgbClr r="0" g="0" b="0"/>
+      </a:lnRef>
+      <a:fillRef idx="1">
+        <a:scrgbClr r="0" g="0" b="0"/>
+      </a:fillRef>
+      <a:effectRef idx="0">
+        <a:scrgbClr r="0" g="0" b="0"/>
+      </a:effectRef>
+      <a:fontRef idx="minor">
+        <a:schemeClr val="lt1"/>
+      </a:fontRef>
+    </dgm:style>
+  </dgm:styleLbl>
+  <dgm:styleLbl name="sibTrans1D1">
+    <dgm:scene3d>
+      <a:camera prst="orthographicFront"/>
+      <a:lightRig rig="threePt" dir="t"/>
+    </dgm:scene3d>
+    <dgm:sp3d/>
+    <dgm:txPr/>
+    <dgm:style>
+      <a:lnRef idx="1">
+        <a:scrgbClr r="0" g="0" b="0"/>
+      </a:lnRef>
+      <a:fillRef idx="0">
+        <a:scrgbClr r="0" g="0" b="0"/>
+      </a:fillRef>
+      <a:effectRef idx="0">
+        <a:scrgbClr r="0" g="0" b="0"/>
+      </a:effectRef>
+      <a:fontRef idx="minor"/>
+    </dgm:style>
+  </dgm:styleLbl>
+  <dgm:styleLbl name="callout">
+    <dgm:scene3d>
+      <a:camera prst="orthographicFront"/>
+      <a:lightRig rig="threePt" dir="t"/>
+    </dgm:scene3d>
+    <dgm:sp3d/>
+    <dgm:txPr/>
+    <dgm:style>
+      <a:lnRef idx="2">
+        <a:scrgbClr r="0" g="0" b="0"/>
+      </a:lnRef>
+      <a:fillRef idx="1">
+        <a:scrgbClr r="0" g="0" b="0"/>
+      </a:fillRef>
+      <a:effectRef idx="0">
+        <a:scrgbClr r="0" g="0" b="0"/>
+      </a:effectRef>
+      <a:fontRef idx="minor"/>
+    </dgm:style>
+  </dgm:styleLbl>
+  <dgm:styleLbl name="asst0">
+    <dgm:scene3d>
+      <a:camera prst="orthographicFront"/>
+      <a:lightRig rig="threePt" dir="t"/>
+    </dgm:scene3d>
+    <dgm:sp3d/>
+    <dgm:txPr/>
+    <dgm:style>
+      <a:lnRef idx="2">
+        <a:scrgbClr r="0" g="0" b="0"/>
+      </a:lnRef>
+      <a:fillRef idx="1">
+        <a:scrgbClr r="0" g="0" b="0"/>
+      </a:fillRef>
+      <a:effectRef idx="0">
+        <a:scrgbClr r="0" g="0" b="0"/>
+      </a:effectRef>
+      <a:fontRef idx="minor">
+        <a:schemeClr val="lt1"/>
+      </a:fontRef>
+    </dgm:style>
+  </dgm:styleLbl>
+  <dgm:styleLbl name="asst1">
+    <dgm:scene3d>
+      <a:camera prst="orthographicFront"/>
+      <a:lightRig rig="threePt" dir="t"/>
+    </dgm:scene3d>
+    <dgm:sp3d/>
+    <dgm:txPr/>
+    <dgm:style>
+      <a:lnRef idx="2">
+        <a:scrgbClr r="0" g="0" b="0"/>
+      </a:lnRef>
+      <a:fillRef idx="1">
+        <a:scrgbClr r="0" g="0" b="0"/>
+      </a:fillRef>
+      <a:effectRef idx="0">
+        <a:scrgbClr r="0" g="0" b="0"/>
+      </a:effectRef>
+      <a:fontRef idx="minor">
+        <a:schemeClr val="lt1"/>
+      </a:fontRef>
+    </dgm:style>
+  </dgm:styleLbl>
+  <dgm:styleLbl name="asst2">
+    <dgm:scene3d>
+      <a:camera prst="orthographicFront"/>
+      <a:lightRig rig="threePt" dir="t"/>
+    </dgm:scene3d>
+    <dgm:sp3d/>
+    <dgm:txPr/>
+    <dgm:style>
+      <a:lnRef idx="2">
+        <a:scrgbClr r="0" g="0" b="0"/>
+      </a:lnRef>
+      <a:fillRef idx="1">
+        <a:scrgbClr r="0" g="0" b="0"/>
+      </a:fillRef>
+      <a:effectRef idx="0">
+        <a:scrgbClr r="0" g="0" b="0"/>
+      </a:effectRef>
+      <a:fontRef idx="minor">
+        <a:schemeClr val="lt1"/>
+      </a:fontRef>
+    </dgm:style>
+  </dgm:styleLbl>
+  <dgm:styleLbl name="asst3">
+    <dgm:scene3d>
+      <a:camera prst="orthographicFront"/>
+      <a:lightRig rig="threePt" dir="t"/>
+    </dgm:scene3d>
+    <dgm:sp3d/>
+    <dgm:txPr/>
+    <dgm:style>
+      <a:lnRef idx="2">
+        <a:scrgbClr r="0" g="0" b="0"/>
+      </a:lnRef>
+      <a:fillRef idx="1">
+        <a:scrgbClr r="0" g="0" b="0"/>
+      </a:fillRef>
+      <a:effectRef idx="0">
+        <a:scrgbClr r="0" g="0" b="0"/>
+      </a:effectRef>
+      <a:fontRef idx="minor">
+        <a:schemeClr val="lt1"/>
+      </a:fontRef>
+    </dgm:style>
+  </dgm:styleLbl>
+  <dgm:styleLbl name="asst4">
+    <dgm:scene3d>
+      <a:camera prst="orthographicFront"/>
+      <a:lightRig rig="threePt" dir="t"/>
+    </dgm:scene3d>
+    <dgm:sp3d/>
+    <dgm:txPr/>
+    <dgm:style>
+      <a:lnRef idx="2">
+        <a:scrgbClr r="0" g="0" b="0"/>
+      </a:lnRef>
+      <a:fillRef idx="1">
+        <a:scrgbClr r="0" g="0" b="0"/>
+      </a:fillRef>
+      <a:effectRef idx="0">
+        <a:scrgbClr r="0" g="0" b="0"/>
+      </a:effectRef>
+      <a:fontRef idx="minor">
+        <a:schemeClr val="lt1"/>
+      </a:fontRef>
+    </dgm:style>
+  </dgm:styleLbl>
+  <dgm:styleLbl name="parChTrans2D1">
+    <dgm:scene3d>
+      <a:camera prst="orthographicFront"/>
+      <a:lightRig rig="threePt" dir="t"/>
+    </dgm:scene3d>
+    <dgm:sp3d/>
+    <dgm:txPr/>
+    <dgm:style>
+      <a:lnRef idx="2">
+        <a:scrgbClr r="0" g="0" b="0"/>
+      </a:lnRef>
+      <a:fillRef idx="1">
+        <a:scrgbClr r="0" g="0" b="0"/>
+      </a:fillRef>
+      <a:effectRef idx="0">
+        <a:scrgbClr r="0" g="0" b="0"/>
+      </a:effectRef>
+      <a:fontRef idx="minor">
+        <a:schemeClr val="lt1"/>
+      </a:fontRef>
+    </dgm:style>
+  </dgm:styleLbl>
+  <dgm:styleLbl name="parChTrans2D2">
+    <dgm:scene3d>
+      <a:camera prst="orthographicFront"/>
+      <a:lightRig rig="threePt" dir="t"/>
+    </dgm:scene3d>
+    <dgm:sp3d/>
+    <dgm:txPr/>
+    <dgm:style>
+      <a:lnRef idx="2">
+        <a:scrgbClr r="0" g="0" b="0"/>
+      </a:lnRef>
+      <a:fillRef idx="1">
+        <a:scrgbClr r="0" g="0" b="0"/>
+      </a:fillRef>
+      <a:effectRef idx="0">
+        <a:scrgbClr r="0" g="0" b="0"/>
+      </a:effectRef>
+      <a:fontRef idx="minor">
+        <a:schemeClr val="lt1"/>
+      </a:fontRef>
+    </dgm:style>
+  </dgm:styleLbl>
+  <dgm:styleLbl name="parChTrans2D3">
+    <dgm:scene3d>
+      <a:camera prst="orthographicFront"/>
+      <a:lightRig rig="threePt" dir="t"/>
+    </dgm:scene3d>
+    <dgm:sp3d/>
+    <dgm:txPr/>
+    <dgm:style>
+      <a:lnRef idx="2">
+        <a:scrgbClr r="0" g="0" b="0"/>
+      </a:lnRef>
+      <a:fillRef idx="1">
+        <a:scrgbClr r="0" g="0" b="0"/>
+      </a:fillRef>
+      <a:effectRef idx="0">
+        <a:scrgbClr r="0" g="0" b="0"/>
+      </a:effectRef>
+      <a:fontRef idx="minor">
+        <a:schemeClr val="lt1"/>
+      </a:fontRef>
+    </dgm:style>
+  </dgm:styleLbl>
+  <dgm:styleLbl name="parChTrans2D4">
+    <dgm:scene3d>
+      <a:camera prst="orthographicFront"/>
+      <a:lightRig rig="threePt" dir="t"/>
+    </dgm:scene3d>
+    <dgm:sp3d/>
+    <dgm:txPr/>
+    <dgm:style>
+      <a:lnRef idx="2">
+        <a:scrgbClr r="0" g="0" b="0"/>
+      </a:lnRef>
+      <a:fillRef idx="1">
+        <a:scrgbClr r="0" g="0" b="0"/>
+      </a:fillRef>
+      <a:effectRef idx="0">
+        <a:scrgbClr r="0" g="0" b="0"/>
+      </a:effectRef>
+      <a:fontRef idx="minor">
+        <a:schemeClr val="lt1"/>
+      </a:fontRef>
+    </dgm:style>
+  </dgm:styleLbl>
+  <dgm:styleLbl name="parChTrans1D1">
+    <dgm:scene3d>
+      <a:camera prst="orthographicFront"/>
+      <a:lightRig rig="threePt" dir="t"/>
+    </dgm:scene3d>
+    <dgm:sp3d/>
+    <dgm:txPr/>
+    <dgm:style>
+      <a:lnRef idx="2">
+        <a:scrgbClr r="0" g="0" b="0"/>
+      </a:lnRef>
+      <a:fillRef idx="0">
+        <a:scrgbClr r="0" g="0" b="0"/>
+      </a:fillRef>
+      <a:effectRef idx="0">
+        <a:scrgbClr r="0" g="0" b="0"/>
+      </a:effectRef>
+      <a:fontRef idx="minor"/>
+    </dgm:style>
+  </dgm:styleLbl>
+  <dgm:styleLbl name="parChTrans1D2">
+    <dgm:scene3d>
+      <a:camera prst="orthographicFront"/>
+      <a:lightRig rig="threePt" dir="t"/>
+    </dgm:scene3d>
+    <dgm:sp3d/>
+    <dgm:txPr/>
+    <dgm:style>
+      <a:lnRef idx="2">
+        <a:scrgbClr r="0" g="0" b="0"/>
+      </a:lnRef>
+      <a:fillRef idx="0">
+        <a:scrgbClr r="0" g="0" b="0"/>
+      </a:fillRef>
+      <a:effectRef idx="0">
+        <a:scrgbClr r="0" g="0" b="0"/>
+      </a:effectRef>
+      <a:fontRef idx="minor"/>
+    </dgm:style>
+  </dgm:styleLbl>
+  <dgm:styleLbl name="parChTrans1D3">
+    <dgm:scene3d>
+      <a:camera prst="orthographicFront"/>
+      <a:lightRig rig="threePt" dir="t"/>
+    </dgm:scene3d>
+    <dgm:sp3d/>
+    <dgm:txPr/>
+    <dgm:style>
+      <a:lnRef idx="2">
+        <a:scrgbClr r="0" g="0" b="0"/>
+      </a:lnRef>
+      <a:fillRef idx="0">
+        <a:scrgbClr r="0" g="0" b="0"/>
+      </a:fillRef>
+      <a:effectRef idx="0">
+        <a:scrgbClr r="0" g="0" b="0"/>
+      </a:effectRef>
+      <a:fontRef idx="minor"/>
+    </dgm:style>
+  </dgm:styleLbl>
+  <dgm:styleLbl name="parChTrans1D4">
+    <dgm:scene3d>
+      <a:camera prst="orthographicFront"/>
+      <a:lightRig rig="threePt" dir="t"/>
+    </dgm:scene3d>
+    <dgm:sp3d/>
+    <dgm:txPr/>
+    <dgm:style>
+      <a:lnRef idx="2">
+        <a:scrgbClr r="0" g="0" b="0"/>
+      </a:lnRef>
+      <a:fillRef idx="0">
+        <a:scrgbClr r="0" g="0" b="0"/>
+      </a:fillRef>
+      <a:effectRef idx="0">
+        <a:scrgbClr r="0" g="0" b="0"/>
+      </a:effectRef>
+      <a:fontRef idx="minor"/>
+    </dgm:style>
+  </dgm:styleLbl>
+  <dgm:styleLbl name="fgAcc1">
+    <dgm:scene3d>
+      <a:camera prst="orthographicFront"/>
+      <a:lightRig rig="threePt" dir="t"/>
+    </dgm:scene3d>
+    <dgm:sp3d/>
+    <dgm:txPr/>
+    <dgm:style>
+      <a:lnRef idx="2">
+        <a:scrgbClr r="0" g="0" b="0"/>
+      </a:lnRef>
+      <a:fillRef idx="1">
+        <a:scrgbClr r="0" g="0" b="0"/>
+      </a:fillRef>
+      <a:effectRef idx="0">
+        <a:scrgbClr r="0" g="0" b="0"/>
+      </a:effectRef>
+      <a:fontRef idx="minor"/>
+    </dgm:style>
+  </dgm:styleLbl>
+  <dgm:styleLbl name="conFgAcc1">
+    <dgm:scene3d>
+      <a:camera prst="orthographicFront"/>
+      <a:lightRig rig="threePt" dir="t"/>
+    </dgm:scene3d>
+    <dgm:sp3d/>
+    <dgm:txPr/>
+    <dgm:style>
+      <a:lnRef idx="2">
+        <a:scrgbClr r="0" g="0" b="0"/>
+      </a:lnRef>
+      <a:fillRef idx="1">
+        <a:scrgbClr r="0" g="0" b="0"/>
+      </a:fillRef>
+      <a:effectRef idx="0">
+        <a:scrgbClr r="0" g="0" b="0"/>
+      </a:effectRef>
+      <a:fontRef idx="minor"/>
+    </dgm:style>
+  </dgm:styleLbl>
+  <dgm:styleLbl name="alignAcc1">
+    <dgm:scene3d>
+      <a:camera prst="orthographicFront"/>
+      <a:lightRig rig="threePt" dir="t"/>
+    </dgm:scene3d>
+    <dgm:sp3d/>
+    <dgm:txPr/>
+    <dgm:style>
+      <a:lnRef idx="2">
+        <a:scrgbClr r="0" g="0" b="0"/>
+      </a:lnRef>
+      <a:fillRef idx="1">
+        <a:scrgbClr r="0" g="0" b="0"/>
+      </a:fillRef>
+      <a:effectRef idx="0">
+        <a:scrgbClr r="0" g="0" b="0"/>
+      </a:effectRef>
+      <a:fontRef idx="minor"/>
+    </dgm:style>
+  </dgm:styleLbl>
+  <dgm:styleLbl name="trAlignAcc1">
+    <dgm:scene3d>
+      <a:camera prst="orthographicFront"/>
+      <a:lightRig rig="threePt" dir="t"/>
+    </dgm:scene3d>
+    <dgm:sp3d/>
+    <dgm:txPr/>
+    <dgm:style>
+      <a:lnRef idx="1">
+        <a:scrgbClr r="0" g="0" b="0"/>
+      </a:lnRef>
+      <a:fillRef idx="1">
+        <a:scrgbClr r="0" g="0" b="0"/>
+      </a:fillRef>
+      <a:effectRef idx="0">
+        <a:scrgbClr r="0" g="0" b="0"/>
+      </a:effectRef>
+      <a:fontRef idx="minor"/>
+    </dgm:style>
+  </dgm:styleLbl>
+  <dgm:styleLbl name="bgAcc1">
+    <dgm:scene3d>
+      <a:camera prst="orthographicFront"/>
+      <a:lightRig rig="threePt" dir="t"/>
+    </dgm:scene3d>
+    <dgm:sp3d/>
+    <dgm:txPr/>
+    <dgm:style>
+      <a:lnRef idx="2">
+        <a:scrgbClr r="0" g="0" b="0"/>
+      </a:lnRef>
+      <a:fillRef idx="1">
+        <a:scrgbClr r="0" g="0" b="0"/>
+      </a:fillRef>
+      <a:effectRef idx="0">
+        <a:scrgbClr r="0" g="0" b="0"/>
+      </a:effectRef>
+      <a:fontRef idx="minor"/>
+    </dgm:style>
+  </dgm:styleLbl>
+  <dgm:styleLbl name="solidFgAcc1">
+    <dgm:scene3d>
+      <a:camera prst="orthographicFront"/>
+      <a:lightRig rig="threePt" dir="t"/>
+    </dgm:scene3d>
+    <dgm:sp3d/>
+    <dgm:txPr/>
+    <dgm:style>
+      <a:lnRef idx="2">
+        <a:scrgbClr r="0" g="0" b="0"/>
+      </a:lnRef>
+      <a:fillRef idx="1">
+        <a:scrgbClr r="0" g="0" b="0"/>
+      </a:fillRef>
+      <a:effectRef idx="0">
+        <a:scrgbClr r="0" g="0" b="0"/>
+      </a:effectRef>
+      <a:fontRef idx="minor"/>
+    </dgm:style>
+  </dgm:styleLbl>
+  <dgm:styleLbl name="solidAlignAcc1">
+    <dgm:scene3d>
+      <a:camera prst="orthographicFront"/>
+      <a:lightRig rig="threePt" dir="t"/>
+    </dgm:scene3d>
+    <dgm:sp3d/>
+    <dgm:txPr/>
+    <dgm:style>
+      <a:lnRef idx="2">
+        <a:scrgbClr r="0" g="0" b="0"/>
+      </a:lnRef>
+      <a:fillRef idx="1">
+        <a:scrgbClr r="0" g="0" b="0"/>
+      </a:fillRef>
+      <a:effectRef idx="0">
+        <a:scrgbClr r="0" g="0" b="0"/>
+      </a:effectRef>
+      <a:fontRef idx="minor"/>
+    </dgm:style>
+  </dgm:styleLbl>
+  <dgm:styleLbl name="solidBgAcc1">
+    <dgm:scene3d>
+      <a:camera prst="orthographicFront"/>
+      <a:lightRig rig="threePt" dir="t"/>
+    </dgm:scene3d>
+    <dgm:sp3d/>
+    <dgm:txPr/>
+    <dgm:style>
+      <a:lnRef idx="2">
+        <a:scrgbClr r="0" g="0" b="0"/>
+      </a:lnRef>
+      <a:fillRef idx="1">
+        <a:scrgbClr r="0" g="0" b="0"/>
+      </a:fillRef>
+      <a:effectRef idx="0">
+        <a:scrgbClr r="0" g="0" b="0"/>
+      </a:effectRef>
+      <a:fontRef idx="minor"/>
+    </dgm:style>
+  </dgm:styleLbl>
+  <dgm:styleLbl name="fgAccFollowNode1">
+    <dgm:scene3d>
+      <a:camera prst="orthographicFront"/>
+      <a:lightRig rig="threePt" dir="t"/>
+    </dgm:scene3d>
+    <dgm:sp3d/>
+    <dgm:txPr/>
+    <dgm:style>
+      <a:lnRef idx="2">
+        <a:scrgbClr r="0" g="0" b="0"/>
+      </a:lnRef>
+      <a:fillRef idx="1">
+        <a:scrgbClr r="0" g="0" b="0"/>
+      </a:fillRef>
+      <a:effectRef idx="0">
+        <a:scrgbClr r="0" g="0" b="0"/>
+      </a:effectRef>
+      <a:fontRef idx="minor"/>
+    </dgm:style>
+  </dgm:styleLbl>
+  <dgm:styleLbl name="alignAccFollowNode1">
+    <dgm:scene3d>
+      <a:camera prst="orthographicFront"/>
+      <a:lightRig rig="threePt" dir="t"/>
+    </dgm:scene3d>
+    <dgm:sp3d/>
+    <dgm:txPr/>
+    <dgm:style>
+      <a:lnRef idx="2">
+        <a:scrgbClr r="0" g="0" b="0"/>
+      </a:lnRef>
+      <a:fillRef idx="1">
+        <a:scrgbClr r="0" g="0" b="0"/>
+      </a:fillRef>
+      <a:effectRef idx="0">
+        <a:scrgbClr r="0" g="0" b="0"/>
+      </a:effectRef>
+      <a:fontRef idx="minor"/>
+    </dgm:style>
+  </dgm:styleLbl>
+  <dgm:styleLbl name="bgAccFollowNode1">
+    <dgm:scene3d>
+      <a:camera prst="orthographicFront"/>
+      <a:lightRig rig="threePt" dir="t"/>
+    </dgm:scene3d>
+    <dgm:sp3d/>
+    <dgm:txPr/>
+    <dgm:style>
+      <a:lnRef idx="2">
+        <a:scrgbClr r="0" g="0" b="0"/>
+      </a:lnRef>
+      <a:fillRef idx="1">
+        <a:scrgbClr r="0" g="0" b="0"/>
+      </a:fillRef>
+      <a:effectRef idx="0">
+        <a:scrgbClr r="0" g="0" b="0"/>
+      </a:effectRef>
+      <a:fontRef idx="minor"/>
+    </dgm:style>
+  </dgm:styleLbl>
+  <dgm:styleLbl name="fgAcc0">
+    <dgm:scene3d>
+      <a:camera prst="orthographicFront"/>
+      <a:lightRig rig="threePt" dir="t"/>
+    </dgm:scene3d>
+    <dgm:sp3d/>
+    <dgm:txPr/>
+    <dgm:style>
+      <a:lnRef idx="2">
+        <a:scrgbClr r="0" g="0" b="0"/>
+      </a:lnRef>
+      <a:fillRef idx="1">
+        <a:scrgbClr r="0" g="0" b="0"/>
+      </a:fillRef>
+      <a:effectRef idx="0">
+        <a:scrgbClr r="0" g="0" b="0"/>
+      </a:effectRef>
+      <a:fontRef idx="minor"/>
+    </dgm:style>
+  </dgm:styleLbl>
+  <dgm:styleLbl name="fgAcc2">
+    <dgm:scene3d>
+      <a:camera prst="orthographicFront"/>
+      <a:lightRig rig="threePt" dir="t"/>
+    </dgm:scene3d>
+    <dgm:sp3d/>
+    <dgm:txPr/>
+    <dgm:style>
+      <a:lnRef idx="2">
+        <a:scrgbClr r="0" g="0" b="0"/>
+      </a:lnRef>
+      <a:fillRef idx="1">
+        <a:scrgbClr r="0" g="0" b="0"/>
+      </a:fillRef>
+      <a:effectRef idx="0">
+        <a:scrgbClr r="0" g="0" b="0"/>
+      </a:effectRef>
+      <a:fontRef idx="minor"/>
+    </dgm:style>
+  </dgm:styleLbl>
+  <dgm:styleLbl name="fgAcc3">
+    <dgm:scene3d>
+      <a:camera prst="orthographicFront"/>
+      <a:lightRig rig="threePt" dir="t"/>
+    </dgm:scene3d>
+    <dgm:sp3d/>
+    <dgm:txPr/>
+    <dgm:style>
+      <a:lnRef idx="2">
+        <a:scrgbClr r="0" g="0" b="0"/>
+      </a:lnRef>
+      <a:fillRef idx="1">
+        <a:scrgbClr r="0" g="0" b="0"/>
+      </a:fillRef>
+      <a:effectRef idx="0">
+        <a:scrgbClr r="0" g="0" b="0"/>
+      </a:effectRef>
+      <a:fontRef idx="minor"/>
+    </dgm:style>
+  </dgm:styleLbl>
+  <dgm:styleLbl name="fgAcc4">
+    <dgm:scene3d>
+      <a:camera prst="orthographicFront"/>
+      <a:lightRig rig="threePt" dir="t"/>
+    </dgm:scene3d>
+    <dgm:sp3d/>
+    <dgm:txPr/>
+    <dgm:style>
+      <a:lnRef idx="2">
+        <a:scrgbClr r="0" g="0" b="0"/>
+      </a:lnRef>
+      <a:fillRef idx="1">
+        <a:scrgbClr r="0" g="0" b="0"/>
+      </a:fillRef>
+      <a:effectRef idx="0">
+        <a:scrgbClr r="0" g="0" b="0"/>
+      </a:effectRef>
+      <a:fontRef idx="minor"/>
+    </dgm:style>
+  </dgm:styleLbl>
+  <dgm:styleLbl name="bgShp">
+    <dgm:scene3d>
+      <a:camera prst="orthographicFront"/>
+      <a:lightRig rig="threePt" dir="t"/>
+    </dgm:scene3d>
+    <dgm:sp3d/>
+    <dgm:txPr/>
+    <dgm:style>
+      <a:lnRef idx="0">
+        <a:scrgbClr r="0" g="0" b="0"/>
+      </a:lnRef>
+      <a:fillRef idx="1">
+        <a:scrgbClr r="0" g="0" b="0"/>
+      </a:fillRef>
+      <a:effectRef idx="0">
+        <a:scrgbClr r="0" g="0" b="0"/>
+      </a:effectRef>
+      <a:fontRef idx="minor"/>
+    </dgm:style>
+  </dgm:styleLbl>
+  <dgm:styleLbl name="dkBgShp">
+    <dgm:scene3d>
+      <a:camera prst="orthographicFront"/>
+      <a:lightRig rig="threePt" dir="t"/>
+    </dgm:scene3d>
+    <dgm:sp3d/>
+    <dgm:txPr/>
+    <dgm:style>
+      <a:lnRef idx="0">
+        <a:scrgbClr r="0" g="0" b="0"/>
+      </a:lnRef>
+      <a:fillRef idx="1">
+        <a:scrgbClr r="0" g="0" b="0"/>
+      </a:fillRef>
+      <a:effectRef idx="0">
+        <a:scrgbClr r="0" g="0" b="0"/>
+      </a:effectRef>
+      <a:fontRef idx="minor"/>
+    </dgm:style>
+  </dgm:styleLbl>
+  <dgm:styleLbl name="trBgShp">
+    <dgm:scene3d>
+      <a:camera prst="orthographicFront"/>
+      <a:lightRig rig="threePt" dir="t"/>
+    </dgm:scene3d>
+    <dgm:sp3d/>
+    <dgm:txPr/>
+    <dgm:style>
+      <a:lnRef idx="0">
+        <a:scrgbClr r="0" g="0" b="0"/>
+      </a:lnRef>
+      <a:fillRef idx="1">
+        <a:scrgbClr r="0" g="0" b="0"/>
+      </a:fillRef>
+      <a:effectRef idx="0">
+        <a:scrgbClr r="0" g="0" b="0"/>
+      </a:effectRef>
+      <a:fontRef idx="minor"/>
+    </dgm:style>
+  </dgm:styleLbl>
+  <dgm:styleLbl name="fgShp">
+    <dgm:scene3d>
+      <a:camera prst="orthographicFront"/>
+      <a:lightRig rig="threePt" dir="t"/>
+    </dgm:scene3d>
+    <dgm:sp3d/>
+    <dgm:txPr/>
+    <dgm:style>
+      <a:lnRef idx="2">
+        <a:scrgbClr r="0" g="0" b="0"/>
+      </a:lnRef>
+      <a:fillRef idx="1">
+        <a:scrgbClr r="0" g="0" b="0"/>
+      </a:fillRef>
+      <a:effectRef idx="0">
+        <a:scrgbClr r="0" g="0" b="0"/>
+      </a:effectRef>
+      <a:fontRef idx="minor"/>
+    </dgm:style>
+  </dgm:styleLbl>
+  <dgm:styleLbl name="revTx">
+    <dgm:scene3d>
+      <a:camera prst="orthographicFront"/>
+      <a:lightRig rig="threePt" dir="t"/>
+    </dgm:scene3d>
+    <dgm:sp3d/>
+    <dgm:txPr/>
+    <dgm:style>
+      <a:lnRef idx="0">
+        <a:scrgbClr r="0" g="0" b="0"/>
+      </a:lnRef>
+      <a:fillRef idx="0">
+        <a:scrgbClr r="0" g="0" b="0"/>
+      </a:fillRef>
+      <a:effectRef idx="0">
+        <a:scrgbClr r="0" g="0" b="0"/>
+      </a:effectRef>
+      <a:fontRef idx="minor"/>
+    </dgm:style>
+  </dgm:styleLbl>
+</dgm:styleDef>
+</file>
+
 <file path=ppt/slideLayouts/slideLayout1.xml><?xml version="1.0" encoding="utf-8"?>
 <p:sldLayout xmlns:a="http://schemas.openxmlformats.org/drawingml/2006/main" xmlns:r="http://schemas.openxmlformats.org/officeDocument/2006/relationships" xmlns:p="http://schemas.openxmlformats.org/presentationml/2006/main" type="title" preserve="1">
   <p:cSld name="Title Slide">
@@ -9352,7 +12037,7 @@
           <a:p>
             <a:fld id="{7B52F693-8192-4E4D-A2FF-3504DFEC16A4}" type="datetimeFigureOut">
               <a:rPr lang="en-US" smtClean="0"/>
-              <a:t>12/2/23</a:t>
+              <a:t>12/3/23</a:t>
             </a:fld>
             <a:endParaRPr lang="en-US"/>
           </a:p>
@@ -9552,7 +12237,7 @@
           <a:p>
             <a:fld id="{7B52F693-8192-4E4D-A2FF-3504DFEC16A4}" type="datetimeFigureOut">
               <a:rPr lang="en-US" smtClean="0"/>
-              <a:t>12/2/23</a:t>
+              <a:t>12/3/23</a:t>
             </a:fld>
             <a:endParaRPr lang="en-US"/>
           </a:p>
@@ -9762,7 +12447,7 @@
           <a:p>
             <a:fld id="{7B52F693-8192-4E4D-A2FF-3504DFEC16A4}" type="datetimeFigureOut">
               <a:rPr lang="en-US" smtClean="0"/>
-              <a:t>12/2/23</a:t>
+              <a:t>12/3/23</a:t>
             </a:fld>
             <a:endParaRPr lang="en-US"/>
           </a:p>
@@ -9962,7 +12647,7 @@
           <a:p>
             <a:fld id="{7B52F693-8192-4E4D-A2FF-3504DFEC16A4}" type="datetimeFigureOut">
               <a:rPr lang="en-US" smtClean="0"/>
-              <a:t>12/2/23</a:t>
+              <a:t>12/3/23</a:t>
             </a:fld>
             <a:endParaRPr lang="en-US"/>
           </a:p>
@@ -10238,7 +12923,7 @@
           <a:p>
             <a:fld id="{7B52F693-8192-4E4D-A2FF-3504DFEC16A4}" type="datetimeFigureOut">
               <a:rPr lang="en-US" smtClean="0"/>
-              <a:t>12/2/23</a:t>
+              <a:t>12/3/23</a:t>
             </a:fld>
             <a:endParaRPr lang="en-US"/>
           </a:p>
@@ -10506,7 +13191,7 @@
           <a:p>
             <a:fld id="{7B52F693-8192-4E4D-A2FF-3504DFEC16A4}" type="datetimeFigureOut">
               <a:rPr lang="en-US" smtClean="0"/>
-              <a:t>12/2/23</a:t>
+              <a:t>12/3/23</a:t>
             </a:fld>
             <a:endParaRPr lang="en-US"/>
           </a:p>
@@ -10921,7 +13606,7 @@
           <a:p>
             <a:fld id="{7B52F693-8192-4E4D-A2FF-3504DFEC16A4}" type="datetimeFigureOut">
               <a:rPr lang="en-US" smtClean="0"/>
-              <a:t>12/2/23</a:t>
+              <a:t>12/3/23</a:t>
             </a:fld>
             <a:endParaRPr lang="en-US"/>
           </a:p>
@@ -11063,7 +13748,7 @@
           <a:p>
             <a:fld id="{7B52F693-8192-4E4D-A2FF-3504DFEC16A4}" type="datetimeFigureOut">
               <a:rPr lang="en-US" smtClean="0"/>
-              <a:t>12/2/23</a:t>
+              <a:t>12/3/23</a:t>
             </a:fld>
             <a:endParaRPr lang="en-US"/>
           </a:p>
@@ -11176,7 +13861,7 @@
           <a:p>
             <a:fld id="{7B52F693-8192-4E4D-A2FF-3504DFEC16A4}" type="datetimeFigureOut">
               <a:rPr lang="en-US" smtClean="0"/>
-              <a:t>12/2/23</a:t>
+              <a:t>12/3/23</a:t>
             </a:fld>
             <a:endParaRPr lang="en-US"/>
           </a:p>
@@ -11489,7 +14174,7 @@
           <a:p>
             <a:fld id="{7B52F693-8192-4E4D-A2FF-3504DFEC16A4}" type="datetimeFigureOut">
               <a:rPr lang="en-US" smtClean="0"/>
-              <a:t>12/2/23</a:t>
+              <a:t>12/3/23</a:t>
             </a:fld>
             <a:endParaRPr lang="en-US"/>
           </a:p>
@@ -11778,7 +14463,7 @@
           <a:p>
             <a:fld id="{7B52F693-8192-4E4D-A2FF-3504DFEC16A4}" type="datetimeFigureOut">
               <a:rPr lang="en-US" smtClean="0"/>
-              <a:t>12/2/23</a:t>
+              <a:t>12/3/23</a:t>
             </a:fld>
             <a:endParaRPr lang="en-US"/>
           </a:p>
@@ -12021,7 +14706,7 @@
           <a:p>
             <a:fld id="{7B52F693-8192-4E4D-A2FF-3504DFEC16A4}" type="datetimeFigureOut">
               <a:rPr lang="en-US" smtClean="0"/>
-              <a:t>12/2/23</a:t>
+              <a:t>12/3/23</a:t>
             </a:fld>
             <a:endParaRPr lang="en-US"/>
           </a:p>
@@ -13321,6 +16006,972 @@
       </p:grpSpPr>
       <p:sp useBgFill="1">
         <p:nvSpPr>
+          <p:cNvPr id="12" name="Rectangle 11">
+            <a:extLst>
+              <a:ext uri="{FF2B5EF4-FFF2-40B4-BE49-F238E27FC236}">
+                <a16:creationId xmlns:a16="http://schemas.microsoft.com/office/drawing/2014/main" id="{F13C74B1-5B17-4795-BED0-7140497B445A}"/>
+              </a:ext>
+              <a:ext uri="{C183D7F6-B498-43B3-948B-1728B52AA6E4}">
+                <adec:decorative xmlns:adec="http://schemas.microsoft.com/office/drawing/2017/decorative" val="1"/>
+              </a:ext>
+            </a:extLst>
+          </p:cNvPr>
+          <p:cNvSpPr>
+            <a:spLocks noGrp="1" noRot="1" noChangeAspect="1" noMove="1" noResize="1" noEditPoints="1" noAdjustHandles="1" noChangeArrowheads="1" noChangeShapeType="1" noTextEdit="1"/>
+          </p:cNvSpPr>
+          <p:nvPr>
+            <p:extLst>
+              <p:ext uri="{386F3935-93C4-4BCD-93E2-E3B085C9AB24}">
+                <p16:designElem xmlns:p16="http://schemas.microsoft.com/office/powerpoint/2015/main" val="1"/>
+              </p:ext>
+            </p:extLst>
+          </p:nvPr>
+        </p:nvSpPr>
+        <p:spPr>
+          <a:xfrm>
+            <a:off x="0" y="0"/>
+            <a:ext cx="12188952" cy="6858000"/>
+          </a:xfrm>
+          <a:prstGeom prst="rect">
+            <a:avLst/>
+          </a:prstGeom>
+          <a:ln>
+            <a:noFill/>
+          </a:ln>
+        </p:spPr>
+        <p:style>
+          <a:lnRef idx="2">
+            <a:schemeClr val="accent1">
+              <a:shade val="50000"/>
+            </a:schemeClr>
+          </a:lnRef>
+          <a:fillRef idx="1">
+            <a:schemeClr val="accent1"/>
+          </a:fillRef>
+          <a:effectRef idx="0">
+            <a:schemeClr val="accent1"/>
+          </a:effectRef>
+          <a:fontRef idx="minor">
+            <a:schemeClr val="lt1"/>
+          </a:fontRef>
+        </p:style>
+        <p:txBody>
+          <a:bodyPr rtlCol="0" anchor="ctr"/>
+          <a:lstStyle/>
+          <a:p>
+            <a:pPr algn="ctr"/>
+            <a:endParaRPr lang="en-US"/>
+          </a:p>
+        </p:txBody>
+      </p:sp>
+      <p:sp>
+        <p:nvSpPr>
+          <p:cNvPr id="2" name="Title 1">
+            <a:extLst>
+              <a:ext uri="{FF2B5EF4-FFF2-40B4-BE49-F238E27FC236}">
+                <a16:creationId xmlns:a16="http://schemas.microsoft.com/office/drawing/2014/main" id="{B1A90297-976D-3BD9-9212-B54500D8F3CE}"/>
+              </a:ext>
+            </a:extLst>
+          </p:cNvPr>
+          <p:cNvSpPr>
+            <a:spLocks noGrp="1"/>
+          </p:cNvSpPr>
+          <p:nvPr>
+            <p:ph type="title"/>
+          </p:nvPr>
+        </p:nvSpPr>
+        <p:spPr>
+          <a:xfrm>
+            <a:off x="640080" y="325369"/>
+            <a:ext cx="4368602" cy="1956841"/>
+          </a:xfrm>
+        </p:spPr>
+        <p:txBody>
+          <a:bodyPr anchor="b">
+            <a:normAutofit/>
+          </a:bodyPr>
+          <a:lstStyle/>
+          <a:p>
+            <a:r>
+              <a:rPr lang="en-US" sz="5400"/>
+              <a:t>A visual Depiction </a:t>
+            </a:r>
+          </a:p>
+        </p:txBody>
+      </p:sp>
+      <p:sp>
+        <p:nvSpPr>
+          <p:cNvPr id="14" name="sketchy line">
+            <a:extLst>
+              <a:ext uri="{FF2B5EF4-FFF2-40B4-BE49-F238E27FC236}">
+                <a16:creationId xmlns:a16="http://schemas.microsoft.com/office/drawing/2014/main" id="{D4974D33-8DC5-464E-8C6D-BE58F0669C17}"/>
+              </a:ext>
+              <a:ext uri="{C183D7F6-B498-43B3-948B-1728B52AA6E4}">
+                <adec:decorative xmlns:adec="http://schemas.microsoft.com/office/drawing/2017/decorative" val="1"/>
+              </a:ext>
+            </a:extLst>
+          </p:cNvPr>
+          <p:cNvSpPr>
+            <a:spLocks noGrp="1" noRot="1" noChangeAspect="1" noMove="1" noResize="1" noEditPoints="1" noAdjustHandles="1" noChangeArrowheads="1" noChangeShapeType="1" noTextEdit="1"/>
+          </p:cNvSpPr>
+          <p:nvPr>
+            <p:extLst>
+              <p:ext uri="{386F3935-93C4-4BCD-93E2-E3B085C9AB24}">
+                <p16:designElem xmlns:p16="http://schemas.microsoft.com/office/powerpoint/2015/main" val="1"/>
+              </p:ext>
+            </p:extLst>
+          </p:nvPr>
+        </p:nvSpPr>
+        <p:spPr>
+          <a:xfrm>
+            <a:off x="640080" y="2586994"/>
+            <a:ext cx="3474720" cy="18288"/>
+          </a:xfrm>
+          <a:custGeom>
+            <a:avLst/>
+            <a:gdLst>
+              <a:gd name="connsiteX0" fmla="*/ 0 w 3474720"/>
+              <a:gd name="connsiteY0" fmla="*/ 0 h 18288"/>
+              <a:gd name="connsiteX1" fmla="*/ 694944 w 3474720"/>
+              <a:gd name="connsiteY1" fmla="*/ 0 h 18288"/>
+              <a:gd name="connsiteX2" fmla="*/ 1355141 w 3474720"/>
+              <a:gd name="connsiteY2" fmla="*/ 0 h 18288"/>
+              <a:gd name="connsiteX3" fmla="*/ 2015338 w 3474720"/>
+              <a:gd name="connsiteY3" fmla="*/ 0 h 18288"/>
+              <a:gd name="connsiteX4" fmla="*/ 2779776 w 3474720"/>
+              <a:gd name="connsiteY4" fmla="*/ 0 h 18288"/>
+              <a:gd name="connsiteX5" fmla="*/ 3474720 w 3474720"/>
+              <a:gd name="connsiteY5" fmla="*/ 0 h 18288"/>
+              <a:gd name="connsiteX6" fmla="*/ 3474720 w 3474720"/>
+              <a:gd name="connsiteY6" fmla="*/ 18288 h 18288"/>
+              <a:gd name="connsiteX7" fmla="*/ 2779776 w 3474720"/>
+              <a:gd name="connsiteY7" fmla="*/ 18288 h 18288"/>
+              <a:gd name="connsiteX8" fmla="*/ 2189074 w 3474720"/>
+              <a:gd name="connsiteY8" fmla="*/ 18288 h 18288"/>
+              <a:gd name="connsiteX9" fmla="*/ 1528877 w 3474720"/>
+              <a:gd name="connsiteY9" fmla="*/ 18288 h 18288"/>
+              <a:gd name="connsiteX10" fmla="*/ 868680 w 3474720"/>
+              <a:gd name="connsiteY10" fmla="*/ 18288 h 18288"/>
+              <a:gd name="connsiteX11" fmla="*/ 0 w 3474720"/>
+              <a:gd name="connsiteY11" fmla="*/ 18288 h 18288"/>
+              <a:gd name="connsiteX12" fmla="*/ 0 w 3474720"/>
+              <a:gd name="connsiteY12" fmla="*/ 0 h 18288"/>
+            </a:gdLst>
+            <a:ahLst/>
+            <a:cxnLst>
+              <a:cxn ang="0">
+                <a:pos x="connsiteX0" y="connsiteY0"/>
+              </a:cxn>
+              <a:cxn ang="0">
+                <a:pos x="connsiteX1" y="connsiteY1"/>
+              </a:cxn>
+              <a:cxn ang="0">
+                <a:pos x="connsiteX2" y="connsiteY2"/>
+              </a:cxn>
+              <a:cxn ang="0">
+                <a:pos x="connsiteX3" y="connsiteY3"/>
+              </a:cxn>
+              <a:cxn ang="0">
+                <a:pos x="connsiteX4" y="connsiteY4"/>
+              </a:cxn>
+              <a:cxn ang="0">
+                <a:pos x="connsiteX5" y="connsiteY5"/>
+              </a:cxn>
+              <a:cxn ang="0">
+                <a:pos x="connsiteX6" y="connsiteY6"/>
+              </a:cxn>
+              <a:cxn ang="0">
+                <a:pos x="connsiteX7" y="connsiteY7"/>
+              </a:cxn>
+              <a:cxn ang="0">
+                <a:pos x="connsiteX8" y="connsiteY8"/>
+              </a:cxn>
+              <a:cxn ang="0">
+                <a:pos x="connsiteX9" y="connsiteY9"/>
+              </a:cxn>
+              <a:cxn ang="0">
+                <a:pos x="connsiteX10" y="connsiteY10"/>
+              </a:cxn>
+              <a:cxn ang="0">
+                <a:pos x="connsiteX11" y="connsiteY11"/>
+              </a:cxn>
+              <a:cxn ang="0">
+                <a:pos x="connsiteX12" y="connsiteY12"/>
+              </a:cxn>
+            </a:cxnLst>
+            <a:rect l="l" t="t" r="r" b="b"/>
+            <a:pathLst>
+              <a:path w="3474720" h="18288" fill="none" extrusionOk="0">
+                <a:moveTo>
+                  <a:pt x="0" y="0"/>
+                </a:moveTo>
+                <a:cubicBezTo>
+                  <a:pt x="224454" y="-14544"/>
+                  <a:pt x="495407" y="26540"/>
+                  <a:pt x="694944" y="0"/>
+                </a:cubicBezTo>
+                <a:cubicBezTo>
+                  <a:pt x="894481" y="-26540"/>
+                  <a:pt x="1130063" y="24713"/>
+                  <a:pt x="1355141" y="0"/>
+                </a:cubicBezTo>
+                <a:cubicBezTo>
+                  <a:pt x="1580219" y="-24713"/>
+                  <a:pt x="1820099" y="26695"/>
+                  <a:pt x="2015338" y="0"/>
+                </a:cubicBezTo>
+                <a:cubicBezTo>
+                  <a:pt x="2210577" y="-26695"/>
+                  <a:pt x="2402045" y="165"/>
+                  <a:pt x="2779776" y="0"/>
+                </a:cubicBezTo>
+                <a:cubicBezTo>
+                  <a:pt x="3157507" y="-165"/>
+                  <a:pt x="3286859" y="-15571"/>
+                  <a:pt x="3474720" y="0"/>
+                </a:cubicBezTo>
+                <a:cubicBezTo>
+                  <a:pt x="3474286" y="7551"/>
+                  <a:pt x="3474253" y="9822"/>
+                  <a:pt x="3474720" y="18288"/>
+                </a:cubicBezTo>
+                <a:cubicBezTo>
+                  <a:pt x="3233904" y="29845"/>
+                  <a:pt x="2945134" y="-5256"/>
+                  <a:pt x="2779776" y="18288"/>
+                </a:cubicBezTo>
+                <a:cubicBezTo>
+                  <a:pt x="2614418" y="41832"/>
+                  <a:pt x="2339768" y="22709"/>
+                  <a:pt x="2189074" y="18288"/>
+                </a:cubicBezTo>
+                <a:cubicBezTo>
+                  <a:pt x="2038380" y="13867"/>
+                  <a:pt x="1817434" y="-4947"/>
+                  <a:pt x="1528877" y="18288"/>
+                </a:cubicBezTo>
+                <a:cubicBezTo>
+                  <a:pt x="1240320" y="41523"/>
+                  <a:pt x="1042447" y="37198"/>
+                  <a:pt x="868680" y="18288"/>
+                </a:cubicBezTo>
+                <a:cubicBezTo>
+                  <a:pt x="694913" y="-622"/>
+                  <a:pt x="233232" y="44909"/>
+                  <a:pt x="0" y="18288"/>
+                </a:cubicBezTo>
+                <a:cubicBezTo>
+                  <a:pt x="60" y="11696"/>
+                  <a:pt x="66" y="3758"/>
+                  <a:pt x="0" y="0"/>
+                </a:cubicBezTo>
+                <a:close/>
+              </a:path>
+              <a:path w="3474720" h="18288" stroke="0" extrusionOk="0">
+                <a:moveTo>
+                  <a:pt x="0" y="0"/>
+                </a:moveTo>
+                <a:cubicBezTo>
+                  <a:pt x="202328" y="-14716"/>
+                  <a:pt x="332722" y="-11499"/>
+                  <a:pt x="625450" y="0"/>
+                </a:cubicBezTo>
+                <a:cubicBezTo>
+                  <a:pt x="918178" y="11499"/>
+                  <a:pt x="1096688" y="5123"/>
+                  <a:pt x="1389888" y="0"/>
+                </a:cubicBezTo>
+                <a:cubicBezTo>
+                  <a:pt x="1683088" y="-5123"/>
+                  <a:pt x="1835981" y="-14038"/>
+                  <a:pt x="1980590" y="0"/>
+                </a:cubicBezTo>
+                <a:cubicBezTo>
+                  <a:pt x="2125199" y="14038"/>
+                  <a:pt x="2396099" y="-7203"/>
+                  <a:pt x="2571293" y="0"/>
+                </a:cubicBezTo>
+                <a:cubicBezTo>
+                  <a:pt x="2746487" y="7203"/>
+                  <a:pt x="3041609" y="-12036"/>
+                  <a:pt x="3474720" y="0"/>
+                </a:cubicBezTo>
+                <a:cubicBezTo>
+                  <a:pt x="3474638" y="4406"/>
+                  <a:pt x="3474631" y="9982"/>
+                  <a:pt x="3474720" y="18288"/>
+                </a:cubicBezTo>
+                <a:cubicBezTo>
+                  <a:pt x="3324873" y="21876"/>
+                  <a:pt x="3136771" y="12587"/>
+                  <a:pt x="2814523" y="18288"/>
+                </a:cubicBezTo>
+                <a:cubicBezTo>
+                  <a:pt x="2492275" y="23989"/>
+                  <a:pt x="2294402" y="47111"/>
+                  <a:pt x="2154326" y="18288"/>
+                </a:cubicBezTo>
+                <a:cubicBezTo>
+                  <a:pt x="2014250" y="-10535"/>
+                  <a:pt x="1820317" y="33903"/>
+                  <a:pt x="1494130" y="18288"/>
+                </a:cubicBezTo>
+                <a:cubicBezTo>
+                  <a:pt x="1167943" y="2673"/>
+                  <a:pt x="948432" y="14868"/>
+                  <a:pt x="729691" y="18288"/>
+                </a:cubicBezTo>
+                <a:cubicBezTo>
+                  <a:pt x="510950" y="21708"/>
+                  <a:pt x="264032" y="24354"/>
+                  <a:pt x="0" y="18288"/>
+                </a:cubicBezTo>
+                <a:cubicBezTo>
+                  <a:pt x="189" y="14288"/>
+                  <a:pt x="-703" y="3747"/>
+                  <a:pt x="0" y="0"/>
+                </a:cubicBezTo>
+                <a:close/>
+              </a:path>
+            </a:pathLst>
+          </a:custGeom>
+          <a:solidFill>
+            <a:schemeClr val="accent2"/>
+          </a:solidFill>
+          <a:ln w="44450" cap="rnd">
+            <a:solidFill>
+              <a:schemeClr val="accent2"/>
+            </a:solidFill>
+            <a:round/>
+            <a:extLst>
+              <a:ext uri="{C807C97D-BFC1-408E-A445-0C87EB9F89A2}">
+                <ask:lineSketchStyleProps xmlns:ask="http://schemas.microsoft.com/office/drawing/2018/sketchyshapes" sd="2863741219">
+                  <a:prstGeom prst="rect">
+                    <a:avLst/>
+                  </a:prstGeom>
+                  <ask:type>
+                    <ask:lineSketchFreehand/>
+                  </ask:type>
+                </ask:lineSketchStyleProps>
+              </a:ext>
+            </a:extLst>
+          </a:ln>
+        </p:spPr>
+        <p:style>
+          <a:lnRef idx="2">
+            <a:schemeClr val="accent1">
+              <a:shade val="50000"/>
+            </a:schemeClr>
+          </a:lnRef>
+          <a:fillRef idx="1">
+            <a:schemeClr val="accent1"/>
+          </a:fillRef>
+          <a:effectRef idx="0">
+            <a:schemeClr val="accent1"/>
+          </a:effectRef>
+          <a:fontRef idx="minor">
+            <a:schemeClr val="lt1"/>
+          </a:fontRef>
+        </p:style>
+        <p:txBody>
+          <a:bodyPr rtlCol="0" anchor="ctr"/>
+          <a:lstStyle/>
+          <a:p>
+            <a:pPr algn="ctr"/>
+            <a:endParaRPr lang="en-US"/>
+          </a:p>
+        </p:txBody>
+      </p:sp>
+      <p:sp>
+        <p:nvSpPr>
+          <p:cNvPr id="9" name="Content Placeholder 8">
+            <a:extLst>
+              <a:ext uri="{FF2B5EF4-FFF2-40B4-BE49-F238E27FC236}">
+                <a16:creationId xmlns:a16="http://schemas.microsoft.com/office/drawing/2014/main" id="{3DA8D1ED-130C-895E-F5C2-8C23AA1A5829}"/>
+              </a:ext>
+            </a:extLst>
+          </p:cNvPr>
+          <p:cNvSpPr>
+            <a:spLocks noGrp="1"/>
+          </p:cNvSpPr>
+          <p:nvPr>
+            <p:ph idx="1"/>
+          </p:nvPr>
+        </p:nvSpPr>
+        <p:spPr>
+          <a:xfrm>
+            <a:off x="640080" y="2872899"/>
+            <a:ext cx="4243589" cy="3320668"/>
+          </a:xfrm>
+        </p:spPr>
+        <p:txBody>
+          <a:bodyPr>
+            <a:normAutofit/>
+          </a:bodyPr>
+          <a:lstStyle/>
+          <a:p>
+            <a:r>
+              <a:rPr lang="en-US" sz="2200" dirty="0"/>
+              <a:t>Easy to view Features </a:t>
+            </a:r>
+          </a:p>
+          <a:p>
+            <a:r>
+              <a:rPr lang="en-US" sz="2200" dirty="0"/>
+              <a:t>Feature Selection from Drop down menu.</a:t>
+            </a:r>
+          </a:p>
+          <a:p>
+            <a:r>
+              <a:rPr lang="en-US" sz="2200" dirty="0"/>
+              <a:t>Predicted outcome instantly </a:t>
+            </a:r>
+          </a:p>
+        </p:txBody>
+      </p:sp>
+      <p:pic>
+        <p:nvPicPr>
+          <p:cNvPr id="5" name="Content Placeholder 4" descr="A screenshot of a computer&#10;&#10;Description automatically generated">
+            <a:extLst>
+              <a:ext uri="{FF2B5EF4-FFF2-40B4-BE49-F238E27FC236}">
+                <a16:creationId xmlns:a16="http://schemas.microsoft.com/office/drawing/2014/main" id="{0B065C5B-5388-4F9D-994B-CD0566500A15}"/>
+              </a:ext>
+            </a:extLst>
+          </p:cNvPr>
+          <p:cNvPicPr>
+            <a:picLocks noChangeAspect="1"/>
+          </p:cNvPicPr>
+          <p:nvPr/>
+        </p:nvPicPr>
+        <p:blipFill rotWithShape="1">
+          <a:blip r:embed="rId2"/>
+          <a:srcRect l="7713" r="15556" b="1"/>
+          <a:stretch/>
+        </p:blipFill>
+        <p:spPr>
+          <a:xfrm>
+            <a:off x="5311702" y="10"/>
+            <a:ext cx="6878775" cy="6857990"/>
+          </a:xfrm>
+          <a:custGeom>
+            <a:avLst/>
+            <a:gdLst/>
+            <a:ahLst/>
+            <a:cxnLst/>
+            <a:rect l="l" t="t" r="r" b="b"/>
+            <a:pathLst>
+              <a:path w="6878775" h="6858000">
+                <a:moveTo>
+                  <a:pt x="1102973" y="0"/>
+                </a:moveTo>
+                <a:lnTo>
+                  <a:pt x="1160688" y="0"/>
+                </a:lnTo>
+                <a:lnTo>
+                  <a:pt x="983189" y="331786"/>
+                </a:lnTo>
+                <a:cubicBezTo>
+                  <a:pt x="914866" y="469145"/>
+                  <a:pt x="850355" y="608712"/>
+                  <a:pt x="789261" y="750263"/>
+                </a:cubicBezTo>
+                <a:cubicBezTo>
+                  <a:pt x="774307" y="784928"/>
+                  <a:pt x="759992" y="819849"/>
+                  <a:pt x="745295" y="854514"/>
+                </a:cubicBezTo>
+                <a:cubicBezTo>
+                  <a:pt x="756682" y="845393"/>
+                  <a:pt x="765489" y="833492"/>
+                  <a:pt x="770857" y="819975"/>
+                </a:cubicBezTo>
+                <a:cubicBezTo>
+                  <a:pt x="879943" y="589569"/>
+                  <a:pt x="999605" y="365513"/>
+                  <a:pt x="1131329" y="148742"/>
+                </a:cubicBezTo>
+                <a:lnTo>
+                  <a:pt x="1227589" y="0"/>
+                </a:lnTo>
+                <a:lnTo>
+                  <a:pt x="6878775" y="0"/>
+                </a:lnTo>
+                <a:lnTo>
+                  <a:pt x="6878775" y="6858000"/>
+                </a:lnTo>
+                <a:lnTo>
+                  <a:pt x="713521" y="6858000"/>
+                </a:lnTo>
+                <a:lnTo>
+                  <a:pt x="625642" y="6670527"/>
+                </a:lnTo>
+                <a:cubicBezTo>
+                  <a:pt x="507232" y="6398531"/>
+                  <a:pt x="403083" y="6118381"/>
+                  <a:pt x="312785" y="5830359"/>
+                </a:cubicBezTo>
+                <a:cubicBezTo>
+                  <a:pt x="278149" y="5719759"/>
+                  <a:pt x="248879" y="5607635"/>
+                  <a:pt x="212198" y="5480401"/>
+                </a:cubicBezTo>
+                <a:cubicBezTo>
+                  <a:pt x="212208" y="5491601"/>
+                  <a:pt x="212803" y="5502788"/>
+                  <a:pt x="213988" y="5513923"/>
+                </a:cubicBezTo>
+                <a:cubicBezTo>
+                  <a:pt x="264089" y="5723695"/>
+                  <a:pt x="307290" y="5935370"/>
+                  <a:pt x="365826" y="6142729"/>
+                </a:cubicBezTo>
+                <a:cubicBezTo>
+                  <a:pt x="433152" y="6380817"/>
+                  <a:pt x="510068" y="6614016"/>
+                  <a:pt x="597975" y="6841549"/>
+                </a:cubicBezTo>
+                <a:lnTo>
+                  <a:pt x="604824" y="6858000"/>
+                </a:lnTo>
+                <a:lnTo>
+                  <a:pt x="552056" y="6858000"/>
+                </a:lnTo>
+                <a:lnTo>
+                  <a:pt x="539576" y="6828295"/>
+                </a:lnTo>
+                <a:cubicBezTo>
+                  <a:pt x="380597" y="6414594"/>
+                  <a:pt x="260223" y="5988893"/>
+                  <a:pt x="171555" y="5552906"/>
+                </a:cubicBezTo>
+                <a:cubicBezTo>
+                  <a:pt x="91163" y="5157998"/>
+                  <a:pt x="43746" y="4758899"/>
+                  <a:pt x="12305" y="4357388"/>
+                </a:cubicBezTo>
+                <a:cubicBezTo>
+                  <a:pt x="-14281" y="4013908"/>
+                  <a:pt x="4507" y="3672965"/>
+                  <a:pt x="46684" y="3331516"/>
+                </a:cubicBezTo>
+                <a:cubicBezTo>
+                  <a:pt x="127203" y="2664286"/>
+                  <a:pt x="277819" y="2007265"/>
+                  <a:pt x="496065" y="1371196"/>
+                </a:cubicBezTo>
+                <a:cubicBezTo>
+                  <a:pt x="636273" y="966066"/>
+                  <a:pt x="800445" y="573253"/>
+                  <a:pt x="995723" y="196614"/>
+                </a:cubicBezTo>
+                <a:close/>
+              </a:path>
+            </a:pathLst>
+          </a:custGeom>
+        </p:spPr>
+      </p:pic>
+    </p:spTree>
+    <p:extLst>
+      <p:ext uri="{BB962C8B-B14F-4D97-AF65-F5344CB8AC3E}">
+        <p14:creationId xmlns:p14="http://schemas.microsoft.com/office/powerpoint/2010/main" val="2484704767"/>
+      </p:ext>
+    </p:extLst>
+  </p:cSld>
+  <p:clrMapOvr>
+    <a:masterClrMapping/>
+  </p:clrMapOvr>
+</p:sld>
+</file>
+
+<file path=ppt/slides/slide11.xml><?xml version="1.0" encoding="utf-8"?>
+<p:sld xmlns:a="http://schemas.openxmlformats.org/drawingml/2006/main" xmlns:r="http://schemas.openxmlformats.org/officeDocument/2006/relationships" xmlns:p="http://schemas.openxmlformats.org/presentationml/2006/main">
+  <p:cSld>
+    <p:bg>
+      <p:bgPr>
+        <a:solidFill>
+          <a:schemeClr val="bg1"/>
+        </a:solidFill>
+        <a:effectLst/>
+      </p:bgPr>
+    </p:bg>
+    <p:spTree>
+      <p:nvGrpSpPr>
+        <p:cNvPr id="1" name=""/>
+        <p:cNvGrpSpPr/>
+        <p:nvPr/>
+      </p:nvGrpSpPr>
+      <p:grpSpPr>
+        <a:xfrm>
+          <a:off x="0" y="0"/>
+          <a:ext cx="0" cy="0"/>
+          <a:chOff x="0" y="0"/>
+          <a:chExt cx="0" cy="0"/>
+        </a:xfrm>
+      </p:grpSpPr>
+      <p:sp useBgFill="1">
+        <p:nvSpPr>
+          <p:cNvPr id="9" name="Slide Background">
+            <a:extLst>
+              <a:ext uri="{FF2B5EF4-FFF2-40B4-BE49-F238E27FC236}">
+                <a16:creationId xmlns:a16="http://schemas.microsoft.com/office/drawing/2014/main" id="{9F7D5CDA-D291-4307-BF55-1381FED29634}"/>
+              </a:ext>
+              <a:ext uri="{C183D7F6-B498-43B3-948B-1728B52AA6E4}">
+                <adec:decorative xmlns:adec="http://schemas.microsoft.com/office/drawing/2017/decorative" val="1"/>
+              </a:ext>
+            </a:extLst>
+          </p:cNvPr>
+          <p:cNvSpPr>
+            <a:spLocks noGrp="1" noRot="1" noChangeAspect="1" noMove="1" noResize="1" noEditPoints="1" noAdjustHandles="1" noChangeArrowheads="1" noChangeShapeType="1" noTextEdit="1"/>
+          </p:cNvSpPr>
+          <p:nvPr>
+            <p:extLst>
+              <p:ext uri="{386F3935-93C4-4BCD-93E2-E3B085C9AB24}">
+                <p16:designElem xmlns:p16="http://schemas.microsoft.com/office/powerpoint/2015/main" val="1"/>
+              </p:ext>
+            </p:extLst>
+          </p:nvPr>
+        </p:nvSpPr>
+        <p:spPr>
+          <a:xfrm>
+            <a:off x="0" y="0"/>
+            <a:ext cx="12192000" cy="6858000"/>
+          </a:xfrm>
+          <a:prstGeom prst="rect">
+            <a:avLst/>
+          </a:prstGeom>
+          <a:ln>
+            <a:noFill/>
+          </a:ln>
+        </p:spPr>
+        <p:style>
+          <a:lnRef idx="2">
+            <a:schemeClr val="accent1">
+              <a:shade val="50000"/>
+            </a:schemeClr>
+          </a:lnRef>
+          <a:fillRef idx="1">
+            <a:schemeClr val="accent1"/>
+          </a:fillRef>
+          <a:effectRef idx="0">
+            <a:schemeClr val="accent1"/>
+          </a:effectRef>
+          <a:fontRef idx="minor">
+            <a:schemeClr val="lt1"/>
+          </a:fontRef>
+        </p:style>
+        <p:txBody>
+          <a:bodyPr rtlCol="0" anchor="ctr"/>
+          <a:lstStyle/>
+          <a:p>
+            <a:pPr algn="ctr"/>
+            <a:endParaRPr lang="en-US"/>
+          </a:p>
+        </p:txBody>
+      </p:sp>
+      <p:pic>
+        <p:nvPicPr>
+          <p:cNvPr id="5" name="Picture 4" descr="Speedometer">
+            <a:extLst>
+              <a:ext uri="{FF2B5EF4-FFF2-40B4-BE49-F238E27FC236}">
+                <a16:creationId xmlns:a16="http://schemas.microsoft.com/office/drawing/2014/main" id="{4E56377E-37A8-47D1-2DD0-A7D06ABEAD73}"/>
+              </a:ext>
+            </a:extLst>
+          </p:cNvPr>
+          <p:cNvPicPr>
+            <a:picLocks noChangeAspect="1"/>
+          </p:cNvPicPr>
+          <p:nvPr/>
+        </p:nvPicPr>
+        <p:blipFill rotWithShape="1">
+          <a:blip r:embed="rId2"/>
+          <a:srcRect l="23492" r="21238"/>
+          <a:stretch/>
+        </p:blipFill>
+        <p:spPr>
+          <a:xfrm>
+            <a:off x="6103027" y="10"/>
+            <a:ext cx="6088971" cy="6857990"/>
+          </a:xfrm>
+          <a:prstGeom prst="rect">
+            <a:avLst/>
+          </a:prstGeom>
+        </p:spPr>
+      </p:pic>
+      <p:sp useBgFill="1">
+        <p:nvSpPr>
+          <p:cNvPr id="11" name="Rectangle 10">
+            <a:extLst>
+              <a:ext uri="{FF2B5EF4-FFF2-40B4-BE49-F238E27FC236}">
+                <a16:creationId xmlns:a16="http://schemas.microsoft.com/office/drawing/2014/main" id="{59B296B9-C5A5-4E4F-9B60-C907B5F1466C}"/>
+              </a:ext>
+              <a:ext uri="{C183D7F6-B498-43B3-948B-1728B52AA6E4}">
+                <adec:decorative xmlns:adec="http://schemas.microsoft.com/office/drawing/2017/decorative" val="1"/>
+              </a:ext>
+            </a:extLst>
+          </p:cNvPr>
+          <p:cNvSpPr>
+            <a:spLocks noGrp="1" noRot="1" noChangeAspect="1" noMove="1" noResize="1" noEditPoints="1" noAdjustHandles="1" noChangeArrowheads="1" noChangeShapeType="1" noTextEdit="1"/>
+          </p:cNvSpPr>
+          <p:nvPr>
+            <p:extLst>
+              <p:ext uri="{386F3935-93C4-4BCD-93E2-E3B085C9AB24}">
+                <p16:designElem xmlns:p16="http://schemas.microsoft.com/office/powerpoint/2015/main" val="1"/>
+              </p:ext>
+            </p:extLst>
+          </p:nvPr>
+        </p:nvSpPr>
+        <p:spPr>
+          <a:xfrm>
+            <a:off x="0" y="0"/>
+            <a:ext cx="6103025" cy="6858000"/>
+          </a:xfrm>
+          <a:prstGeom prst="rect">
+            <a:avLst/>
+          </a:prstGeom>
+          <a:ln>
+            <a:noFill/>
+          </a:ln>
+          <a:effectLst>
+            <a:outerShdw blurRad="889000" dist="406400" dir="21540000" sx="90000" sy="90000" algn="t" rotWithShape="0">
+              <a:srgbClr val="000000">
+                <a:alpha val="20000"/>
+              </a:srgbClr>
+            </a:outerShdw>
+          </a:effectLst>
+        </p:spPr>
+        <p:style>
+          <a:lnRef idx="2">
+            <a:schemeClr val="accent1">
+              <a:shade val="50000"/>
+            </a:schemeClr>
+          </a:lnRef>
+          <a:fillRef idx="1">
+            <a:schemeClr val="accent1"/>
+          </a:fillRef>
+          <a:effectRef idx="0">
+            <a:schemeClr val="accent1"/>
+          </a:effectRef>
+          <a:fontRef idx="minor">
+            <a:schemeClr val="lt1"/>
+          </a:fontRef>
+        </p:style>
+        <p:txBody>
+          <a:bodyPr rtlCol="0" anchor="ctr"/>
+          <a:lstStyle/>
+          <a:p>
+            <a:pPr algn="ctr"/>
+            <a:endParaRPr lang="en-US"/>
+          </a:p>
+        </p:txBody>
+      </p:sp>
+      <p:sp useBgFill="1">
+        <p:nvSpPr>
+          <p:cNvPr id="13" name="Rectangle 12">
+            <a:extLst>
+              <a:ext uri="{FF2B5EF4-FFF2-40B4-BE49-F238E27FC236}">
+                <a16:creationId xmlns:a16="http://schemas.microsoft.com/office/drawing/2014/main" id="{D0300FD3-5AF1-6305-15FA-9078072672E2}"/>
+              </a:ext>
+              <a:ext uri="{C183D7F6-B498-43B3-948B-1728B52AA6E4}">
+                <adec:decorative xmlns:adec="http://schemas.microsoft.com/office/drawing/2017/decorative" val="1"/>
+              </a:ext>
+            </a:extLst>
+          </p:cNvPr>
+          <p:cNvSpPr>
+            <a:spLocks noGrp="1" noRot="1" noChangeAspect="1" noMove="1" noResize="1" noEditPoints="1" noAdjustHandles="1" noChangeArrowheads="1" noChangeShapeType="1" noTextEdit="1"/>
+          </p:cNvSpPr>
+          <p:nvPr>
+            <p:extLst>
+              <p:ext uri="{386F3935-93C4-4BCD-93E2-E3B085C9AB24}">
+                <p16:designElem xmlns:p16="http://schemas.microsoft.com/office/powerpoint/2015/main" val="1"/>
+              </p:ext>
+            </p:extLst>
+          </p:nvPr>
+        </p:nvSpPr>
+        <p:spPr>
+          <a:xfrm>
+            <a:off x="0" y="0"/>
+            <a:ext cx="6103025" cy="2285995"/>
+          </a:xfrm>
+          <a:prstGeom prst="rect">
+            <a:avLst/>
+          </a:prstGeom>
+          <a:ln>
+            <a:noFill/>
+          </a:ln>
+          <a:effectLst>
+            <a:outerShdw blurRad="254000" dist="127000" dir="5460000" sx="92000" sy="92000" algn="t" rotWithShape="0">
+              <a:srgbClr val="000000">
+                <a:alpha val="30000"/>
+              </a:srgbClr>
+            </a:outerShdw>
+          </a:effectLst>
+        </p:spPr>
+        <p:style>
+          <a:lnRef idx="2">
+            <a:schemeClr val="accent1">
+              <a:shade val="50000"/>
+            </a:schemeClr>
+          </a:lnRef>
+          <a:fillRef idx="1">
+            <a:schemeClr val="accent1"/>
+          </a:fillRef>
+          <a:effectRef idx="0">
+            <a:schemeClr val="accent1"/>
+          </a:effectRef>
+          <a:fontRef idx="minor">
+            <a:schemeClr val="lt1"/>
+          </a:fontRef>
+        </p:style>
+        <p:txBody>
+          <a:bodyPr rtlCol="0" anchor="ctr"/>
+          <a:lstStyle/>
+          <a:p>
+            <a:pPr algn="ctr"/>
+            <a:endParaRPr lang="en-US"/>
+          </a:p>
+        </p:txBody>
+      </p:sp>
+      <p:sp>
+        <p:nvSpPr>
+          <p:cNvPr id="2" name="Title 1">
+            <a:extLst>
+              <a:ext uri="{FF2B5EF4-FFF2-40B4-BE49-F238E27FC236}">
+                <a16:creationId xmlns:a16="http://schemas.microsoft.com/office/drawing/2014/main" id="{67C8B4FB-4FA3-49B8-5A34-5C5806A58BB5}"/>
+              </a:ext>
+            </a:extLst>
+          </p:cNvPr>
+          <p:cNvSpPr>
+            <a:spLocks noGrp="1"/>
+          </p:cNvSpPr>
+          <p:nvPr>
+            <p:ph type="title"/>
+          </p:nvPr>
+        </p:nvSpPr>
+        <p:spPr>
+          <a:xfrm>
+            <a:off x="761801" y="328512"/>
+            <a:ext cx="4778387" cy="1628970"/>
+          </a:xfrm>
+        </p:spPr>
+        <p:txBody>
+          <a:bodyPr anchor="ctr">
+            <a:normAutofit/>
+          </a:bodyPr>
+          <a:lstStyle/>
+          <a:p>
+            <a:r>
+              <a:rPr lang="en-US" sz="4000" dirty="0"/>
+              <a:t>Application in Action </a:t>
+            </a:r>
+          </a:p>
+        </p:txBody>
+      </p:sp>
+      <p:sp>
+        <p:nvSpPr>
+          <p:cNvPr id="3" name="Content Placeholder 2">
+            <a:extLst>
+              <a:ext uri="{FF2B5EF4-FFF2-40B4-BE49-F238E27FC236}">
+                <a16:creationId xmlns:a16="http://schemas.microsoft.com/office/drawing/2014/main" id="{18AD6AEC-1C2F-F1D5-6EDC-7034A1CD70C5}"/>
+              </a:ext>
+            </a:extLst>
+          </p:cNvPr>
+          <p:cNvSpPr>
+            <a:spLocks noGrp="1"/>
+          </p:cNvSpPr>
+          <p:nvPr>
+            <p:ph idx="1"/>
+          </p:nvPr>
+        </p:nvSpPr>
+        <p:spPr>
+          <a:xfrm>
+            <a:off x="761801" y="2884929"/>
+            <a:ext cx="4659756" cy="3374137"/>
+          </a:xfrm>
+        </p:spPr>
+        <p:txBody>
+          <a:bodyPr anchor="ctr">
+            <a:normAutofit/>
+          </a:bodyPr>
+          <a:lstStyle/>
+          <a:p>
+            <a:r>
+              <a:rPr lang="en-US" sz="2000" dirty="0"/>
+              <a:t>Let’s go to </a:t>
+            </a:r>
+            <a:r>
+              <a:rPr lang="en-US" sz="2000" dirty="0" err="1"/>
+              <a:t>Streamlit</a:t>
+            </a:r>
+            <a:r>
+              <a:rPr lang="en-US" sz="2000" dirty="0"/>
+              <a:t> and test out the Application ourselves. </a:t>
+            </a:r>
+          </a:p>
+          <a:p>
+            <a:r>
+              <a:rPr lang="en-IN" sz="2000" b="1" dirty="0">
+                <a:effectLst/>
+                <a:latin typeface="Helvetica Neue" panose="02000503000000020004" pitchFamily="2" charset="0"/>
+                <a:hlinkClick r:id="rId3"/>
+              </a:rPr>
+              <a:t>Car Price Prediction App</a:t>
+            </a:r>
+            <a:endParaRPr lang="en-IN" sz="2000" b="1" dirty="0">
+              <a:effectLst/>
+              <a:latin typeface="Helvetica Neue" panose="02000503000000020004" pitchFamily="2" charset="0"/>
+            </a:endParaRPr>
+          </a:p>
+          <a:p>
+            <a:endParaRPr lang="en-IN" sz="2000" dirty="0">
+              <a:effectLst/>
+              <a:latin typeface="Helvetica Neue" panose="02000503000000020004" pitchFamily="2" charset="0"/>
+            </a:endParaRPr>
+          </a:p>
+          <a:p>
+            <a:endParaRPr lang="en-US" sz="2000" dirty="0"/>
+          </a:p>
+        </p:txBody>
+      </p:sp>
+    </p:spTree>
+    <p:extLst>
+      <p:ext uri="{BB962C8B-B14F-4D97-AF65-F5344CB8AC3E}">
+        <p14:creationId xmlns:p14="http://schemas.microsoft.com/office/powerpoint/2010/main" val="3399781129"/>
+      </p:ext>
+    </p:extLst>
+  </p:cSld>
+  <p:clrMapOvr>
+    <a:masterClrMapping/>
+  </p:clrMapOvr>
+</p:sld>
+</file>
+
+<file path=ppt/slides/slide12.xml><?xml version="1.0" encoding="utf-8"?>
+<p:sld xmlns:a="http://schemas.openxmlformats.org/drawingml/2006/main" xmlns:r="http://schemas.openxmlformats.org/officeDocument/2006/relationships" xmlns:p="http://schemas.openxmlformats.org/presentationml/2006/main">
+  <p:cSld>
+    <p:bg>
+      <p:bgPr>
+        <a:solidFill>
+          <a:schemeClr val="bg1"/>
+        </a:solidFill>
+        <a:effectLst/>
+      </p:bgPr>
+    </p:bg>
+    <p:spTree>
+      <p:nvGrpSpPr>
+        <p:cNvPr id="1" name=""/>
+        <p:cNvGrpSpPr/>
+        <p:nvPr/>
+      </p:nvGrpSpPr>
+      <p:grpSpPr>
+        <a:xfrm>
+          <a:off x="0" y="0"/>
+          <a:ext cx="0" cy="0"/>
+          <a:chOff x="0" y="0"/>
+          <a:chExt cx="0" cy="0"/>
+        </a:xfrm>
+      </p:grpSpPr>
+      <p:sp useBgFill="1">
+        <p:nvSpPr>
           <p:cNvPr id="10" name="Rectangle 9">
             <a:extLst>
               <a:ext uri="{FF2B5EF4-FFF2-40B4-BE49-F238E27FC236}">
@@ -13772,7 +17423,7 @@
 </p:sld>
 </file>
 
-<file path=ppt/slides/slide11.xml><?xml version="1.0" encoding="utf-8"?>
+<file path=ppt/slides/slide13.xml><?xml version="1.0" encoding="utf-8"?>
 <p:sld xmlns:a="http://schemas.openxmlformats.org/drawingml/2006/main" xmlns:r="http://schemas.openxmlformats.org/officeDocument/2006/relationships" xmlns:p="http://schemas.openxmlformats.org/presentationml/2006/main">
   <p:cSld>
     <p:bg>
@@ -16220,6 +19871,470 @@
       </p:grpSpPr>
       <p:sp useBgFill="1">
         <p:nvSpPr>
+          <p:cNvPr id="9" name="Slide Background">
+            <a:extLst>
+              <a:ext uri="{FF2B5EF4-FFF2-40B4-BE49-F238E27FC236}">
+                <a16:creationId xmlns:a16="http://schemas.microsoft.com/office/drawing/2014/main" id="{C0763A76-9F1C-4FC5-82B7-DD475DA461B2}"/>
+              </a:ext>
+              <a:ext uri="{C183D7F6-B498-43B3-948B-1728B52AA6E4}">
+                <adec:decorative xmlns:adec="http://schemas.microsoft.com/office/drawing/2017/decorative" val="1"/>
+              </a:ext>
+            </a:extLst>
+          </p:cNvPr>
+          <p:cNvSpPr>
+            <a:spLocks noGrp="1" noRot="1" noChangeAspect="1" noMove="1" noResize="1" noEditPoints="1" noAdjustHandles="1" noChangeArrowheads="1" noChangeShapeType="1" noTextEdit="1"/>
+          </p:cNvSpPr>
+          <p:nvPr>
+            <p:extLst>
+              <p:ext uri="{386F3935-93C4-4BCD-93E2-E3B085C9AB24}">
+                <p16:designElem xmlns:p16="http://schemas.microsoft.com/office/powerpoint/2015/main" val="1"/>
+              </p:ext>
+            </p:extLst>
+          </p:nvPr>
+        </p:nvSpPr>
+        <p:spPr bwMode="white">
+          <a:xfrm>
+            <a:off x="-1" y="0"/>
+            <a:ext cx="12191999" cy="6858000"/>
+          </a:xfrm>
+          <a:prstGeom prst="rect">
+            <a:avLst/>
+          </a:prstGeom>
+          <a:ln>
+            <a:noFill/>
+          </a:ln>
+        </p:spPr>
+        <p:style>
+          <a:lnRef idx="2">
+            <a:schemeClr val="accent1">
+              <a:shade val="50000"/>
+            </a:schemeClr>
+          </a:lnRef>
+          <a:fillRef idx="1">
+            <a:schemeClr val="accent1"/>
+          </a:fillRef>
+          <a:effectRef idx="0">
+            <a:schemeClr val="accent1"/>
+          </a:effectRef>
+          <a:fontRef idx="minor">
+            <a:schemeClr val="lt1"/>
+          </a:fontRef>
+        </p:style>
+        <p:txBody>
+          <a:bodyPr rtlCol="0" anchor="ctr"/>
+          <a:lstStyle>
+            <a:defPPr>
+              <a:defRPr lang="en-US"/>
+            </a:defPPr>
+            <a:lvl1pPr marL="0" algn="l" defTabSz="914400" rtl="0" eaLnBrk="1" latinLnBrk="0" hangingPunct="1">
+              <a:defRPr sz="1800" kern="1200">
+                <a:solidFill>
+                  <a:schemeClr val="lt1"/>
+                </a:solidFill>
+                <a:latin typeface="+mn-lt"/>
+                <a:ea typeface="+mn-ea"/>
+                <a:cs typeface="+mn-cs"/>
+              </a:defRPr>
+            </a:lvl1pPr>
+            <a:lvl2pPr marL="457200" algn="l" defTabSz="914400" rtl="0" eaLnBrk="1" latinLnBrk="0" hangingPunct="1">
+              <a:defRPr sz="1800" kern="1200">
+                <a:solidFill>
+                  <a:schemeClr val="lt1"/>
+                </a:solidFill>
+                <a:latin typeface="+mn-lt"/>
+                <a:ea typeface="+mn-ea"/>
+                <a:cs typeface="+mn-cs"/>
+              </a:defRPr>
+            </a:lvl2pPr>
+            <a:lvl3pPr marL="914400" algn="l" defTabSz="914400" rtl="0" eaLnBrk="1" latinLnBrk="0" hangingPunct="1">
+              <a:defRPr sz="1800" kern="1200">
+                <a:solidFill>
+                  <a:schemeClr val="lt1"/>
+                </a:solidFill>
+                <a:latin typeface="+mn-lt"/>
+                <a:ea typeface="+mn-ea"/>
+                <a:cs typeface="+mn-cs"/>
+              </a:defRPr>
+            </a:lvl3pPr>
+            <a:lvl4pPr marL="1371600" algn="l" defTabSz="914400" rtl="0" eaLnBrk="1" latinLnBrk="0" hangingPunct="1">
+              <a:defRPr sz="1800" kern="1200">
+                <a:solidFill>
+                  <a:schemeClr val="lt1"/>
+                </a:solidFill>
+                <a:latin typeface="+mn-lt"/>
+                <a:ea typeface="+mn-ea"/>
+                <a:cs typeface="+mn-cs"/>
+              </a:defRPr>
+            </a:lvl4pPr>
+            <a:lvl5pPr marL="1828800" algn="l" defTabSz="914400" rtl="0" eaLnBrk="1" latinLnBrk="0" hangingPunct="1">
+              <a:defRPr sz="1800" kern="1200">
+                <a:solidFill>
+                  <a:schemeClr val="lt1"/>
+                </a:solidFill>
+                <a:latin typeface="+mn-lt"/>
+                <a:ea typeface="+mn-ea"/>
+                <a:cs typeface="+mn-cs"/>
+              </a:defRPr>
+            </a:lvl5pPr>
+            <a:lvl6pPr marL="2286000" algn="l" defTabSz="914400" rtl="0" eaLnBrk="1" latinLnBrk="0" hangingPunct="1">
+              <a:defRPr sz="1800" kern="1200">
+                <a:solidFill>
+                  <a:schemeClr val="lt1"/>
+                </a:solidFill>
+                <a:latin typeface="+mn-lt"/>
+                <a:ea typeface="+mn-ea"/>
+                <a:cs typeface="+mn-cs"/>
+              </a:defRPr>
+            </a:lvl6pPr>
+            <a:lvl7pPr marL="2743200" algn="l" defTabSz="914400" rtl="0" eaLnBrk="1" latinLnBrk="0" hangingPunct="1">
+              <a:defRPr sz="1800" kern="1200">
+                <a:solidFill>
+                  <a:schemeClr val="lt1"/>
+                </a:solidFill>
+                <a:latin typeface="+mn-lt"/>
+                <a:ea typeface="+mn-ea"/>
+                <a:cs typeface="+mn-cs"/>
+              </a:defRPr>
+            </a:lvl7pPr>
+            <a:lvl8pPr marL="3200400" algn="l" defTabSz="914400" rtl="0" eaLnBrk="1" latinLnBrk="0" hangingPunct="1">
+              <a:defRPr sz="1800" kern="1200">
+                <a:solidFill>
+                  <a:schemeClr val="lt1"/>
+                </a:solidFill>
+                <a:latin typeface="+mn-lt"/>
+                <a:ea typeface="+mn-ea"/>
+                <a:cs typeface="+mn-cs"/>
+              </a:defRPr>
+            </a:lvl8pPr>
+            <a:lvl9pPr marL="3657600" algn="l" defTabSz="914400" rtl="0" eaLnBrk="1" latinLnBrk="0" hangingPunct="1">
+              <a:defRPr sz="1800" kern="1200">
+                <a:solidFill>
+                  <a:schemeClr val="lt1"/>
+                </a:solidFill>
+                <a:latin typeface="+mn-lt"/>
+                <a:ea typeface="+mn-ea"/>
+                <a:cs typeface="+mn-cs"/>
+              </a:defRPr>
+            </a:lvl9pPr>
+          </a:lstStyle>
+          <a:p>
+            <a:pPr algn="ctr"/>
+            <a:endParaRPr lang="en-US"/>
+          </a:p>
+        </p:txBody>
+      </p:sp>
+      <p:sp useBgFill="1">
+        <p:nvSpPr>
+          <p:cNvPr id="11" name="Rectangle 10">
+            <a:extLst>
+              <a:ext uri="{FF2B5EF4-FFF2-40B4-BE49-F238E27FC236}">
+                <a16:creationId xmlns:a16="http://schemas.microsoft.com/office/drawing/2014/main" id="{E81BF4F6-F2CF-4984-9D14-D6966D92F99F}"/>
+              </a:ext>
+              <a:ext uri="{C183D7F6-B498-43B3-948B-1728B52AA6E4}">
+                <adec:decorative xmlns:adec="http://schemas.microsoft.com/office/drawing/2017/decorative" val="1"/>
+              </a:ext>
+            </a:extLst>
+          </p:cNvPr>
+          <p:cNvSpPr>
+            <a:spLocks noGrp="1" noRot="1" noChangeAspect="1" noMove="1" noResize="1" noEditPoints="1" noAdjustHandles="1" noChangeArrowheads="1" noChangeShapeType="1" noTextEdit="1"/>
+          </p:cNvSpPr>
+          <p:nvPr>
+            <p:extLst>
+              <p:ext uri="{386F3935-93C4-4BCD-93E2-E3B085C9AB24}">
+                <p16:designElem xmlns:p16="http://schemas.microsoft.com/office/powerpoint/2015/main" val="1"/>
+              </p:ext>
+            </p:extLst>
+          </p:nvPr>
+        </p:nvSpPr>
+        <p:spPr>
+          <a:xfrm>
+            <a:off x="1" y="0"/>
+            <a:ext cx="8522446" cy="2285999"/>
+          </a:xfrm>
+          <a:prstGeom prst="rect">
+            <a:avLst/>
+          </a:prstGeom>
+          <a:ln>
+            <a:noFill/>
+          </a:ln>
+          <a:effectLst>
+            <a:outerShdw blurRad="596900" dist="304800" dir="7140000" sx="90000" sy="90000" algn="t" rotWithShape="0">
+              <a:srgbClr val="000000">
+                <a:alpha val="15000"/>
+              </a:srgbClr>
+            </a:outerShdw>
+          </a:effectLst>
+        </p:spPr>
+        <p:style>
+          <a:lnRef idx="2">
+            <a:schemeClr val="accent1">
+              <a:shade val="50000"/>
+            </a:schemeClr>
+          </a:lnRef>
+          <a:fillRef idx="1">
+            <a:schemeClr val="accent1"/>
+          </a:fillRef>
+          <a:effectRef idx="0">
+            <a:schemeClr val="accent1"/>
+          </a:effectRef>
+          <a:fontRef idx="minor">
+            <a:schemeClr val="lt1"/>
+          </a:fontRef>
+        </p:style>
+        <p:txBody>
+          <a:bodyPr rtlCol="0" anchor="ctr"/>
+          <a:lstStyle/>
+          <a:p>
+            <a:pPr algn="ctr"/>
+            <a:endParaRPr lang="en-US"/>
+          </a:p>
+        </p:txBody>
+      </p:sp>
+      <p:sp>
+        <p:nvSpPr>
+          <p:cNvPr id="2" name="Title 1">
+            <a:extLst>
+              <a:ext uri="{FF2B5EF4-FFF2-40B4-BE49-F238E27FC236}">
+                <a16:creationId xmlns:a16="http://schemas.microsoft.com/office/drawing/2014/main" id="{715317F3-E165-141F-D6F7-A49F76FBC684}"/>
+              </a:ext>
+            </a:extLst>
+          </p:cNvPr>
+          <p:cNvSpPr>
+            <a:spLocks noGrp="1"/>
+          </p:cNvSpPr>
+          <p:nvPr>
+            <p:ph type="title"/>
+          </p:nvPr>
+        </p:nvSpPr>
+        <p:spPr>
+          <a:xfrm>
+            <a:off x="761803" y="350196"/>
+            <a:ext cx="4646904" cy="1624520"/>
+          </a:xfrm>
+        </p:spPr>
+        <p:txBody>
+          <a:bodyPr anchor="ctr">
+            <a:normAutofit/>
+          </a:bodyPr>
+          <a:lstStyle/>
+          <a:p>
+            <a:r>
+              <a:rPr lang="en-US" sz="4000" dirty="0"/>
+              <a:t>Libraries Used </a:t>
+            </a:r>
+          </a:p>
+        </p:txBody>
+      </p:sp>
+      <p:sp>
+        <p:nvSpPr>
+          <p:cNvPr id="3" name="Content Placeholder 2">
+            <a:extLst>
+              <a:ext uri="{FF2B5EF4-FFF2-40B4-BE49-F238E27FC236}">
+                <a16:creationId xmlns:a16="http://schemas.microsoft.com/office/drawing/2014/main" id="{7F32C998-A2E9-41AC-73E8-78B2CF2DE48B}"/>
+              </a:ext>
+            </a:extLst>
+          </p:cNvPr>
+          <p:cNvSpPr>
+            <a:spLocks noGrp="1"/>
+          </p:cNvSpPr>
+          <p:nvPr>
+            <p:ph idx="1"/>
+          </p:nvPr>
+        </p:nvSpPr>
+        <p:spPr>
+          <a:xfrm>
+            <a:off x="761802" y="2743200"/>
+            <a:ext cx="4646905" cy="3613149"/>
+          </a:xfrm>
+        </p:spPr>
+        <p:txBody>
+          <a:bodyPr anchor="ctr">
+            <a:normAutofit/>
+          </a:bodyPr>
+          <a:lstStyle/>
+          <a:p>
+            <a:r>
+              <a:rPr lang="en-US" sz="2000"/>
+              <a:t>For Data Analysis : Numpy and Pandas </a:t>
+            </a:r>
+          </a:p>
+          <a:p>
+            <a:r>
+              <a:rPr lang="en-US" sz="2000"/>
+              <a:t>For Model Building : Scikit Learn and Pickle </a:t>
+            </a:r>
+          </a:p>
+          <a:p>
+            <a:r>
+              <a:rPr lang="en-US" sz="2000"/>
+              <a:t>Web App : Streamlit</a:t>
+            </a:r>
+          </a:p>
+          <a:p>
+            <a:r>
+              <a:rPr lang="en-US" sz="2000"/>
+              <a:t>Additional Libraries: Jupyter notebook and Matplotlib and Seaborn </a:t>
+            </a:r>
+          </a:p>
+          <a:p>
+            <a:endParaRPr lang="en-US" sz="2000"/>
+          </a:p>
+        </p:txBody>
+      </p:sp>
+      <p:pic>
+        <p:nvPicPr>
+          <p:cNvPr id="5" name="Picture 4" descr="A race between four rabbits and one tortoise and the tortoise is on the lead">
+            <a:extLst>
+              <a:ext uri="{FF2B5EF4-FFF2-40B4-BE49-F238E27FC236}">
+                <a16:creationId xmlns:a16="http://schemas.microsoft.com/office/drawing/2014/main" id="{DDF34642-0333-01C8-A6B9-EF68D6234815}"/>
+              </a:ext>
+            </a:extLst>
+          </p:cNvPr>
+          <p:cNvPicPr>
+            <a:picLocks noChangeAspect="1"/>
+          </p:cNvPicPr>
+          <p:nvPr/>
+        </p:nvPicPr>
+        <p:blipFill rotWithShape="1">
+          <a:blip r:embed="rId2"/>
+          <a:srcRect l="14713" r="13207" b="2"/>
+          <a:stretch/>
+        </p:blipFill>
+        <p:spPr>
+          <a:xfrm>
+            <a:off x="6096000" y="1"/>
+            <a:ext cx="6102825" cy="6858000"/>
+          </a:xfrm>
+          <a:prstGeom prst="rect">
+            <a:avLst/>
+          </a:prstGeom>
+        </p:spPr>
+      </p:pic>
+    </p:spTree>
+    <p:extLst>
+      <p:ext uri="{BB962C8B-B14F-4D97-AF65-F5344CB8AC3E}">
+        <p14:creationId xmlns:p14="http://schemas.microsoft.com/office/powerpoint/2010/main" val="3005427240"/>
+      </p:ext>
+    </p:extLst>
+  </p:cSld>
+  <p:clrMapOvr>
+    <a:masterClrMapping/>
+  </p:clrMapOvr>
+</p:sld>
+</file>
+
+<file path=ppt/slides/slide7.xml><?xml version="1.0" encoding="utf-8"?>
+<p:sld xmlns:a="http://schemas.openxmlformats.org/drawingml/2006/main" xmlns:r="http://schemas.openxmlformats.org/officeDocument/2006/relationships" xmlns:p="http://schemas.openxmlformats.org/presentationml/2006/main">
+  <p:cSld>
+    <p:spTree>
+      <p:nvGrpSpPr>
+        <p:cNvPr id="1" name=""/>
+        <p:cNvGrpSpPr/>
+        <p:nvPr/>
+      </p:nvGrpSpPr>
+      <p:grpSpPr>
+        <a:xfrm>
+          <a:off x="0" y="0"/>
+          <a:ext cx="0" cy="0"/>
+          <a:chOff x="0" y="0"/>
+          <a:chExt cx="0" cy="0"/>
+        </a:xfrm>
+      </p:grpSpPr>
+      <p:sp>
+        <p:nvSpPr>
+          <p:cNvPr id="2" name="Title 1">
+            <a:extLst>
+              <a:ext uri="{FF2B5EF4-FFF2-40B4-BE49-F238E27FC236}">
+                <a16:creationId xmlns:a16="http://schemas.microsoft.com/office/drawing/2014/main" id="{0051FD9C-16B6-0989-2103-05651F436A26}"/>
+              </a:ext>
+            </a:extLst>
+          </p:cNvPr>
+          <p:cNvSpPr>
+            <a:spLocks noGrp="1"/>
+          </p:cNvSpPr>
+          <p:nvPr>
+            <p:ph type="title"/>
+          </p:nvPr>
+        </p:nvSpPr>
+        <p:spPr/>
+        <p:txBody>
+          <a:bodyPr/>
+          <a:lstStyle/>
+          <a:p>
+            <a:r>
+              <a:rPr lang="en-US"/>
+              <a:t>The model Accuracy </a:t>
+            </a:r>
+            <a:endParaRPr lang="en-US" dirty="0"/>
+          </a:p>
+        </p:txBody>
+      </p:sp>
+      <p:graphicFrame>
+        <p:nvGraphicFramePr>
+          <p:cNvPr id="13" name="Content Placeholder 2">
+            <a:extLst>
+              <a:ext uri="{FF2B5EF4-FFF2-40B4-BE49-F238E27FC236}">
+                <a16:creationId xmlns:a16="http://schemas.microsoft.com/office/drawing/2014/main" id="{D10AC2D5-681F-485A-F0F7-3D8A6C00D833}"/>
+              </a:ext>
+            </a:extLst>
+          </p:cNvPr>
+          <p:cNvGraphicFramePr>
+            <a:graphicFrameLocks noGrp="1"/>
+          </p:cNvGraphicFramePr>
+          <p:nvPr>
+            <p:ph idx="1"/>
+          </p:nvPr>
+        </p:nvGraphicFramePr>
+        <p:xfrm>
+          <a:off x="838200" y="1825625"/>
+          <a:ext cx="10515600" cy="4351338"/>
+        </p:xfrm>
+        <a:graphic>
+          <a:graphicData uri="http://schemas.openxmlformats.org/drawingml/2006/diagram">
+            <dgm:relIds xmlns:dgm="http://schemas.openxmlformats.org/drawingml/2006/diagram" xmlns:r="http://schemas.openxmlformats.org/officeDocument/2006/relationships" r:dm="rId2" r:lo="rId3" r:qs="rId4" r:cs="rId5"/>
+          </a:graphicData>
+        </a:graphic>
+      </p:graphicFrame>
+    </p:spTree>
+    <p:extLst>
+      <p:ext uri="{BB962C8B-B14F-4D97-AF65-F5344CB8AC3E}">
+        <p14:creationId xmlns:p14="http://schemas.microsoft.com/office/powerpoint/2010/main" val="41971261"/>
+      </p:ext>
+    </p:extLst>
+  </p:cSld>
+  <p:clrMapOvr>
+    <a:masterClrMapping/>
+  </p:clrMapOvr>
+</p:sld>
+</file>
+
+<file path=ppt/slides/slide8.xml><?xml version="1.0" encoding="utf-8"?>
+<p:sld xmlns:a="http://schemas.openxmlformats.org/drawingml/2006/main" xmlns:r="http://schemas.openxmlformats.org/officeDocument/2006/relationships" xmlns:p="http://schemas.openxmlformats.org/presentationml/2006/main">
+  <p:cSld>
+    <p:bg>
+      <p:bgPr>
+        <a:solidFill>
+          <a:schemeClr val="bg1"/>
+        </a:solidFill>
+        <a:effectLst/>
+      </p:bgPr>
+    </p:bg>
+    <p:spTree>
+      <p:nvGrpSpPr>
+        <p:cNvPr id="1" name=""/>
+        <p:cNvGrpSpPr/>
+        <p:nvPr/>
+      </p:nvGrpSpPr>
+      <p:grpSpPr>
+        <a:xfrm>
+          <a:off x="0" y="0"/>
+          <a:ext cx="0" cy="0"/>
+          <a:chOff x="0" y="0"/>
+          <a:chExt cx="0" cy="0"/>
+        </a:xfrm>
+      </p:grpSpPr>
+      <p:sp useBgFill="1">
+        <p:nvSpPr>
           <p:cNvPr id="8" name="Rectangle 7">
             <a:extLst>
               <a:ext uri="{FF2B5EF4-FFF2-40B4-BE49-F238E27FC236}">
@@ -17205,7 +21320,7 @@
 </p:sld>
 </file>
 
-<file path=ppt/slides/slide7.xml><?xml version="1.0" encoding="utf-8"?>
+<file path=ppt/slides/slide9.xml><?xml version="1.0" encoding="utf-8"?>
 <p:sld xmlns:a="http://schemas.openxmlformats.org/drawingml/2006/main" xmlns:r="http://schemas.openxmlformats.org/officeDocument/2006/relationships" xmlns:p="http://schemas.openxmlformats.org/presentationml/2006/main">
   <p:cSld>
     <p:bg>
@@ -17435,972 +21550,6 @@
     <p:extLst>
       <p:ext uri="{BB962C8B-B14F-4D97-AF65-F5344CB8AC3E}">
         <p14:creationId xmlns:p14="http://schemas.microsoft.com/office/powerpoint/2010/main" val="2088505590"/>
-      </p:ext>
-    </p:extLst>
-  </p:cSld>
-  <p:clrMapOvr>
-    <a:masterClrMapping/>
-  </p:clrMapOvr>
-</p:sld>
-</file>
-
-<file path=ppt/slides/slide8.xml><?xml version="1.0" encoding="utf-8"?>
-<p:sld xmlns:a="http://schemas.openxmlformats.org/drawingml/2006/main" xmlns:r="http://schemas.openxmlformats.org/officeDocument/2006/relationships" xmlns:p="http://schemas.openxmlformats.org/presentationml/2006/main">
-  <p:cSld>
-    <p:bg>
-      <p:bgPr>
-        <a:solidFill>
-          <a:schemeClr val="bg1"/>
-        </a:solidFill>
-        <a:effectLst/>
-      </p:bgPr>
-    </p:bg>
-    <p:spTree>
-      <p:nvGrpSpPr>
-        <p:cNvPr id="1" name=""/>
-        <p:cNvGrpSpPr/>
-        <p:nvPr/>
-      </p:nvGrpSpPr>
-      <p:grpSpPr>
-        <a:xfrm>
-          <a:off x="0" y="0"/>
-          <a:ext cx="0" cy="0"/>
-          <a:chOff x="0" y="0"/>
-          <a:chExt cx="0" cy="0"/>
-        </a:xfrm>
-      </p:grpSpPr>
-      <p:sp useBgFill="1">
-        <p:nvSpPr>
-          <p:cNvPr id="12" name="Rectangle 11">
-            <a:extLst>
-              <a:ext uri="{FF2B5EF4-FFF2-40B4-BE49-F238E27FC236}">
-                <a16:creationId xmlns:a16="http://schemas.microsoft.com/office/drawing/2014/main" id="{F13C74B1-5B17-4795-BED0-7140497B445A}"/>
-              </a:ext>
-              <a:ext uri="{C183D7F6-B498-43B3-948B-1728B52AA6E4}">
-                <adec:decorative xmlns:adec="http://schemas.microsoft.com/office/drawing/2017/decorative" val="1"/>
-              </a:ext>
-            </a:extLst>
-          </p:cNvPr>
-          <p:cNvSpPr>
-            <a:spLocks noGrp="1" noRot="1" noChangeAspect="1" noMove="1" noResize="1" noEditPoints="1" noAdjustHandles="1" noChangeArrowheads="1" noChangeShapeType="1" noTextEdit="1"/>
-          </p:cNvSpPr>
-          <p:nvPr>
-            <p:extLst>
-              <p:ext uri="{386F3935-93C4-4BCD-93E2-E3B085C9AB24}">
-                <p16:designElem xmlns:p16="http://schemas.microsoft.com/office/powerpoint/2015/main" val="1"/>
-              </p:ext>
-            </p:extLst>
-          </p:nvPr>
-        </p:nvSpPr>
-        <p:spPr>
-          <a:xfrm>
-            <a:off x="0" y="0"/>
-            <a:ext cx="12188952" cy="6858000"/>
-          </a:xfrm>
-          <a:prstGeom prst="rect">
-            <a:avLst/>
-          </a:prstGeom>
-          <a:ln>
-            <a:noFill/>
-          </a:ln>
-        </p:spPr>
-        <p:style>
-          <a:lnRef idx="2">
-            <a:schemeClr val="accent1">
-              <a:shade val="50000"/>
-            </a:schemeClr>
-          </a:lnRef>
-          <a:fillRef idx="1">
-            <a:schemeClr val="accent1"/>
-          </a:fillRef>
-          <a:effectRef idx="0">
-            <a:schemeClr val="accent1"/>
-          </a:effectRef>
-          <a:fontRef idx="minor">
-            <a:schemeClr val="lt1"/>
-          </a:fontRef>
-        </p:style>
-        <p:txBody>
-          <a:bodyPr rtlCol="0" anchor="ctr"/>
-          <a:lstStyle/>
-          <a:p>
-            <a:pPr algn="ctr"/>
-            <a:endParaRPr lang="en-US"/>
-          </a:p>
-        </p:txBody>
-      </p:sp>
-      <p:sp>
-        <p:nvSpPr>
-          <p:cNvPr id="2" name="Title 1">
-            <a:extLst>
-              <a:ext uri="{FF2B5EF4-FFF2-40B4-BE49-F238E27FC236}">
-                <a16:creationId xmlns:a16="http://schemas.microsoft.com/office/drawing/2014/main" id="{B1A90297-976D-3BD9-9212-B54500D8F3CE}"/>
-              </a:ext>
-            </a:extLst>
-          </p:cNvPr>
-          <p:cNvSpPr>
-            <a:spLocks noGrp="1"/>
-          </p:cNvSpPr>
-          <p:nvPr>
-            <p:ph type="title"/>
-          </p:nvPr>
-        </p:nvSpPr>
-        <p:spPr>
-          <a:xfrm>
-            <a:off x="640080" y="325369"/>
-            <a:ext cx="4368602" cy="1956841"/>
-          </a:xfrm>
-        </p:spPr>
-        <p:txBody>
-          <a:bodyPr anchor="b">
-            <a:normAutofit/>
-          </a:bodyPr>
-          <a:lstStyle/>
-          <a:p>
-            <a:r>
-              <a:rPr lang="en-US" sz="5400"/>
-              <a:t>A visual Depiction </a:t>
-            </a:r>
-          </a:p>
-        </p:txBody>
-      </p:sp>
-      <p:sp>
-        <p:nvSpPr>
-          <p:cNvPr id="14" name="sketchy line">
-            <a:extLst>
-              <a:ext uri="{FF2B5EF4-FFF2-40B4-BE49-F238E27FC236}">
-                <a16:creationId xmlns:a16="http://schemas.microsoft.com/office/drawing/2014/main" id="{D4974D33-8DC5-464E-8C6D-BE58F0669C17}"/>
-              </a:ext>
-              <a:ext uri="{C183D7F6-B498-43B3-948B-1728B52AA6E4}">
-                <adec:decorative xmlns:adec="http://schemas.microsoft.com/office/drawing/2017/decorative" val="1"/>
-              </a:ext>
-            </a:extLst>
-          </p:cNvPr>
-          <p:cNvSpPr>
-            <a:spLocks noGrp="1" noRot="1" noChangeAspect="1" noMove="1" noResize="1" noEditPoints="1" noAdjustHandles="1" noChangeArrowheads="1" noChangeShapeType="1" noTextEdit="1"/>
-          </p:cNvSpPr>
-          <p:nvPr>
-            <p:extLst>
-              <p:ext uri="{386F3935-93C4-4BCD-93E2-E3B085C9AB24}">
-                <p16:designElem xmlns:p16="http://schemas.microsoft.com/office/powerpoint/2015/main" val="1"/>
-              </p:ext>
-            </p:extLst>
-          </p:nvPr>
-        </p:nvSpPr>
-        <p:spPr>
-          <a:xfrm>
-            <a:off x="640080" y="2586994"/>
-            <a:ext cx="3474720" cy="18288"/>
-          </a:xfrm>
-          <a:custGeom>
-            <a:avLst/>
-            <a:gdLst>
-              <a:gd name="connsiteX0" fmla="*/ 0 w 3474720"/>
-              <a:gd name="connsiteY0" fmla="*/ 0 h 18288"/>
-              <a:gd name="connsiteX1" fmla="*/ 694944 w 3474720"/>
-              <a:gd name="connsiteY1" fmla="*/ 0 h 18288"/>
-              <a:gd name="connsiteX2" fmla="*/ 1355141 w 3474720"/>
-              <a:gd name="connsiteY2" fmla="*/ 0 h 18288"/>
-              <a:gd name="connsiteX3" fmla="*/ 2015338 w 3474720"/>
-              <a:gd name="connsiteY3" fmla="*/ 0 h 18288"/>
-              <a:gd name="connsiteX4" fmla="*/ 2779776 w 3474720"/>
-              <a:gd name="connsiteY4" fmla="*/ 0 h 18288"/>
-              <a:gd name="connsiteX5" fmla="*/ 3474720 w 3474720"/>
-              <a:gd name="connsiteY5" fmla="*/ 0 h 18288"/>
-              <a:gd name="connsiteX6" fmla="*/ 3474720 w 3474720"/>
-              <a:gd name="connsiteY6" fmla="*/ 18288 h 18288"/>
-              <a:gd name="connsiteX7" fmla="*/ 2779776 w 3474720"/>
-              <a:gd name="connsiteY7" fmla="*/ 18288 h 18288"/>
-              <a:gd name="connsiteX8" fmla="*/ 2189074 w 3474720"/>
-              <a:gd name="connsiteY8" fmla="*/ 18288 h 18288"/>
-              <a:gd name="connsiteX9" fmla="*/ 1528877 w 3474720"/>
-              <a:gd name="connsiteY9" fmla="*/ 18288 h 18288"/>
-              <a:gd name="connsiteX10" fmla="*/ 868680 w 3474720"/>
-              <a:gd name="connsiteY10" fmla="*/ 18288 h 18288"/>
-              <a:gd name="connsiteX11" fmla="*/ 0 w 3474720"/>
-              <a:gd name="connsiteY11" fmla="*/ 18288 h 18288"/>
-              <a:gd name="connsiteX12" fmla="*/ 0 w 3474720"/>
-              <a:gd name="connsiteY12" fmla="*/ 0 h 18288"/>
-            </a:gdLst>
-            <a:ahLst/>
-            <a:cxnLst>
-              <a:cxn ang="0">
-                <a:pos x="connsiteX0" y="connsiteY0"/>
-              </a:cxn>
-              <a:cxn ang="0">
-                <a:pos x="connsiteX1" y="connsiteY1"/>
-              </a:cxn>
-              <a:cxn ang="0">
-                <a:pos x="connsiteX2" y="connsiteY2"/>
-              </a:cxn>
-              <a:cxn ang="0">
-                <a:pos x="connsiteX3" y="connsiteY3"/>
-              </a:cxn>
-              <a:cxn ang="0">
-                <a:pos x="connsiteX4" y="connsiteY4"/>
-              </a:cxn>
-              <a:cxn ang="0">
-                <a:pos x="connsiteX5" y="connsiteY5"/>
-              </a:cxn>
-              <a:cxn ang="0">
-                <a:pos x="connsiteX6" y="connsiteY6"/>
-              </a:cxn>
-              <a:cxn ang="0">
-                <a:pos x="connsiteX7" y="connsiteY7"/>
-              </a:cxn>
-              <a:cxn ang="0">
-                <a:pos x="connsiteX8" y="connsiteY8"/>
-              </a:cxn>
-              <a:cxn ang="0">
-                <a:pos x="connsiteX9" y="connsiteY9"/>
-              </a:cxn>
-              <a:cxn ang="0">
-                <a:pos x="connsiteX10" y="connsiteY10"/>
-              </a:cxn>
-              <a:cxn ang="0">
-                <a:pos x="connsiteX11" y="connsiteY11"/>
-              </a:cxn>
-              <a:cxn ang="0">
-                <a:pos x="connsiteX12" y="connsiteY12"/>
-              </a:cxn>
-            </a:cxnLst>
-            <a:rect l="l" t="t" r="r" b="b"/>
-            <a:pathLst>
-              <a:path w="3474720" h="18288" fill="none" extrusionOk="0">
-                <a:moveTo>
-                  <a:pt x="0" y="0"/>
-                </a:moveTo>
-                <a:cubicBezTo>
-                  <a:pt x="224454" y="-14544"/>
-                  <a:pt x="495407" y="26540"/>
-                  <a:pt x="694944" y="0"/>
-                </a:cubicBezTo>
-                <a:cubicBezTo>
-                  <a:pt x="894481" y="-26540"/>
-                  <a:pt x="1130063" y="24713"/>
-                  <a:pt x="1355141" y="0"/>
-                </a:cubicBezTo>
-                <a:cubicBezTo>
-                  <a:pt x="1580219" y="-24713"/>
-                  <a:pt x="1820099" y="26695"/>
-                  <a:pt x="2015338" y="0"/>
-                </a:cubicBezTo>
-                <a:cubicBezTo>
-                  <a:pt x="2210577" y="-26695"/>
-                  <a:pt x="2402045" y="165"/>
-                  <a:pt x="2779776" y="0"/>
-                </a:cubicBezTo>
-                <a:cubicBezTo>
-                  <a:pt x="3157507" y="-165"/>
-                  <a:pt x="3286859" y="-15571"/>
-                  <a:pt x="3474720" y="0"/>
-                </a:cubicBezTo>
-                <a:cubicBezTo>
-                  <a:pt x="3474286" y="7551"/>
-                  <a:pt x="3474253" y="9822"/>
-                  <a:pt x="3474720" y="18288"/>
-                </a:cubicBezTo>
-                <a:cubicBezTo>
-                  <a:pt x="3233904" y="29845"/>
-                  <a:pt x="2945134" y="-5256"/>
-                  <a:pt x="2779776" y="18288"/>
-                </a:cubicBezTo>
-                <a:cubicBezTo>
-                  <a:pt x="2614418" y="41832"/>
-                  <a:pt x="2339768" y="22709"/>
-                  <a:pt x="2189074" y="18288"/>
-                </a:cubicBezTo>
-                <a:cubicBezTo>
-                  <a:pt x="2038380" y="13867"/>
-                  <a:pt x="1817434" y="-4947"/>
-                  <a:pt x="1528877" y="18288"/>
-                </a:cubicBezTo>
-                <a:cubicBezTo>
-                  <a:pt x="1240320" y="41523"/>
-                  <a:pt x="1042447" y="37198"/>
-                  <a:pt x="868680" y="18288"/>
-                </a:cubicBezTo>
-                <a:cubicBezTo>
-                  <a:pt x="694913" y="-622"/>
-                  <a:pt x="233232" y="44909"/>
-                  <a:pt x="0" y="18288"/>
-                </a:cubicBezTo>
-                <a:cubicBezTo>
-                  <a:pt x="60" y="11696"/>
-                  <a:pt x="66" y="3758"/>
-                  <a:pt x="0" y="0"/>
-                </a:cubicBezTo>
-                <a:close/>
-              </a:path>
-              <a:path w="3474720" h="18288" stroke="0" extrusionOk="0">
-                <a:moveTo>
-                  <a:pt x="0" y="0"/>
-                </a:moveTo>
-                <a:cubicBezTo>
-                  <a:pt x="202328" y="-14716"/>
-                  <a:pt x="332722" y="-11499"/>
-                  <a:pt x="625450" y="0"/>
-                </a:cubicBezTo>
-                <a:cubicBezTo>
-                  <a:pt x="918178" y="11499"/>
-                  <a:pt x="1096688" y="5123"/>
-                  <a:pt x="1389888" y="0"/>
-                </a:cubicBezTo>
-                <a:cubicBezTo>
-                  <a:pt x="1683088" y="-5123"/>
-                  <a:pt x="1835981" y="-14038"/>
-                  <a:pt x="1980590" y="0"/>
-                </a:cubicBezTo>
-                <a:cubicBezTo>
-                  <a:pt x="2125199" y="14038"/>
-                  <a:pt x="2396099" y="-7203"/>
-                  <a:pt x="2571293" y="0"/>
-                </a:cubicBezTo>
-                <a:cubicBezTo>
-                  <a:pt x="2746487" y="7203"/>
-                  <a:pt x="3041609" y="-12036"/>
-                  <a:pt x="3474720" y="0"/>
-                </a:cubicBezTo>
-                <a:cubicBezTo>
-                  <a:pt x="3474638" y="4406"/>
-                  <a:pt x="3474631" y="9982"/>
-                  <a:pt x="3474720" y="18288"/>
-                </a:cubicBezTo>
-                <a:cubicBezTo>
-                  <a:pt x="3324873" y="21876"/>
-                  <a:pt x="3136771" y="12587"/>
-                  <a:pt x="2814523" y="18288"/>
-                </a:cubicBezTo>
-                <a:cubicBezTo>
-                  <a:pt x="2492275" y="23989"/>
-                  <a:pt x="2294402" y="47111"/>
-                  <a:pt x="2154326" y="18288"/>
-                </a:cubicBezTo>
-                <a:cubicBezTo>
-                  <a:pt x="2014250" y="-10535"/>
-                  <a:pt x="1820317" y="33903"/>
-                  <a:pt x="1494130" y="18288"/>
-                </a:cubicBezTo>
-                <a:cubicBezTo>
-                  <a:pt x="1167943" y="2673"/>
-                  <a:pt x="948432" y="14868"/>
-                  <a:pt x="729691" y="18288"/>
-                </a:cubicBezTo>
-                <a:cubicBezTo>
-                  <a:pt x="510950" y="21708"/>
-                  <a:pt x="264032" y="24354"/>
-                  <a:pt x="0" y="18288"/>
-                </a:cubicBezTo>
-                <a:cubicBezTo>
-                  <a:pt x="189" y="14288"/>
-                  <a:pt x="-703" y="3747"/>
-                  <a:pt x="0" y="0"/>
-                </a:cubicBezTo>
-                <a:close/>
-              </a:path>
-            </a:pathLst>
-          </a:custGeom>
-          <a:solidFill>
-            <a:schemeClr val="accent2"/>
-          </a:solidFill>
-          <a:ln w="44450" cap="rnd">
-            <a:solidFill>
-              <a:schemeClr val="accent2"/>
-            </a:solidFill>
-            <a:round/>
-            <a:extLst>
-              <a:ext uri="{C807C97D-BFC1-408E-A445-0C87EB9F89A2}">
-                <ask:lineSketchStyleProps xmlns:ask="http://schemas.microsoft.com/office/drawing/2018/sketchyshapes" sd="2863741219">
-                  <a:prstGeom prst="rect">
-                    <a:avLst/>
-                  </a:prstGeom>
-                  <ask:type>
-                    <ask:lineSketchFreehand/>
-                  </ask:type>
-                </ask:lineSketchStyleProps>
-              </a:ext>
-            </a:extLst>
-          </a:ln>
-        </p:spPr>
-        <p:style>
-          <a:lnRef idx="2">
-            <a:schemeClr val="accent1">
-              <a:shade val="50000"/>
-            </a:schemeClr>
-          </a:lnRef>
-          <a:fillRef idx="1">
-            <a:schemeClr val="accent1"/>
-          </a:fillRef>
-          <a:effectRef idx="0">
-            <a:schemeClr val="accent1"/>
-          </a:effectRef>
-          <a:fontRef idx="minor">
-            <a:schemeClr val="lt1"/>
-          </a:fontRef>
-        </p:style>
-        <p:txBody>
-          <a:bodyPr rtlCol="0" anchor="ctr"/>
-          <a:lstStyle/>
-          <a:p>
-            <a:pPr algn="ctr"/>
-            <a:endParaRPr lang="en-US"/>
-          </a:p>
-        </p:txBody>
-      </p:sp>
-      <p:sp>
-        <p:nvSpPr>
-          <p:cNvPr id="9" name="Content Placeholder 8">
-            <a:extLst>
-              <a:ext uri="{FF2B5EF4-FFF2-40B4-BE49-F238E27FC236}">
-                <a16:creationId xmlns:a16="http://schemas.microsoft.com/office/drawing/2014/main" id="{3DA8D1ED-130C-895E-F5C2-8C23AA1A5829}"/>
-              </a:ext>
-            </a:extLst>
-          </p:cNvPr>
-          <p:cNvSpPr>
-            <a:spLocks noGrp="1"/>
-          </p:cNvSpPr>
-          <p:nvPr>
-            <p:ph idx="1"/>
-          </p:nvPr>
-        </p:nvSpPr>
-        <p:spPr>
-          <a:xfrm>
-            <a:off x="640080" y="2872899"/>
-            <a:ext cx="4243589" cy="3320668"/>
-          </a:xfrm>
-        </p:spPr>
-        <p:txBody>
-          <a:bodyPr>
-            <a:normAutofit/>
-          </a:bodyPr>
-          <a:lstStyle/>
-          <a:p>
-            <a:r>
-              <a:rPr lang="en-US" sz="2200" dirty="0"/>
-              <a:t>Easy to view Features </a:t>
-            </a:r>
-          </a:p>
-          <a:p>
-            <a:r>
-              <a:rPr lang="en-US" sz="2200" dirty="0"/>
-              <a:t>Feature Selection from Drop down menu.</a:t>
-            </a:r>
-          </a:p>
-          <a:p>
-            <a:r>
-              <a:rPr lang="en-US" sz="2200" dirty="0"/>
-              <a:t>Predicted outcome instantly </a:t>
-            </a:r>
-          </a:p>
-        </p:txBody>
-      </p:sp>
-      <p:pic>
-        <p:nvPicPr>
-          <p:cNvPr id="5" name="Content Placeholder 4" descr="A screenshot of a computer&#10;&#10;Description automatically generated">
-            <a:extLst>
-              <a:ext uri="{FF2B5EF4-FFF2-40B4-BE49-F238E27FC236}">
-                <a16:creationId xmlns:a16="http://schemas.microsoft.com/office/drawing/2014/main" id="{0B065C5B-5388-4F9D-994B-CD0566500A15}"/>
-              </a:ext>
-            </a:extLst>
-          </p:cNvPr>
-          <p:cNvPicPr>
-            <a:picLocks noChangeAspect="1"/>
-          </p:cNvPicPr>
-          <p:nvPr/>
-        </p:nvPicPr>
-        <p:blipFill rotWithShape="1">
-          <a:blip r:embed="rId2"/>
-          <a:srcRect l="7713" r="15556" b="1"/>
-          <a:stretch/>
-        </p:blipFill>
-        <p:spPr>
-          <a:xfrm>
-            <a:off x="5311702" y="10"/>
-            <a:ext cx="6878775" cy="6857990"/>
-          </a:xfrm>
-          <a:custGeom>
-            <a:avLst/>
-            <a:gdLst/>
-            <a:ahLst/>
-            <a:cxnLst/>
-            <a:rect l="l" t="t" r="r" b="b"/>
-            <a:pathLst>
-              <a:path w="6878775" h="6858000">
-                <a:moveTo>
-                  <a:pt x="1102973" y="0"/>
-                </a:moveTo>
-                <a:lnTo>
-                  <a:pt x="1160688" y="0"/>
-                </a:lnTo>
-                <a:lnTo>
-                  <a:pt x="983189" y="331786"/>
-                </a:lnTo>
-                <a:cubicBezTo>
-                  <a:pt x="914866" y="469145"/>
-                  <a:pt x="850355" y="608712"/>
-                  <a:pt x="789261" y="750263"/>
-                </a:cubicBezTo>
-                <a:cubicBezTo>
-                  <a:pt x="774307" y="784928"/>
-                  <a:pt x="759992" y="819849"/>
-                  <a:pt x="745295" y="854514"/>
-                </a:cubicBezTo>
-                <a:cubicBezTo>
-                  <a:pt x="756682" y="845393"/>
-                  <a:pt x="765489" y="833492"/>
-                  <a:pt x="770857" y="819975"/>
-                </a:cubicBezTo>
-                <a:cubicBezTo>
-                  <a:pt x="879943" y="589569"/>
-                  <a:pt x="999605" y="365513"/>
-                  <a:pt x="1131329" y="148742"/>
-                </a:cubicBezTo>
-                <a:lnTo>
-                  <a:pt x="1227589" y="0"/>
-                </a:lnTo>
-                <a:lnTo>
-                  <a:pt x="6878775" y="0"/>
-                </a:lnTo>
-                <a:lnTo>
-                  <a:pt x="6878775" y="6858000"/>
-                </a:lnTo>
-                <a:lnTo>
-                  <a:pt x="713521" y="6858000"/>
-                </a:lnTo>
-                <a:lnTo>
-                  <a:pt x="625642" y="6670527"/>
-                </a:lnTo>
-                <a:cubicBezTo>
-                  <a:pt x="507232" y="6398531"/>
-                  <a:pt x="403083" y="6118381"/>
-                  <a:pt x="312785" y="5830359"/>
-                </a:cubicBezTo>
-                <a:cubicBezTo>
-                  <a:pt x="278149" y="5719759"/>
-                  <a:pt x="248879" y="5607635"/>
-                  <a:pt x="212198" y="5480401"/>
-                </a:cubicBezTo>
-                <a:cubicBezTo>
-                  <a:pt x="212208" y="5491601"/>
-                  <a:pt x="212803" y="5502788"/>
-                  <a:pt x="213988" y="5513923"/>
-                </a:cubicBezTo>
-                <a:cubicBezTo>
-                  <a:pt x="264089" y="5723695"/>
-                  <a:pt x="307290" y="5935370"/>
-                  <a:pt x="365826" y="6142729"/>
-                </a:cubicBezTo>
-                <a:cubicBezTo>
-                  <a:pt x="433152" y="6380817"/>
-                  <a:pt x="510068" y="6614016"/>
-                  <a:pt x="597975" y="6841549"/>
-                </a:cubicBezTo>
-                <a:lnTo>
-                  <a:pt x="604824" y="6858000"/>
-                </a:lnTo>
-                <a:lnTo>
-                  <a:pt x="552056" y="6858000"/>
-                </a:lnTo>
-                <a:lnTo>
-                  <a:pt x="539576" y="6828295"/>
-                </a:lnTo>
-                <a:cubicBezTo>
-                  <a:pt x="380597" y="6414594"/>
-                  <a:pt x="260223" y="5988893"/>
-                  <a:pt x="171555" y="5552906"/>
-                </a:cubicBezTo>
-                <a:cubicBezTo>
-                  <a:pt x="91163" y="5157998"/>
-                  <a:pt x="43746" y="4758899"/>
-                  <a:pt x="12305" y="4357388"/>
-                </a:cubicBezTo>
-                <a:cubicBezTo>
-                  <a:pt x="-14281" y="4013908"/>
-                  <a:pt x="4507" y="3672965"/>
-                  <a:pt x="46684" y="3331516"/>
-                </a:cubicBezTo>
-                <a:cubicBezTo>
-                  <a:pt x="127203" y="2664286"/>
-                  <a:pt x="277819" y="2007265"/>
-                  <a:pt x="496065" y="1371196"/>
-                </a:cubicBezTo>
-                <a:cubicBezTo>
-                  <a:pt x="636273" y="966066"/>
-                  <a:pt x="800445" y="573253"/>
-                  <a:pt x="995723" y="196614"/>
-                </a:cubicBezTo>
-                <a:close/>
-              </a:path>
-            </a:pathLst>
-          </a:custGeom>
-        </p:spPr>
-      </p:pic>
-    </p:spTree>
-    <p:extLst>
-      <p:ext uri="{BB962C8B-B14F-4D97-AF65-F5344CB8AC3E}">
-        <p14:creationId xmlns:p14="http://schemas.microsoft.com/office/powerpoint/2010/main" val="2484704767"/>
-      </p:ext>
-    </p:extLst>
-  </p:cSld>
-  <p:clrMapOvr>
-    <a:masterClrMapping/>
-  </p:clrMapOvr>
-</p:sld>
-</file>
-
-<file path=ppt/slides/slide9.xml><?xml version="1.0" encoding="utf-8"?>
-<p:sld xmlns:a="http://schemas.openxmlformats.org/drawingml/2006/main" xmlns:r="http://schemas.openxmlformats.org/officeDocument/2006/relationships" xmlns:p="http://schemas.openxmlformats.org/presentationml/2006/main">
-  <p:cSld>
-    <p:bg>
-      <p:bgPr>
-        <a:solidFill>
-          <a:schemeClr val="bg1"/>
-        </a:solidFill>
-        <a:effectLst/>
-      </p:bgPr>
-    </p:bg>
-    <p:spTree>
-      <p:nvGrpSpPr>
-        <p:cNvPr id="1" name=""/>
-        <p:cNvGrpSpPr/>
-        <p:nvPr/>
-      </p:nvGrpSpPr>
-      <p:grpSpPr>
-        <a:xfrm>
-          <a:off x="0" y="0"/>
-          <a:ext cx="0" cy="0"/>
-          <a:chOff x="0" y="0"/>
-          <a:chExt cx="0" cy="0"/>
-        </a:xfrm>
-      </p:grpSpPr>
-      <p:sp useBgFill="1">
-        <p:nvSpPr>
-          <p:cNvPr id="9" name="Slide Background">
-            <a:extLst>
-              <a:ext uri="{FF2B5EF4-FFF2-40B4-BE49-F238E27FC236}">
-                <a16:creationId xmlns:a16="http://schemas.microsoft.com/office/drawing/2014/main" id="{9F7D5CDA-D291-4307-BF55-1381FED29634}"/>
-              </a:ext>
-              <a:ext uri="{C183D7F6-B498-43B3-948B-1728B52AA6E4}">
-                <adec:decorative xmlns:adec="http://schemas.microsoft.com/office/drawing/2017/decorative" val="1"/>
-              </a:ext>
-            </a:extLst>
-          </p:cNvPr>
-          <p:cNvSpPr>
-            <a:spLocks noGrp="1" noRot="1" noChangeAspect="1" noMove="1" noResize="1" noEditPoints="1" noAdjustHandles="1" noChangeArrowheads="1" noChangeShapeType="1" noTextEdit="1"/>
-          </p:cNvSpPr>
-          <p:nvPr>
-            <p:extLst>
-              <p:ext uri="{386F3935-93C4-4BCD-93E2-E3B085C9AB24}">
-                <p16:designElem xmlns:p16="http://schemas.microsoft.com/office/powerpoint/2015/main" val="1"/>
-              </p:ext>
-            </p:extLst>
-          </p:nvPr>
-        </p:nvSpPr>
-        <p:spPr>
-          <a:xfrm>
-            <a:off x="0" y="0"/>
-            <a:ext cx="12192000" cy="6858000"/>
-          </a:xfrm>
-          <a:prstGeom prst="rect">
-            <a:avLst/>
-          </a:prstGeom>
-          <a:ln>
-            <a:noFill/>
-          </a:ln>
-        </p:spPr>
-        <p:style>
-          <a:lnRef idx="2">
-            <a:schemeClr val="accent1">
-              <a:shade val="50000"/>
-            </a:schemeClr>
-          </a:lnRef>
-          <a:fillRef idx="1">
-            <a:schemeClr val="accent1"/>
-          </a:fillRef>
-          <a:effectRef idx="0">
-            <a:schemeClr val="accent1"/>
-          </a:effectRef>
-          <a:fontRef idx="minor">
-            <a:schemeClr val="lt1"/>
-          </a:fontRef>
-        </p:style>
-        <p:txBody>
-          <a:bodyPr rtlCol="0" anchor="ctr"/>
-          <a:lstStyle/>
-          <a:p>
-            <a:pPr algn="ctr"/>
-            <a:endParaRPr lang="en-US"/>
-          </a:p>
-        </p:txBody>
-      </p:sp>
-      <p:pic>
-        <p:nvPicPr>
-          <p:cNvPr id="5" name="Picture 4" descr="Speedometer">
-            <a:extLst>
-              <a:ext uri="{FF2B5EF4-FFF2-40B4-BE49-F238E27FC236}">
-                <a16:creationId xmlns:a16="http://schemas.microsoft.com/office/drawing/2014/main" id="{4E56377E-37A8-47D1-2DD0-A7D06ABEAD73}"/>
-              </a:ext>
-            </a:extLst>
-          </p:cNvPr>
-          <p:cNvPicPr>
-            <a:picLocks noChangeAspect="1"/>
-          </p:cNvPicPr>
-          <p:nvPr/>
-        </p:nvPicPr>
-        <p:blipFill rotWithShape="1">
-          <a:blip r:embed="rId2"/>
-          <a:srcRect l="23492" r="21238"/>
-          <a:stretch/>
-        </p:blipFill>
-        <p:spPr>
-          <a:xfrm>
-            <a:off x="6103027" y="10"/>
-            <a:ext cx="6088971" cy="6857990"/>
-          </a:xfrm>
-          <a:prstGeom prst="rect">
-            <a:avLst/>
-          </a:prstGeom>
-        </p:spPr>
-      </p:pic>
-      <p:sp useBgFill="1">
-        <p:nvSpPr>
-          <p:cNvPr id="11" name="Rectangle 10">
-            <a:extLst>
-              <a:ext uri="{FF2B5EF4-FFF2-40B4-BE49-F238E27FC236}">
-                <a16:creationId xmlns:a16="http://schemas.microsoft.com/office/drawing/2014/main" id="{59B296B9-C5A5-4E4F-9B60-C907B5F1466C}"/>
-              </a:ext>
-              <a:ext uri="{C183D7F6-B498-43B3-948B-1728B52AA6E4}">
-                <adec:decorative xmlns:adec="http://schemas.microsoft.com/office/drawing/2017/decorative" val="1"/>
-              </a:ext>
-            </a:extLst>
-          </p:cNvPr>
-          <p:cNvSpPr>
-            <a:spLocks noGrp="1" noRot="1" noChangeAspect="1" noMove="1" noResize="1" noEditPoints="1" noAdjustHandles="1" noChangeArrowheads="1" noChangeShapeType="1" noTextEdit="1"/>
-          </p:cNvSpPr>
-          <p:nvPr>
-            <p:extLst>
-              <p:ext uri="{386F3935-93C4-4BCD-93E2-E3B085C9AB24}">
-                <p16:designElem xmlns:p16="http://schemas.microsoft.com/office/powerpoint/2015/main" val="1"/>
-              </p:ext>
-            </p:extLst>
-          </p:nvPr>
-        </p:nvSpPr>
-        <p:spPr>
-          <a:xfrm>
-            <a:off x="0" y="0"/>
-            <a:ext cx="6103025" cy="6858000"/>
-          </a:xfrm>
-          <a:prstGeom prst="rect">
-            <a:avLst/>
-          </a:prstGeom>
-          <a:ln>
-            <a:noFill/>
-          </a:ln>
-          <a:effectLst>
-            <a:outerShdw blurRad="889000" dist="406400" dir="21540000" sx="90000" sy="90000" algn="t" rotWithShape="0">
-              <a:srgbClr val="000000">
-                <a:alpha val="20000"/>
-              </a:srgbClr>
-            </a:outerShdw>
-          </a:effectLst>
-        </p:spPr>
-        <p:style>
-          <a:lnRef idx="2">
-            <a:schemeClr val="accent1">
-              <a:shade val="50000"/>
-            </a:schemeClr>
-          </a:lnRef>
-          <a:fillRef idx="1">
-            <a:schemeClr val="accent1"/>
-          </a:fillRef>
-          <a:effectRef idx="0">
-            <a:schemeClr val="accent1"/>
-          </a:effectRef>
-          <a:fontRef idx="minor">
-            <a:schemeClr val="lt1"/>
-          </a:fontRef>
-        </p:style>
-        <p:txBody>
-          <a:bodyPr rtlCol="0" anchor="ctr"/>
-          <a:lstStyle/>
-          <a:p>
-            <a:pPr algn="ctr"/>
-            <a:endParaRPr lang="en-US"/>
-          </a:p>
-        </p:txBody>
-      </p:sp>
-      <p:sp useBgFill="1">
-        <p:nvSpPr>
-          <p:cNvPr id="13" name="Rectangle 12">
-            <a:extLst>
-              <a:ext uri="{FF2B5EF4-FFF2-40B4-BE49-F238E27FC236}">
-                <a16:creationId xmlns:a16="http://schemas.microsoft.com/office/drawing/2014/main" id="{D0300FD3-5AF1-6305-15FA-9078072672E2}"/>
-              </a:ext>
-              <a:ext uri="{C183D7F6-B498-43B3-948B-1728B52AA6E4}">
-                <adec:decorative xmlns:adec="http://schemas.microsoft.com/office/drawing/2017/decorative" val="1"/>
-              </a:ext>
-            </a:extLst>
-          </p:cNvPr>
-          <p:cNvSpPr>
-            <a:spLocks noGrp="1" noRot="1" noChangeAspect="1" noMove="1" noResize="1" noEditPoints="1" noAdjustHandles="1" noChangeArrowheads="1" noChangeShapeType="1" noTextEdit="1"/>
-          </p:cNvSpPr>
-          <p:nvPr>
-            <p:extLst>
-              <p:ext uri="{386F3935-93C4-4BCD-93E2-E3B085C9AB24}">
-                <p16:designElem xmlns:p16="http://schemas.microsoft.com/office/powerpoint/2015/main" val="1"/>
-              </p:ext>
-            </p:extLst>
-          </p:nvPr>
-        </p:nvSpPr>
-        <p:spPr>
-          <a:xfrm>
-            <a:off x="0" y="0"/>
-            <a:ext cx="6103025" cy="2285995"/>
-          </a:xfrm>
-          <a:prstGeom prst="rect">
-            <a:avLst/>
-          </a:prstGeom>
-          <a:ln>
-            <a:noFill/>
-          </a:ln>
-          <a:effectLst>
-            <a:outerShdw blurRad="254000" dist="127000" dir="5460000" sx="92000" sy="92000" algn="t" rotWithShape="0">
-              <a:srgbClr val="000000">
-                <a:alpha val="30000"/>
-              </a:srgbClr>
-            </a:outerShdw>
-          </a:effectLst>
-        </p:spPr>
-        <p:style>
-          <a:lnRef idx="2">
-            <a:schemeClr val="accent1">
-              <a:shade val="50000"/>
-            </a:schemeClr>
-          </a:lnRef>
-          <a:fillRef idx="1">
-            <a:schemeClr val="accent1"/>
-          </a:fillRef>
-          <a:effectRef idx="0">
-            <a:schemeClr val="accent1"/>
-          </a:effectRef>
-          <a:fontRef idx="minor">
-            <a:schemeClr val="lt1"/>
-          </a:fontRef>
-        </p:style>
-        <p:txBody>
-          <a:bodyPr rtlCol="0" anchor="ctr"/>
-          <a:lstStyle/>
-          <a:p>
-            <a:pPr algn="ctr"/>
-            <a:endParaRPr lang="en-US"/>
-          </a:p>
-        </p:txBody>
-      </p:sp>
-      <p:sp>
-        <p:nvSpPr>
-          <p:cNvPr id="2" name="Title 1">
-            <a:extLst>
-              <a:ext uri="{FF2B5EF4-FFF2-40B4-BE49-F238E27FC236}">
-                <a16:creationId xmlns:a16="http://schemas.microsoft.com/office/drawing/2014/main" id="{67C8B4FB-4FA3-49B8-5A34-5C5806A58BB5}"/>
-              </a:ext>
-            </a:extLst>
-          </p:cNvPr>
-          <p:cNvSpPr>
-            <a:spLocks noGrp="1"/>
-          </p:cNvSpPr>
-          <p:nvPr>
-            <p:ph type="title"/>
-          </p:nvPr>
-        </p:nvSpPr>
-        <p:spPr>
-          <a:xfrm>
-            <a:off x="761801" y="328512"/>
-            <a:ext cx="4778387" cy="1628970"/>
-          </a:xfrm>
-        </p:spPr>
-        <p:txBody>
-          <a:bodyPr anchor="ctr">
-            <a:normAutofit/>
-          </a:bodyPr>
-          <a:lstStyle/>
-          <a:p>
-            <a:r>
-              <a:rPr lang="en-US" sz="4000" dirty="0"/>
-              <a:t>Application in Action </a:t>
-            </a:r>
-          </a:p>
-        </p:txBody>
-      </p:sp>
-      <p:sp>
-        <p:nvSpPr>
-          <p:cNvPr id="3" name="Content Placeholder 2">
-            <a:extLst>
-              <a:ext uri="{FF2B5EF4-FFF2-40B4-BE49-F238E27FC236}">
-                <a16:creationId xmlns:a16="http://schemas.microsoft.com/office/drawing/2014/main" id="{18AD6AEC-1C2F-F1D5-6EDC-7034A1CD70C5}"/>
-              </a:ext>
-            </a:extLst>
-          </p:cNvPr>
-          <p:cNvSpPr>
-            <a:spLocks noGrp="1"/>
-          </p:cNvSpPr>
-          <p:nvPr>
-            <p:ph idx="1"/>
-          </p:nvPr>
-        </p:nvSpPr>
-        <p:spPr>
-          <a:xfrm>
-            <a:off x="761801" y="2884929"/>
-            <a:ext cx="4659756" cy="3374137"/>
-          </a:xfrm>
-        </p:spPr>
-        <p:txBody>
-          <a:bodyPr anchor="ctr">
-            <a:normAutofit/>
-          </a:bodyPr>
-          <a:lstStyle/>
-          <a:p>
-            <a:r>
-              <a:rPr lang="en-US" sz="2000" dirty="0"/>
-              <a:t>Let’s go to </a:t>
-            </a:r>
-            <a:r>
-              <a:rPr lang="en-US" sz="2000" dirty="0" err="1"/>
-              <a:t>Streamlit</a:t>
-            </a:r>
-            <a:r>
-              <a:rPr lang="en-US" sz="2000" dirty="0"/>
-              <a:t> and test out the Application ourselves. </a:t>
-            </a:r>
-          </a:p>
-          <a:p>
-            <a:r>
-              <a:rPr lang="en-IN" sz="2000" b="1" dirty="0">
-                <a:effectLst/>
-                <a:latin typeface="Helvetica Neue" panose="02000503000000020004" pitchFamily="2" charset="0"/>
-                <a:hlinkClick r:id="rId3"/>
-              </a:rPr>
-              <a:t>Car Price Prediction App</a:t>
-            </a:r>
-            <a:endParaRPr lang="en-IN" sz="2000" b="1" dirty="0">
-              <a:effectLst/>
-              <a:latin typeface="Helvetica Neue" panose="02000503000000020004" pitchFamily="2" charset="0"/>
-            </a:endParaRPr>
-          </a:p>
-          <a:p>
-            <a:endParaRPr lang="en-IN" sz="2000" dirty="0">
-              <a:effectLst/>
-              <a:latin typeface="Helvetica Neue" panose="02000503000000020004" pitchFamily="2" charset="0"/>
-            </a:endParaRPr>
-          </a:p>
-          <a:p>
-            <a:endParaRPr lang="en-US" sz="2000" dirty="0"/>
-          </a:p>
-        </p:txBody>
-      </p:sp>
-    </p:spTree>
-    <p:extLst>
-      <p:ext uri="{BB962C8B-B14F-4D97-AF65-F5344CB8AC3E}">
-        <p14:creationId xmlns:p14="http://schemas.microsoft.com/office/powerpoint/2010/main" val="3399781129"/>
       </p:ext>
     </p:extLst>
   </p:cSld>
